--- a/SimpleProjects/Module/ParkingArea/1.Design/Database/Database_ERDiagram.pptx
+++ b/SimpleProjects/Module/ParkingArea/1.Design/Database/Database_ERDiagram.pptx
@@ -105,6 +105,22 @@
       </a:defRPr>
     </a:lvl9pPr>
   </p:defaultTextStyle>
+  <p:extLst>
+    <p:ext uri="{EFAFB233-063F-42B5-8137-9DF3F51BA10A}">
+      <p15:sldGuideLst xmlns:p15="http://schemas.microsoft.com/office/powerpoint/2012/main">
+        <p15:guide id="1" orient="horz" pos="2160">
+          <p15:clr>
+            <a:srgbClr val="A4A3A4"/>
+          </p15:clr>
+        </p15:guide>
+        <p15:guide id="2" pos="2880">
+          <p15:clr>
+            <a:srgbClr val="A4A3A4"/>
+          </p15:clr>
+        </p15:guide>
+      </p15:sldGuideLst>
+    </p:ext>
+  </p:extLst>
 </p:presentation>
 </file>
 
@@ -289,7 +305,7 @@
           <a:p>
             <a:fld id="{E90ED720-0104-4369-84BC-D37694168613}" type="datetimeFigureOut">
               <a:rPr kumimoji="1" lang="ja-JP" altLang="en-US" smtClean="0"/>
-              <a:t>2018/5/2</a:t>
+              <a:t>2020/5/4</a:t>
             </a:fld>
             <a:endParaRPr kumimoji="1" lang="ja-JP" altLang="en-US"/>
           </a:p>
@@ -486,7 +502,7 @@
           <a:p>
             <a:fld id="{E90ED720-0104-4369-84BC-D37694168613}" type="datetimeFigureOut">
               <a:rPr kumimoji="1" lang="ja-JP" altLang="en-US" smtClean="0"/>
-              <a:t>2018/5/2</a:t>
+              <a:t>2020/5/4</a:t>
             </a:fld>
             <a:endParaRPr kumimoji="1" lang="ja-JP" altLang="en-US"/>
           </a:p>
@@ -693,7 +709,7 @@
           <a:p>
             <a:fld id="{E90ED720-0104-4369-84BC-D37694168613}" type="datetimeFigureOut">
               <a:rPr kumimoji="1" lang="ja-JP" altLang="en-US" smtClean="0"/>
-              <a:t>2018/5/2</a:t>
+              <a:t>2020/5/4</a:t>
             </a:fld>
             <a:endParaRPr kumimoji="1" lang="ja-JP" altLang="en-US"/>
           </a:p>
@@ -890,7 +906,7 @@
           <a:p>
             <a:fld id="{E90ED720-0104-4369-84BC-D37694168613}" type="datetimeFigureOut">
               <a:rPr kumimoji="1" lang="ja-JP" altLang="en-US" smtClean="0"/>
-              <a:t>2018/5/2</a:t>
+              <a:t>2020/5/4</a:t>
             </a:fld>
             <a:endParaRPr kumimoji="1" lang="ja-JP" altLang="en-US"/>
           </a:p>
@@ -1131,7 +1147,7 @@
           <a:p>
             <a:fld id="{E90ED720-0104-4369-84BC-D37694168613}" type="datetimeFigureOut">
               <a:rPr kumimoji="1" lang="ja-JP" altLang="en-US" smtClean="0"/>
-              <a:t>2018/5/2</a:t>
+              <a:t>2020/5/4</a:t>
             </a:fld>
             <a:endParaRPr kumimoji="1" lang="ja-JP" altLang="en-US"/>
           </a:p>
@@ -1478,7 +1494,7 @@
           <a:p>
             <a:fld id="{E90ED720-0104-4369-84BC-D37694168613}" type="datetimeFigureOut">
               <a:rPr kumimoji="1" lang="ja-JP" altLang="en-US" smtClean="0"/>
-              <a:t>2018/5/2</a:t>
+              <a:t>2020/5/4</a:t>
             </a:fld>
             <a:endParaRPr kumimoji="1" lang="ja-JP" altLang="en-US"/>
           </a:p>
@@ -1959,7 +1975,7 @@
           <a:p>
             <a:fld id="{E90ED720-0104-4369-84BC-D37694168613}" type="datetimeFigureOut">
               <a:rPr kumimoji="1" lang="ja-JP" altLang="en-US" smtClean="0"/>
-              <a:t>2018/5/2</a:t>
+              <a:t>2020/5/4</a:t>
             </a:fld>
             <a:endParaRPr kumimoji="1" lang="ja-JP" altLang="en-US"/>
           </a:p>
@@ -2072,7 +2088,7 @@
           <a:p>
             <a:fld id="{E90ED720-0104-4369-84BC-D37694168613}" type="datetimeFigureOut">
               <a:rPr kumimoji="1" lang="ja-JP" altLang="en-US" smtClean="0"/>
-              <a:t>2018/5/2</a:t>
+              <a:t>2020/5/4</a:t>
             </a:fld>
             <a:endParaRPr kumimoji="1" lang="ja-JP" altLang="en-US"/>
           </a:p>
@@ -2162,7 +2178,7 @@
           <a:p>
             <a:fld id="{E90ED720-0104-4369-84BC-D37694168613}" type="datetimeFigureOut">
               <a:rPr kumimoji="1" lang="ja-JP" altLang="en-US" smtClean="0"/>
-              <a:t>2018/5/2</a:t>
+              <a:t>2020/5/4</a:t>
             </a:fld>
             <a:endParaRPr kumimoji="1" lang="ja-JP" altLang="en-US"/>
           </a:p>
@@ -2466,7 +2482,7 @@
           <a:p>
             <a:fld id="{E90ED720-0104-4369-84BC-D37694168613}" type="datetimeFigureOut">
               <a:rPr kumimoji="1" lang="ja-JP" altLang="en-US" smtClean="0"/>
-              <a:t>2018/5/2</a:t>
+              <a:t>2020/5/4</a:t>
             </a:fld>
             <a:endParaRPr kumimoji="1" lang="ja-JP" altLang="en-US"/>
           </a:p>
@@ -2714,7 +2730,7 @@
           <a:p>
             <a:fld id="{E90ED720-0104-4369-84BC-D37694168613}" type="datetimeFigureOut">
               <a:rPr kumimoji="1" lang="ja-JP" altLang="en-US" smtClean="0"/>
-              <a:t>2018/5/2</a:t>
+              <a:t>2020/5/4</a:t>
             </a:fld>
             <a:endParaRPr kumimoji="1" lang="ja-JP" altLang="en-US"/>
           </a:p>
@@ -2954,7 +2970,7 @@
           <a:p>
             <a:fld id="{E90ED720-0104-4369-84BC-D37694168613}" type="datetimeFigureOut">
               <a:rPr kumimoji="1" lang="ja-JP" altLang="en-US" smtClean="0"/>
-              <a:t>2018/5/2</a:t>
+              <a:t>2020/5/4</a:t>
             </a:fld>
             <a:endParaRPr kumimoji="1" lang="ja-JP" altLang="en-US"/>
           </a:p>
@@ -3326,21 +3342,21 @@
       </p:grpSpPr>
       <p:graphicFrame>
         <p:nvGraphicFramePr>
-          <p:cNvPr id="5" name="표 4"/>
+          <p:cNvPr id="8" name="표 7"/>
           <p:cNvGraphicFramePr>
             <a:graphicFrameLocks noGrp="1"/>
           </p:cNvGraphicFramePr>
           <p:nvPr>
             <p:extLst>
               <p:ext uri="{D42A27DB-BD31-4B8C-83A1-F6EECF244321}">
-                <p14:modId xmlns:p14="http://schemas.microsoft.com/office/powerpoint/2010/main" val="1250649710"/>
+                <p14:modId xmlns:p14="http://schemas.microsoft.com/office/powerpoint/2010/main" val="1340351276"/>
               </p:ext>
             </p:extLst>
           </p:nvPr>
         </p:nvGraphicFramePr>
         <p:xfrm>
-          <a:off x="-7885384" y="-1014076"/>
-          <a:ext cx="6096000" cy="3601720"/>
+          <a:off x="224611" y="524399"/>
+          <a:ext cx="6096000" cy="2959308"/>
         </p:xfrm>
         <a:graphic>
           <a:graphicData uri="http://schemas.openxmlformats.org/drawingml/2006/table">
@@ -3349,10 +3365,34 @@
                 <a:tableStyleId>{F2DE63D5-997A-4646-A377-4702673A728D}</a:tableStyleId>
               </a:tblPr>
               <a:tblGrid>
-                <a:gridCol w="2032000"/>
-                <a:gridCol w="1016000"/>
-                <a:gridCol w="1016000"/>
-                <a:gridCol w="2032000"/>
+                <a:gridCol w="2032000">
+                  <a:extLst>
+                    <a:ext uri="{9D8B030D-6E8A-4147-A177-3AD203B41FA5}">
+                      <a16:colId xmlns:a16="http://schemas.microsoft.com/office/drawing/2014/main" val="20000"/>
+                    </a:ext>
+                  </a:extLst>
+                </a:gridCol>
+                <a:gridCol w="1016000">
+                  <a:extLst>
+                    <a:ext uri="{9D8B030D-6E8A-4147-A177-3AD203B41FA5}">
+                      <a16:colId xmlns:a16="http://schemas.microsoft.com/office/drawing/2014/main" val="20001"/>
+                    </a:ext>
+                  </a:extLst>
+                </a:gridCol>
+                <a:gridCol w="1016000">
+                  <a:extLst>
+                    <a:ext uri="{9D8B030D-6E8A-4147-A177-3AD203B41FA5}">
+                      <a16:colId xmlns:a16="http://schemas.microsoft.com/office/drawing/2014/main" val="20002"/>
+                    </a:ext>
+                  </a:extLst>
+                </a:gridCol>
+                <a:gridCol w="2032000">
+                  <a:extLst>
+                    <a:ext uri="{9D8B030D-6E8A-4147-A177-3AD203B41FA5}">
+                      <a16:colId xmlns:a16="http://schemas.microsoft.com/office/drawing/2014/main" val="20003"/>
+                    </a:ext>
+                  </a:extLst>
+                </a:gridCol>
               </a:tblGrid>
               <a:tr h="221744">
                 <a:tc gridSpan="2">
@@ -3368,7 +3408,20 @@
                       <a:endParaRPr lang="ko-KR" altLang="en-US" dirty="0"/>
                     </a:p>
                   </a:txBody>
-                  <a:tcPr/>
+                  <a:tcPr>
+                    <a:lnR w="12700" cap="flat" cmpd="sng" algn="ctr">
+                      <a:solidFill>
+                        <a:schemeClr val="accent3">
+                          <a:lumMod val="60000"/>
+                          <a:lumOff val="40000"/>
+                        </a:schemeClr>
+                      </a:solidFill>
+                      <a:prstDash val="solid"/>
+                      <a:round/>
+                      <a:headEnd type="none" w="med" len="med"/>
+                      <a:tailEnd type="none" w="med" len="med"/>
+                    </a:lnR>
+                  </a:tcPr>
                 </a:tc>
                 <a:tc hMerge="1">
                   <a:txBody>
@@ -3388,13 +3441,26 @@
                     <a:p>
                       <a:pPr algn="ctr" latinLnBrk="1"/>
                       <a:r>
-                        <a:rPr lang="en-US" altLang="ko-KR" dirty="0" smtClean="0"/>
-                        <a:t>Board</a:t>
+                        <a:rPr lang="en-US" altLang="ko-KR" dirty="0" err="1" smtClean="0"/>
+                        <a:t>User_information</a:t>
                       </a:r>
                       <a:endParaRPr lang="ko-KR" altLang="en-US" dirty="0"/>
                     </a:p>
                   </a:txBody>
-                  <a:tcPr/>
+                  <a:tcPr>
+                    <a:lnL w="12700" cap="flat" cmpd="sng" algn="ctr">
+                      <a:solidFill>
+                        <a:schemeClr val="accent3">
+                          <a:lumMod val="60000"/>
+                          <a:lumOff val="40000"/>
+                        </a:schemeClr>
+                      </a:solidFill>
+                      <a:prstDash val="solid"/>
+                      <a:round/>
+                      <a:headEnd type="none" w="med" len="med"/>
+                      <a:tailEnd type="none" w="med" len="med"/>
+                    </a:lnL>
+                  </a:tcPr>
                 </a:tc>
                 <a:tc hMerge="1">
                   <a:txBody>
@@ -3407,6 +3473,11 @@
                   </a:txBody>
                   <a:tcPr/>
                 </a:tc>
+                <a:extLst>
+                  <a:ext uri="{0D108BD9-81ED-4DB2-BD59-A6C34878D82A}">
+                    <a16:rowId xmlns:a16="http://schemas.microsoft.com/office/drawing/2014/main" val="10000"/>
+                  </a:ext>
+                </a:extLst>
               </a:tr>
               <a:tr h="370840">
                 <a:tc>
@@ -3416,17 +3487,36 @@
                     <a:p>
                       <a:pPr algn="ctr" latinLnBrk="1"/>
                       <a:r>
-                        <a:rPr lang="en-US" altLang="ko-KR" dirty="0" smtClean="0"/>
-                        <a:t>Element</a:t>
+                        <a:rPr lang="en-US" altLang="ko-KR" baseline="0" dirty="0" smtClean="0"/>
+                        <a:t>Column </a:t>
                       </a:r>
                       <a:r>
                         <a:rPr lang="en-US" altLang="ko-KR" baseline="0" dirty="0" smtClean="0"/>
-                        <a:t> Name</a:t>
+                        <a:t>Name</a:t>
                       </a:r>
                       <a:endParaRPr lang="ko-KR" altLang="en-US" dirty="0"/>
                     </a:p>
                   </a:txBody>
-                  <a:tcPr/>
+                  <a:tcPr>
+                    <a:lnR w="12700" cap="flat" cmpd="sng" algn="ctr">
+                      <a:solidFill>
+                        <a:schemeClr val="accent3">
+                          <a:lumMod val="60000"/>
+                          <a:lumOff val="40000"/>
+                        </a:schemeClr>
+                      </a:solidFill>
+                      <a:prstDash val="solid"/>
+                      <a:round/>
+                      <a:headEnd type="none" w="med" len="med"/>
+                      <a:tailEnd type="none" w="med" len="med"/>
+                    </a:lnR>
+                    <a:solidFill>
+                      <a:schemeClr val="accent3">
+                        <a:lumMod val="20000"/>
+                        <a:lumOff val="80000"/>
+                      </a:schemeClr>
+                    </a:solidFill>
+                  </a:tcPr>
                 </a:tc>
                 <a:tc gridSpan="2">
                   <a:txBody>
@@ -3445,7 +3535,38 @@
                       <a:endParaRPr lang="ko-KR" altLang="en-US" dirty="0"/>
                     </a:p>
                   </a:txBody>
-                  <a:tcPr/>
+                  <a:tcPr>
+                    <a:lnL w="12700" cap="flat" cmpd="sng" algn="ctr">
+                      <a:solidFill>
+                        <a:schemeClr val="accent3">
+                          <a:lumMod val="60000"/>
+                          <a:lumOff val="40000"/>
+                        </a:schemeClr>
+                      </a:solidFill>
+                      <a:prstDash val="solid"/>
+                      <a:round/>
+                      <a:headEnd type="none" w="med" len="med"/>
+                      <a:tailEnd type="none" w="med" len="med"/>
+                    </a:lnL>
+                    <a:lnR w="12700" cap="flat" cmpd="sng" algn="ctr">
+                      <a:solidFill>
+                        <a:schemeClr val="accent3">
+                          <a:lumMod val="60000"/>
+                          <a:lumOff val="40000"/>
+                        </a:schemeClr>
+                      </a:solidFill>
+                      <a:prstDash val="solid"/>
+                      <a:round/>
+                      <a:headEnd type="none" w="med" len="med"/>
+                      <a:tailEnd type="none" w="med" len="med"/>
+                    </a:lnR>
+                    <a:solidFill>
+                      <a:schemeClr val="accent3">
+                        <a:lumMod val="20000"/>
+                        <a:lumOff val="80000"/>
+                      </a:schemeClr>
+                    </a:solidFill>
+                  </a:tcPr>
                 </a:tc>
                 <a:tc hMerge="1">
                   <a:txBody>
@@ -3471,76 +3592,32 @@
                       <a:endParaRPr lang="ko-KR" altLang="en-US" dirty="0"/>
                     </a:p>
                   </a:txBody>
-                  <a:tcPr/>
+                  <a:tcPr>
+                    <a:lnL w="12700" cap="flat" cmpd="sng" algn="ctr">
+                      <a:solidFill>
+                        <a:schemeClr val="accent3">
+                          <a:lumMod val="60000"/>
+                          <a:lumOff val="40000"/>
+                        </a:schemeClr>
+                      </a:solidFill>
+                      <a:prstDash val="solid"/>
+                      <a:round/>
+                      <a:headEnd type="none" w="med" len="med"/>
+                      <a:tailEnd type="none" w="med" len="med"/>
+                    </a:lnL>
+                    <a:solidFill>
+                      <a:schemeClr val="accent3">
+                        <a:lumMod val="20000"/>
+                        <a:lumOff val="80000"/>
+                      </a:schemeClr>
+                    </a:solidFill>
+                  </a:tcPr>
                 </a:tc>
-              </a:tr>
-              <a:tr h="370840">
-                <a:tc>
-                  <a:txBody>
-                    <a:bodyPr/>
-                    <a:lstStyle/>
-                    <a:p>
-                      <a:pPr algn="ctr" latinLnBrk="1"/>
-                      <a:r>
-                        <a:rPr lang="en-US" altLang="ko-KR" dirty="0" err="1" smtClean="0"/>
-                        <a:t>board_num</a:t>
-                      </a:r>
-                      <a:endParaRPr lang="ko-KR" altLang="en-US" dirty="0"/>
-                    </a:p>
-                  </a:txBody>
-                  <a:tcPr/>
-                </a:tc>
-                <a:tc gridSpan="2">
-                  <a:txBody>
-                    <a:bodyPr/>
-                    <a:lstStyle/>
-                    <a:p>
-                      <a:pPr algn="ctr" latinLnBrk="1"/>
-                      <a:r>
-                        <a:rPr lang="en-US" altLang="ko-KR" dirty="0" smtClean="0"/>
-                        <a:t>Number</a:t>
-                      </a:r>
-                      <a:endParaRPr lang="ko-KR" altLang="en-US" dirty="0"/>
-                    </a:p>
-                  </a:txBody>
-                  <a:tcPr/>
-                </a:tc>
-                <a:tc hMerge="1">
-                  <a:txBody>
-                    <a:bodyPr/>
-                    <a:lstStyle/>
-                    <a:p>
-                      <a:pPr latinLnBrk="1"/>
-                      <a:endParaRPr lang="ko-KR" altLang="en-US"/>
-                    </a:p>
-                  </a:txBody>
-                  <a:tcPr/>
-                </a:tc>
-                <a:tc>
-                  <a:txBody>
-                    <a:bodyPr/>
-                    <a:lstStyle/>
-                    <a:p>
-                      <a:pPr algn="ctr" latinLnBrk="1"/>
-                      <a:r>
-                        <a:rPr lang="en-US" altLang="ko-KR" dirty="0" smtClean="0"/>
-                        <a:t>Primary</a:t>
-                      </a:r>
-                      <a:r>
-                        <a:rPr lang="en-US" altLang="ko-KR" baseline="0" dirty="0" smtClean="0"/>
-                        <a:t> Key</a:t>
-                      </a:r>
-                    </a:p>
-                    <a:p>
-                      <a:pPr algn="ctr" latinLnBrk="1"/>
-                      <a:r>
-                        <a:rPr lang="en-US" altLang="ko-KR" baseline="0" dirty="0" smtClean="0"/>
-                        <a:t>(Auto Increment)</a:t>
-                      </a:r>
-                    </a:p>
-                  </a:txBody>
-                  <a:tcPr/>
-                </a:tc>
+                <a:extLst>
+                  <a:ext uri="{0D108BD9-81ED-4DB2-BD59-A6C34878D82A}">
+                    <a16:rowId xmlns:a16="http://schemas.microsoft.com/office/drawing/2014/main" val="10001"/>
+                  </a:ext>
+                </a:extLst>
               </a:tr>
               <a:tr h="370840">
                 <a:tc>
@@ -3556,7 +3633,20 @@
                       <a:endParaRPr lang="ko-KR" altLang="en-US" dirty="0"/>
                     </a:p>
                   </a:txBody>
-                  <a:tcPr/>
+                  <a:tcPr>
+                    <a:lnR w="12700" cap="flat" cmpd="sng" algn="ctr">
+                      <a:solidFill>
+                        <a:schemeClr val="accent3">
+                          <a:lumMod val="60000"/>
+                          <a:lumOff val="40000"/>
+                        </a:schemeClr>
+                      </a:solidFill>
+                      <a:prstDash val="solid"/>
+                      <a:round/>
+                      <a:headEnd type="none" w="med" len="med"/>
+                      <a:tailEnd type="none" w="med" len="med"/>
+                    </a:lnR>
+                  </a:tcPr>
                 </a:tc>
                 <a:tc gridSpan="2">
                   <a:txBody>
@@ -3571,589 +3661,32 @@
                       <a:endParaRPr lang="ko-KR" altLang="en-US" dirty="0"/>
                     </a:p>
                   </a:txBody>
-                  <a:tcPr/>
-                </a:tc>
-                <a:tc hMerge="1">
-                  <a:txBody>
-                    <a:bodyPr/>
-                    <a:lstStyle/>
-                    <a:p>
-                      <a:pPr latinLnBrk="1"/>
-                      <a:endParaRPr lang="ko-KR" altLang="en-US"/>
-                    </a:p>
-                  </a:txBody>
-                  <a:tcPr/>
-                </a:tc>
-                <a:tc>
-                  <a:txBody>
-                    <a:bodyPr/>
-                    <a:lstStyle/>
-                    <a:p>
-                      <a:pPr algn="ctr" latinLnBrk="1"/>
-                      <a:r>
-                        <a:rPr lang="en-US" altLang="ko-KR" dirty="0" smtClean="0"/>
-                        <a:t>Not Null</a:t>
-                      </a:r>
-                      <a:endParaRPr lang="ko-KR" altLang="en-US" dirty="0"/>
-                    </a:p>
-                  </a:txBody>
-                  <a:tcPr/>
-                </a:tc>
-              </a:tr>
-              <a:tr h="370840">
-                <a:tc>
-                  <a:txBody>
-                    <a:bodyPr/>
-                    <a:lstStyle/>
-                    <a:p>
-                      <a:pPr algn="ctr" latinLnBrk="1"/>
-                      <a:r>
-                        <a:rPr lang="en-US" altLang="ko-KR" dirty="0" smtClean="0"/>
-                        <a:t>Title</a:t>
-                      </a:r>
-                      <a:endParaRPr lang="ko-KR" altLang="en-US" dirty="0"/>
-                    </a:p>
-                  </a:txBody>
-                  <a:tcPr/>
-                </a:tc>
-                <a:tc gridSpan="2">
-                  <a:txBody>
-                    <a:bodyPr/>
-                    <a:lstStyle/>
-                    <a:p>
-                      <a:pPr algn="ctr" latinLnBrk="1"/>
-                      <a:r>
-                        <a:rPr lang="en-US" altLang="ko-KR" dirty="0" smtClean="0"/>
-                        <a:t>Varchar2(100)</a:t>
-                      </a:r>
-                      <a:endParaRPr lang="ko-KR" altLang="en-US" dirty="0"/>
-                    </a:p>
-                  </a:txBody>
-                  <a:tcPr/>
-                </a:tc>
-                <a:tc hMerge="1">
-                  <a:txBody>
-                    <a:bodyPr/>
-                    <a:lstStyle/>
-                    <a:p>
-                      <a:pPr latinLnBrk="1"/>
-                      <a:endParaRPr lang="ko-KR" altLang="en-US"/>
-                    </a:p>
-                  </a:txBody>
-                  <a:tcPr/>
-                </a:tc>
-                <a:tc>
-                  <a:txBody>
-                    <a:bodyPr/>
-                    <a:lstStyle/>
-                    <a:p>
-                      <a:pPr marL="0" marR="0" indent="0" algn="ctr" defTabSz="914400" rtl="0" eaLnBrk="1" fontAlgn="auto" latinLnBrk="1" hangingPunct="1">
-                        <a:lnSpc>
-                          <a:spcPct val="100000"/>
-                        </a:lnSpc>
-                        <a:spcBef>
-                          <a:spcPts val="0"/>
-                        </a:spcBef>
-                        <a:spcAft>
-                          <a:spcPts val="0"/>
-                        </a:spcAft>
-                        <a:buClrTx/>
-                        <a:buSzTx/>
-                        <a:buFontTx/>
-                        <a:buNone/>
-                        <a:tabLst/>
-                        <a:defRPr/>
-                      </a:pPr>
-                      <a:r>
-                        <a:rPr lang="en-US" altLang="ko-KR" dirty="0" smtClean="0"/>
-                        <a:t>Not Null</a:t>
-                      </a:r>
-                      <a:endParaRPr lang="ko-KR" altLang="en-US" dirty="0" smtClean="0"/>
-                    </a:p>
-                  </a:txBody>
-                  <a:tcPr/>
-                </a:tc>
-              </a:tr>
-              <a:tr h="370840">
-                <a:tc>
-                  <a:txBody>
-                    <a:bodyPr/>
-                    <a:lstStyle/>
-                    <a:p>
-                      <a:pPr algn="ctr" latinLnBrk="1"/>
-                      <a:r>
-                        <a:rPr lang="en-US" altLang="ko-KR" dirty="0" smtClean="0"/>
-                        <a:t>Content</a:t>
-                      </a:r>
-                      <a:endParaRPr lang="ko-KR" altLang="en-US" dirty="0"/>
-                    </a:p>
-                  </a:txBody>
-                  <a:tcPr/>
-                </a:tc>
-                <a:tc gridSpan="2">
-                  <a:txBody>
-                    <a:bodyPr/>
-                    <a:lstStyle/>
-                    <a:p>
-                      <a:pPr algn="ctr" latinLnBrk="1"/>
-                      <a:r>
-                        <a:rPr lang="en-US" altLang="ko-KR" dirty="0" smtClean="0"/>
-                        <a:t>Varchar2(1000)</a:t>
-                      </a:r>
-                      <a:endParaRPr lang="ko-KR" altLang="en-US" dirty="0"/>
-                    </a:p>
-                  </a:txBody>
-                  <a:tcPr/>
-                </a:tc>
-                <a:tc hMerge="1">
-                  <a:txBody>
-                    <a:bodyPr/>
-                    <a:lstStyle/>
-                    <a:p>
-                      <a:pPr latinLnBrk="1"/>
-                      <a:endParaRPr lang="ko-KR" altLang="en-US"/>
-                    </a:p>
-                  </a:txBody>
-                  <a:tcPr/>
-                </a:tc>
-                <a:tc>
-                  <a:txBody>
-                    <a:bodyPr/>
-                    <a:lstStyle/>
-                    <a:p>
-                      <a:pPr marL="0" marR="0" indent="0" algn="ctr" defTabSz="914400" rtl="0" eaLnBrk="1" fontAlgn="auto" latinLnBrk="1" hangingPunct="1">
-                        <a:lnSpc>
-                          <a:spcPct val="100000"/>
-                        </a:lnSpc>
-                        <a:spcBef>
-                          <a:spcPts val="0"/>
-                        </a:spcBef>
-                        <a:spcAft>
-                          <a:spcPts val="0"/>
-                        </a:spcAft>
-                        <a:buClrTx/>
-                        <a:buSzTx/>
-                        <a:buFontTx/>
-                        <a:buNone/>
-                        <a:tabLst/>
-                        <a:defRPr/>
-                      </a:pPr>
-                      <a:r>
-                        <a:rPr lang="en-US" altLang="ko-KR" dirty="0" smtClean="0"/>
-                        <a:t>Not Null</a:t>
-                      </a:r>
-                      <a:endParaRPr lang="ko-KR" altLang="en-US" dirty="0" smtClean="0"/>
-                    </a:p>
-                  </a:txBody>
-                  <a:tcPr/>
-                </a:tc>
-              </a:tr>
-              <a:tr h="370840">
-                <a:tc>
-                  <a:txBody>
-                    <a:bodyPr/>
-                    <a:lstStyle/>
-                    <a:p>
-                      <a:pPr algn="ctr" latinLnBrk="1"/>
-                      <a:r>
-                        <a:rPr lang="en-US" altLang="ko-KR" dirty="0" smtClean="0"/>
-                        <a:t>Kinds</a:t>
-                      </a:r>
-                      <a:endParaRPr lang="ko-KR" altLang="en-US" dirty="0"/>
-                    </a:p>
-                  </a:txBody>
-                  <a:tcPr/>
-                </a:tc>
-                <a:tc gridSpan="2">
-                  <a:txBody>
-                    <a:bodyPr/>
-                    <a:lstStyle/>
-                    <a:p>
-                      <a:pPr algn="ctr" latinLnBrk="1"/>
-                      <a:r>
-                        <a:rPr lang="en-US" altLang="ko-KR" dirty="0" smtClean="0"/>
-                        <a:t>char(1)</a:t>
-                      </a:r>
-                      <a:endParaRPr lang="ko-KR" altLang="en-US" dirty="0"/>
-                    </a:p>
-                  </a:txBody>
-                  <a:tcPr/>
-                </a:tc>
-                <a:tc hMerge="1">
-                  <a:txBody>
-                    <a:bodyPr/>
-                    <a:lstStyle/>
-                    <a:p>
-                      <a:pPr latinLnBrk="1"/>
-                      <a:endParaRPr lang="ko-KR" altLang="en-US"/>
-                    </a:p>
-                  </a:txBody>
-                  <a:tcPr/>
-                </a:tc>
-                <a:tc>
-                  <a:txBody>
-                    <a:bodyPr/>
-                    <a:lstStyle/>
-                    <a:p>
-                      <a:pPr marL="0" marR="0" indent="0" algn="ctr" defTabSz="914400" rtl="0" eaLnBrk="1" fontAlgn="auto" latinLnBrk="1" hangingPunct="1">
-                        <a:lnSpc>
-                          <a:spcPct val="100000"/>
-                        </a:lnSpc>
-                        <a:spcBef>
-                          <a:spcPts val="0"/>
-                        </a:spcBef>
-                        <a:spcAft>
-                          <a:spcPts val="0"/>
-                        </a:spcAft>
-                        <a:buClrTx/>
-                        <a:buSzTx/>
-                        <a:buFontTx/>
-                        <a:buNone/>
-                        <a:tabLst/>
-                        <a:defRPr/>
-                      </a:pPr>
-                      <a:r>
-                        <a:rPr lang="en-US" altLang="ko-KR" dirty="0" smtClean="0"/>
-                        <a:t>Not Null</a:t>
-                      </a:r>
-                      <a:endParaRPr lang="ko-KR" altLang="en-US" dirty="0" smtClean="0"/>
-                    </a:p>
-                  </a:txBody>
-                  <a:tcPr/>
-                </a:tc>
-              </a:tr>
-              <a:tr h="370840">
-                <a:tc>
-                  <a:txBody>
-                    <a:bodyPr/>
-                    <a:lstStyle/>
-                    <a:p>
-                      <a:pPr algn="ctr" latinLnBrk="1"/>
-                      <a:r>
-                        <a:rPr lang="en-US" altLang="ko-KR" dirty="0" err="1" smtClean="0"/>
-                        <a:t>Writedate</a:t>
-                      </a:r>
-                      <a:endParaRPr lang="ko-KR" altLang="en-US" dirty="0"/>
-                    </a:p>
-                  </a:txBody>
-                  <a:tcPr/>
-                </a:tc>
-                <a:tc gridSpan="2">
-                  <a:txBody>
-                    <a:bodyPr/>
-                    <a:lstStyle/>
-                    <a:p>
-                      <a:pPr algn="ctr" latinLnBrk="1"/>
-                      <a:r>
-                        <a:rPr lang="en-US" altLang="ko-KR" dirty="0" smtClean="0"/>
-                        <a:t>DATE</a:t>
-                      </a:r>
-                      <a:endParaRPr lang="ko-KR" altLang="en-US" dirty="0"/>
-                    </a:p>
-                  </a:txBody>
-                  <a:tcPr/>
-                </a:tc>
-                <a:tc hMerge="1">
-                  <a:txBody>
-                    <a:bodyPr/>
-                    <a:lstStyle/>
-                    <a:p>
-                      <a:pPr latinLnBrk="1"/>
-                      <a:endParaRPr lang="ko-KR" altLang="en-US"/>
-                    </a:p>
-                  </a:txBody>
-                  <a:tcPr/>
-                </a:tc>
-                <a:tc>
-                  <a:txBody>
-                    <a:bodyPr/>
-                    <a:lstStyle/>
-                    <a:p>
-                      <a:pPr marL="0" marR="0" indent="0" algn="ctr" defTabSz="914400" rtl="0" eaLnBrk="1" fontAlgn="auto" latinLnBrk="1" hangingPunct="1">
-                        <a:lnSpc>
-                          <a:spcPct val="100000"/>
-                        </a:lnSpc>
-                        <a:spcBef>
-                          <a:spcPts val="0"/>
-                        </a:spcBef>
-                        <a:spcAft>
-                          <a:spcPts val="0"/>
-                        </a:spcAft>
-                        <a:buClrTx/>
-                        <a:buSzTx/>
-                        <a:buFontTx/>
-                        <a:buNone/>
-                        <a:tabLst/>
-                        <a:defRPr/>
-                      </a:pPr>
-                      <a:r>
-                        <a:rPr lang="en-US" altLang="ko-KR" dirty="0" smtClean="0"/>
-                        <a:t>Not Null</a:t>
-                      </a:r>
-                      <a:endParaRPr lang="ko-KR" altLang="en-US" dirty="0" smtClean="0"/>
-                    </a:p>
-                  </a:txBody>
-                  <a:tcPr/>
-                </a:tc>
-              </a:tr>
-              <a:tr h="370840">
-                <a:tc>
-                  <a:txBody>
-                    <a:bodyPr/>
-                    <a:lstStyle/>
-                    <a:p>
-                      <a:pPr algn="ctr" latinLnBrk="1"/>
-                      <a:r>
-                        <a:rPr lang="en-US" altLang="ko-KR" dirty="0" err="1" smtClean="0"/>
-                        <a:t>Del_Flg</a:t>
-                      </a:r>
-                      <a:endParaRPr lang="ko-KR" altLang="en-US" dirty="0"/>
-                    </a:p>
-                  </a:txBody>
-                  <a:tcPr/>
-                </a:tc>
-                <a:tc gridSpan="2">
-                  <a:txBody>
-                    <a:bodyPr/>
-                    <a:lstStyle/>
-                    <a:p>
-                      <a:pPr algn="ctr" latinLnBrk="1"/>
-                      <a:r>
-                        <a:rPr lang="en-US" altLang="ko-KR" dirty="0" smtClean="0"/>
-                        <a:t>Char(1)</a:t>
-                      </a:r>
-                      <a:endParaRPr lang="ko-KR" altLang="en-US" dirty="0"/>
-                    </a:p>
-                  </a:txBody>
-                  <a:tcPr/>
-                </a:tc>
-                <a:tc hMerge="1">
-                  <a:txBody>
-                    <a:bodyPr/>
-                    <a:lstStyle/>
-                    <a:p>
-                      <a:pPr latinLnBrk="1"/>
-                      <a:endParaRPr lang="ko-KR" altLang="en-US"/>
-                    </a:p>
-                  </a:txBody>
-                  <a:tcPr/>
-                </a:tc>
-                <a:tc>
-                  <a:txBody>
-                    <a:bodyPr/>
-                    <a:lstStyle/>
-                    <a:p>
-                      <a:pPr marL="0" marR="0" indent="0" algn="ctr" defTabSz="914400" rtl="0" eaLnBrk="1" fontAlgn="auto" latinLnBrk="1" hangingPunct="1">
-                        <a:lnSpc>
-                          <a:spcPct val="100000"/>
-                        </a:lnSpc>
-                        <a:spcBef>
-                          <a:spcPts val="0"/>
-                        </a:spcBef>
-                        <a:spcAft>
-                          <a:spcPts val="0"/>
-                        </a:spcAft>
-                        <a:buClrTx/>
-                        <a:buSzTx/>
-                        <a:buFontTx/>
-                        <a:buNone/>
-                        <a:tabLst/>
-                        <a:defRPr/>
-                      </a:pPr>
-                      <a:r>
-                        <a:rPr lang="en-US" altLang="ko-KR" dirty="0" smtClean="0"/>
-                        <a:t>Not Null</a:t>
-                      </a:r>
-                      <a:endParaRPr lang="ko-KR" altLang="en-US" dirty="0" smtClean="0"/>
-                    </a:p>
-                  </a:txBody>
-                  <a:tcPr/>
-                </a:tc>
-              </a:tr>
-            </a:tbl>
-          </a:graphicData>
-        </a:graphic>
-      </p:graphicFrame>
-      <p:graphicFrame>
-        <p:nvGraphicFramePr>
-          <p:cNvPr id="6" name="표 5"/>
-          <p:cNvGraphicFramePr>
-            <a:graphicFrameLocks noGrp="1"/>
-          </p:cNvGraphicFramePr>
-          <p:nvPr>
-            <p:extLst>
-              <p:ext uri="{D42A27DB-BD31-4B8C-83A1-F6EECF244321}">
-                <p14:modId xmlns:p14="http://schemas.microsoft.com/office/powerpoint/2010/main" val="308590458"/>
-              </p:ext>
-            </p:extLst>
-          </p:nvPr>
-        </p:nvGraphicFramePr>
-        <p:xfrm>
-          <a:off x="-7885384" y="-5119672"/>
-          <a:ext cx="6096000" cy="2860040"/>
-        </p:xfrm>
-        <a:graphic>
-          <a:graphicData uri="http://schemas.openxmlformats.org/drawingml/2006/table">
-            <a:tbl>
-              <a:tblPr firstRow="1" bandRow="1">
-                <a:tableStyleId>{F2DE63D5-997A-4646-A377-4702673A728D}</a:tableStyleId>
-              </a:tblPr>
-              <a:tblGrid>
-                <a:gridCol w="2032000"/>
-                <a:gridCol w="1016000"/>
-                <a:gridCol w="1016000"/>
-                <a:gridCol w="2032000"/>
-              </a:tblGrid>
-              <a:tr h="221744">
-                <a:tc gridSpan="2">
-                  <a:txBody>
-                    <a:bodyPr/>
-                    <a:lstStyle/>
-                    <a:p>
-                      <a:pPr algn="ctr" latinLnBrk="1"/>
-                      <a:r>
-                        <a:rPr lang="en-US" altLang="ko-KR" dirty="0" smtClean="0"/>
-                        <a:t>Table Name</a:t>
-                      </a:r>
-                      <a:endParaRPr lang="ko-KR" altLang="en-US" dirty="0"/>
-                    </a:p>
-                  </a:txBody>
-                  <a:tcPr/>
-                </a:tc>
-                <a:tc hMerge="1">
-                  <a:txBody>
-                    <a:bodyPr/>
-                    <a:lstStyle/>
-                    <a:p>
-                      <a:pPr latinLnBrk="1"/>
-                      <a:endParaRPr lang="ko-KR" altLang="en-US" dirty="0"/>
-                    </a:p>
-                  </a:txBody>
-                  <a:tcPr/>
-                </a:tc>
-                <a:tc gridSpan="2">
-                  <a:txBody>
-                    <a:bodyPr/>
-                    <a:lstStyle/>
-                    <a:p>
-                      <a:pPr algn="ctr" latinLnBrk="1"/>
-                      <a:r>
-                        <a:rPr lang="en-US" altLang="ko-KR" dirty="0" smtClean="0"/>
-                        <a:t>Reply</a:t>
-                      </a:r>
-                      <a:endParaRPr lang="ko-KR" altLang="en-US" dirty="0"/>
-                    </a:p>
-                  </a:txBody>
-                  <a:tcPr/>
-                </a:tc>
-                <a:tc hMerge="1">
-                  <a:txBody>
-                    <a:bodyPr/>
-                    <a:lstStyle/>
-                    <a:p>
-                      <a:pPr latinLnBrk="1"/>
-                      <a:endParaRPr lang="ko-KR" altLang="en-US" dirty="0"/>
-                    </a:p>
-                  </a:txBody>
-                  <a:tcPr/>
-                </a:tc>
-              </a:tr>
-              <a:tr h="370840">
-                <a:tc>
-                  <a:txBody>
-                    <a:bodyPr/>
-                    <a:lstStyle/>
-                    <a:p>
-                      <a:pPr algn="ctr" latinLnBrk="1"/>
-                      <a:r>
-                        <a:rPr lang="en-US" altLang="ko-KR" dirty="0" smtClean="0"/>
-                        <a:t>Element</a:t>
-                      </a:r>
-                      <a:r>
-                        <a:rPr lang="en-US" altLang="ko-KR" baseline="0" dirty="0" smtClean="0"/>
-                        <a:t> Name</a:t>
-                      </a:r>
-                      <a:endParaRPr lang="ko-KR" altLang="en-US" dirty="0"/>
-                    </a:p>
-                  </a:txBody>
-                  <a:tcPr/>
-                </a:tc>
-                <a:tc gridSpan="2">
-                  <a:txBody>
-                    <a:bodyPr/>
-                    <a:lstStyle/>
-                    <a:p>
-                      <a:pPr algn="ctr" latinLnBrk="1"/>
-                      <a:r>
-                        <a:rPr lang="en-US" altLang="ko-KR" dirty="0" smtClean="0"/>
-                        <a:t>Data</a:t>
-                      </a:r>
-                      <a:r>
-                        <a:rPr lang="en-US" altLang="ko-KR" baseline="0" dirty="0" smtClean="0"/>
-                        <a:t> Type</a:t>
-                      </a:r>
-                      <a:endParaRPr lang="ko-KR" altLang="en-US" dirty="0"/>
-                    </a:p>
-                  </a:txBody>
-                  <a:tcPr/>
-                </a:tc>
-                <a:tc hMerge="1">
-                  <a:txBody>
-                    <a:bodyPr/>
-                    <a:lstStyle/>
-                    <a:p>
-                      <a:pPr latinLnBrk="1"/>
-                      <a:endParaRPr lang="ko-KR" altLang="en-US"/>
-                    </a:p>
-                  </a:txBody>
-                  <a:tcPr/>
-                </a:tc>
-                <a:tc>
-                  <a:txBody>
-                    <a:bodyPr/>
-                    <a:lstStyle/>
-                    <a:p>
-                      <a:pPr algn="ctr" latinLnBrk="1"/>
-                      <a:r>
-                        <a:rPr lang="en-US" altLang="ko-KR" dirty="0" smtClean="0"/>
-                        <a:t>Option</a:t>
-                      </a:r>
-                      <a:endParaRPr lang="ko-KR" altLang="en-US" dirty="0"/>
-                    </a:p>
-                  </a:txBody>
-                  <a:tcPr/>
-                </a:tc>
-              </a:tr>
-              <a:tr h="370840">
-                <a:tc>
-                  <a:txBody>
-                    <a:bodyPr/>
-                    <a:lstStyle/>
-                    <a:p>
-                      <a:pPr algn="ctr" latinLnBrk="1"/>
-                      <a:r>
-                        <a:rPr lang="en-US" altLang="ko-KR" dirty="0" err="1" smtClean="0"/>
-                        <a:t>Reply_num</a:t>
-                      </a:r>
-                      <a:endParaRPr lang="ko-KR" altLang="en-US" dirty="0"/>
-                    </a:p>
-                  </a:txBody>
-                  <a:tcPr/>
-                </a:tc>
-                <a:tc gridSpan="2">
-                  <a:txBody>
-                    <a:bodyPr/>
-                    <a:lstStyle/>
-                    <a:p>
-                      <a:pPr algn="ctr" latinLnBrk="1"/>
-                      <a:r>
-                        <a:rPr lang="en-US" altLang="ko-KR" dirty="0" smtClean="0"/>
-                        <a:t>Number</a:t>
-                      </a:r>
-                      <a:endParaRPr lang="ko-KR" altLang="en-US" dirty="0"/>
-                    </a:p>
-                  </a:txBody>
-                  <a:tcPr/>
+                  <a:tcPr>
+                    <a:lnL w="12700" cap="flat" cmpd="sng" algn="ctr">
+                      <a:solidFill>
+                        <a:schemeClr val="accent3">
+                          <a:lumMod val="60000"/>
+                          <a:lumOff val="40000"/>
+                        </a:schemeClr>
+                      </a:solidFill>
+                      <a:prstDash val="solid"/>
+                      <a:round/>
+                      <a:headEnd type="none" w="med" len="med"/>
+                      <a:tailEnd type="none" w="med" len="med"/>
+                    </a:lnL>
+                    <a:lnR w="12700" cap="flat" cmpd="sng" algn="ctr">
+                      <a:solidFill>
+                        <a:schemeClr val="accent3">
+                          <a:lumMod val="60000"/>
+                          <a:lumOff val="40000"/>
+                        </a:schemeClr>
+                      </a:solidFill>
+                      <a:prstDash val="solid"/>
+                      <a:round/>
+                      <a:headEnd type="none" w="med" len="med"/>
+                      <a:tailEnd type="none" w="med" len="med"/>
+                    </a:lnR>
+                  </a:tcPr>
                 </a:tc>
                 <a:tc hMerge="1">
                   <a:txBody>
@@ -4174,19 +3707,30 @@
                       <a:pPr algn="ctr" latinLnBrk="1"/>
                       <a:r>
                         <a:rPr lang="en-US" altLang="ko-KR" baseline="0" dirty="0" smtClean="0"/>
-                        <a:t>Primary Key</a:t>
-                      </a:r>
-                    </a:p>
-                    <a:p>
-                      <a:pPr algn="ctr" latinLnBrk="1"/>
-                      <a:r>
-                        <a:rPr lang="en-US" altLang="ko-KR" baseline="0" dirty="0" smtClean="0"/>
-                        <a:t>(Auto Increment)</a:t>
+                        <a:t>Primary key</a:t>
                       </a:r>
                     </a:p>
                   </a:txBody>
-                  <a:tcPr/>
+                  <a:tcPr>
+                    <a:lnL w="12700" cap="flat" cmpd="sng" algn="ctr">
+                      <a:solidFill>
+                        <a:schemeClr val="accent3">
+                          <a:lumMod val="60000"/>
+                          <a:lumOff val="40000"/>
+                        </a:schemeClr>
+                      </a:solidFill>
+                      <a:prstDash val="solid"/>
+                      <a:round/>
+                      <a:headEnd type="none" w="med" len="med"/>
+                      <a:tailEnd type="none" w="med" len="med"/>
+                    </a:lnL>
+                  </a:tcPr>
                 </a:tc>
+                <a:extLst>
+                  <a:ext uri="{0D108BD9-81ED-4DB2-BD59-A6C34878D82A}">
+                    <a16:rowId xmlns:a16="http://schemas.microsoft.com/office/drawing/2014/main" val="10002"/>
+                  </a:ext>
+                </a:extLst>
               </a:tr>
               <a:tr h="370840">
                 <a:tc>
@@ -4196,13 +3740,26 @@
                     <a:p>
                       <a:pPr algn="ctr" latinLnBrk="1"/>
                       <a:r>
-                        <a:rPr lang="en-US" altLang="ko-KR" dirty="0" err="1" smtClean="0"/>
-                        <a:t>Board_num</a:t>
+                        <a:rPr lang="en-US" altLang="ko-KR" dirty="0" smtClean="0"/>
+                        <a:t>Password</a:t>
                       </a:r>
                       <a:endParaRPr lang="ko-KR" altLang="en-US" dirty="0"/>
                     </a:p>
                   </a:txBody>
-                  <a:tcPr/>
+                  <a:tcPr>
+                    <a:lnR w="12700" cap="flat" cmpd="sng" algn="ctr">
+                      <a:solidFill>
+                        <a:schemeClr val="accent3">
+                          <a:lumMod val="60000"/>
+                          <a:lumOff val="40000"/>
+                        </a:schemeClr>
+                      </a:solidFill>
+                      <a:prstDash val="solid"/>
+                      <a:round/>
+                      <a:headEnd type="none" w="med" len="med"/>
+                      <a:tailEnd type="none" w="med" len="med"/>
+                    </a:lnR>
+                  </a:tcPr>
                 </a:tc>
                 <a:tc gridSpan="2">
                   <a:txBody>
@@ -4212,12 +3769,37 @@
                       <a:pPr algn="ctr" latinLnBrk="1"/>
                       <a:r>
                         <a:rPr lang="en-US" altLang="ko-KR" dirty="0" smtClean="0"/>
-                        <a:t>Number</a:t>
+                        <a:t>Varchar2(100)</a:t>
                       </a:r>
                       <a:endParaRPr lang="ko-KR" altLang="en-US" dirty="0"/>
                     </a:p>
                   </a:txBody>
-                  <a:tcPr/>
+                  <a:tcPr>
+                    <a:lnL w="12700" cap="flat" cmpd="sng" algn="ctr">
+                      <a:solidFill>
+                        <a:schemeClr val="accent3">
+                          <a:lumMod val="60000"/>
+                          <a:lumOff val="40000"/>
+                        </a:schemeClr>
+                      </a:solidFill>
+                      <a:prstDash val="solid"/>
+                      <a:round/>
+                      <a:headEnd type="none" w="med" len="med"/>
+                      <a:tailEnd type="none" w="med" len="med"/>
+                    </a:lnL>
+                    <a:lnR w="12700" cap="flat" cmpd="sng" algn="ctr">
+                      <a:solidFill>
+                        <a:schemeClr val="accent3">
+                          <a:lumMod val="60000"/>
+                          <a:lumOff val="40000"/>
+                        </a:schemeClr>
+                      </a:solidFill>
+                      <a:prstDash val="solid"/>
+                      <a:round/>
+                      <a:headEnd type="none" w="med" len="med"/>
+                      <a:tailEnd type="none" w="med" len="med"/>
+                    </a:lnR>
+                  </a:tcPr>
                 </a:tc>
                 <a:tc hMerge="1">
                   <a:txBody>
@@ -4243,8 +3825,26 @@
                       <a:endParaRPr lang="ko-KR" altLang="en-US" dirty="0"/>
                     </a:p>
                   </a:txBody>
-                  <a:tcPr/>
+                  <a:tcPr>
+                    <a:lnL w="12700" cap="flat" cmpd="sng" algn="ctr">
+                      <a:solidFill>
+                        <a:schemeClr val="accent3">
+                          <a:lumMod val="60000"/>
+                          <a:lumOff val="40000"/>
+                        </a:schemeClr>
+                      </a:solidFill>
+                      <a:prstDash val="solid"/>
+                      <a:round/>
+                      <a:headEnd type="none" w="med" len="med"/>
+                      <a:tailEnd type="none" w="med" len="med"/>
+                    </a:lnL>
+                  </a:tcPr>
                 </a:tc>
+                <a:extLst>
+                  <a:ext uri="{0D108BD9-81ED-4DB2-BD59-A6C34878D82A}">
+                    <a16:rowId xmlns:a16="http://schemas.microsoft.com/office/drawing/2014/main" val="10003"/>
+                  </a:ext>
+                </a:extLst>
               </a:tr>
               <a:tr h="370840">
                 <a:tc>
@@ -4254,13 +3854,26 @@
                     <a:p>
                       <a:pPr algn="ctr" latinLnBrk="1"/>
                       <a:r>
-                        <a:rPr lang="en-US" altLang="ko-KR" dirty="0" smtClean="0"/>
-                        <a:t>Email</a:t>
+                        <a:rPr lang="en-US" altLang="ko-KR" dirty="0" err="1" smtClean="0"/>
+                        <a:t>Nick_name</a:t>
                       </a:r>
                       <a:endParaRPr lang="ko-KR" altLang="en-US" dirty="0"/>
                     </a:p>
                   </a:txBody>
-                  <a:tcPr/>
+                  <a:tcPr>
+                    <a:lnR w="12700" cap="flat" cmpd="sng" algn="ctr">
+                      <a:solidFill>
+                        <a:schemeClr val="accent3">
+                          <a:lumMod val="60000"/>
+                          <a:lumOff val="40000"/>
+                        </a:schemeClr>
+                      </a:solidFill>
+                      <a:prstDash val="solid"/>
+                      <a:round/>
+                      <a:headEnd type="none" w="med" len="med"/>
+                      <a:tailEnd type="none" w="med" len="med"/>
+                    </a:lnR>
+                  </a:tcPr>
                 </a:tc>
                 <a:tc gridSpan="2">
                   <a:txBody>
@@ -4270,82 +3883,37 @@
                       <a:pPr algn="ctr" latinLnBrk="1"/>
                       <a:r>
                         <a:rPr lang="en-US" altLang="ko-KR" dirty="0" smtClean="0"/>
-                        <a:t>Varchar2(60)</a:t>
+                        <a:t>Varchar2(50)</a:t>
                       </a:r>
                       <a:endParaRPr lang="ko-KR" altLang="en-US" dirty="0"/>
                     </a:p>
                   </a:txBody>
-                  <a:tcPr/>
-                </a:tc>
-                <a:tc hMerge="1">
-                  <a:txBody>
-                    <a:bodyPr/>
-                    <a:lstStyle/>
-                    <a:p>
-                      <a:pPr latinLnBrk="1"/>
-                      <a:endParaRPr lang="ko-KR" altLang="en-US"/>
-                    </a:p>
-                  </a:txBody>
-                  <a:tcPr/>
-                </a:tc>
-                <a:tc>
-                  <a:txBody>
-                    <a:bodyPr/>
-                    <a:lstStyle/>
-                    <a:p>
-                      <a:pPr marL="0" marR="0" indent="0" algn="ctr" defTabSz="914400" rtl="0" eaLnBrk="1" fontAlgn="auto" latinLnBrk="1" hangingPunct="1">
-                        <a:lnSpc>
-                          <a:spcPct val="100000"/>
-                        </a:lnSpc>
-                        <a:spcBef>
-                          <a:spcPts val="0"/>
-                        </a:spcBef>
-                        <a:spcAft>
-                          <a:spcPts val="0"/>
-                        </a:spcAft>
-                        <a:buClrTx/>
-                        <a:buSzTx/>
-                        <a:buFontTx/>
-                        <a:buNone/>
-                        <a:tabLst/>
-                        <a:defRPr/>
-                      </a:pPr>
-                      <a:endParaRPr lang="ko-KR" altLang="en-US" dirty="0" smtClean="0"/>
-                    </a:p>
-                  </a:txBody>
-                  <a:tcPr/>
-                </a:tc>
-              </a:tr>
-              <a:tr h="370840">
-                <a:tc>
-                  <a:txBody>
-                    <a:bodyPr/>
-                    <a:lstStyle/>
-                    <a:p>
-                      <a:pPr algn="ctr" latinLnBrk="1"/>
-                      <a:r>
-                        <a:rPr lang="en-US" altLang="ko-KR" dirty="0" smtClean="0"/>
-                        <a:t>Content</a:t>
-                      </a:r>
-                      <a:endParaRPr lang="ko-KR" altLang="en-US" dirty="0"/>
-                    </a:p>
-                  </a:txBody>
-                  <a:tcPr/>
-                </a:tc>
-                <a:tc gridSpan="2">
-                  <a:txBody>
-                    <a:bodyPr/>
-                    <a:lstStyle/>
-                    <a:p>
-                      <a:pPr algn="ctr" latinLnBrk="1"/>
-                      <a:r>
-                        <a:rPr lang="en-US" altLang="ko-KR" dirty="0" smtClean="0"/>
-                        <a:t>Varchar2(200)</a:t>
-                      </a:r>
-                      <a:endParaRPr lang="ko-KR" altLang="en-US" dirty="0"/>
-                    </a:p>
-                  </a:txBody>
-                  <a:tcPr/>
+                  <a:tcPr>
+                    <a:lnL w="12700" cap="flat" cmpd="sng" algn="ctr">
+                      <a:solidFill>
+                        <a:schemeClr val="accent3">
+                          <a:lumMod val="60000"/>
+                          <a:lumOff val="40000"/>
+                        </a:schemeClr>
+                      </a:solidFill>
+                      <a:prstDash val="solid"/>
+                      <a:round/>
+                      <a:headEnd type="none" w="med" len="med"/>
+                      <a:tailEnd type="none" w="med" len="med"/>
+                    </a:lnL>
+                    <a:lnR w="12700" cap="flat" cmpd="sng" algn="ctr">
+                      <a:solidFill>
+                        <a:schemeClr val="accent3">
+                          <a:lumMod val="60000"/>
+                          <a:lumOff val="40000"/>
+                        </a:schemeClr>
+                      </a:solidFill>
+                      <a:prstDash val="solid"/>
+                      <a:round/>
+                      <a:headEnd type="none" w="med" len="med"/>
+                      <a:tailEnd type="none" w="med" len="med"/>
+                    </a:lnR>
+                  </a:tcPr>
                 </a:tc>
                 <a:tc hMerge="1">
                   <a:txBody>
@@ -4387,166 +3955,26 @@
                       <a:endParaRPr lang="ko-KR" altLang="en-US" dirty="0" smtClean="0"/>
                     </a:p>
                   </a:txBody>
-                  <a:tcPr/>
+                  <a:tcPr>
+                    <a:lnL w="12700" cap="flat" cmpd="sng" algn="ctr">
+                      <a:solidFill>
+                        <a:schemeClr val="accent3">
+                          <a:lumMod val="60000"/>
+                          <a:lumOff val="40000"/>
+                        </a:schemeClr>
+                      </a:solidFill>
+                      <a:prstDash val="solid"/>
+                      <a:round/>
+                      <a:headEnd type="none" w="med" len="med"/>
+                      <a:tailEnd type="none" w="med" len="med"/>
+                    </a:lnL>
+                  </a:tcPr>
                 </a:tc>
-              </a:tr>
-              <a:tr h="370840">
-                <a:tc>
-                  <a:txBody>
-                    <a:bodyPr/>
-                    <a:lstStyle/>
-                    <a:p>
-                      <a:pPr algn="ctr" latinLnBrk="1"/>
-                      <a:r>
-                        <a:rPr lang="en-US" altLang="ko-KR" dirty="0" err="1" smtClean="0"/>
-                        <a:t>writedate</a:t>
-                      </a:r>
-                      <a:endParaRPr lang="ko-KR" altLang="en-US" dirty="0"/>
-                    </a:p>
-                  </a:txBody>
-                  <a:tcPr/>
-                </a:tc>
-                <a:tc gridSpan="2">
-                  <a:txBody>
-                    <a:bodyPr/>
-                    <a:lstStyle/>
-                    <a:p>
-                      <a:pPr algn="ctr" latinLnBrk="1"/>
-                      <a:r>
-                        <a:rPr lang="en-US" altLang="ko-KR" dirty="0" smtClean="0"/>
-                        <a:t>DATE</a:t>
-                      </a:r>
-                      <a:endParaRPr lang="ko-KR" altLang="en-US" dirty="0"/>
-                    </a:p>
-                  </a:txBody>
-                  <a:tcPr/>
-                </a:tc>
-                <a:tc hMerge="1">
-                  <a:txBody>
-                    <a:bodyPr/>
-                    <a:lstStyle/>
-                    <a:p>
-                      <a:pPr latinLnBrk="1"/>
-                      <a:endParaRPr lang="ko-KR" altLang="en-US"/>
-                    </a:p>
-                  </a:txBody>
-                  <a:tcPr/>
-                </a:tc>
-                <a:tc>
-                  <a:txBody>
-                    <a:bodyPr/>
-                    <a:lstStyle/>
-                    <a:p>
-                      <a:pPr marL="0" marR="0" indent="0" algn="ctr" defTabSz="914400" rtl="0" eaLnBrk="1" fontAlgn="auto" latinLnBrk="1" hangingPunct="1">
-                        <a:lnSpc>
-                          <a:spcPct val="100000"/>
-                        </a:lnSpc>
-                        <a:spcBef>
-                          <a:spcPts val="0"/>
-                        </a:spcBef>
-                        <a:spcAft>
-                          <a:spcPts val="0"/>
-                        </a:spcAft>
-                        <a:buClrTx/>
-                        <a:buSzTx/>
-                        <a:buFontTx/>
-                        <a:buNone/>
-                        <a:tabLst/>
-                        <a:defRPr/>
-                      </a:pPr>
-                      <a:endParaRPr lang="ko-KR" altLang="en-US" dirty="0" smtClean="0"/>
-                    </a:p>
-                  </a:txBody>
-                  <a:tcPr/>
-                </a:tc>
-              </a:tr>
-            </a:tbl>
-          </a:graphicData>
-        </a:graphic>
-      </p:graphicFrame>
-      <p:graphicFrame>
-        <p:nvGraphicFramePr>
-          <p:cNvPr id="7" name="표 6"/>
-          <p:cNvGraphicFramePr>
-            <a:graphicFrameLocks noGrp="1"/>
-          </p:cNvGraphicFramePr>
-          <p:nvPr>
-            <p:extLst>
-              <p:ext uri="{D42A27DB-BD31-4B8C-83A1-F6EECF244321}">
-                <p14:modId xmlns:p14="http://schemas.microsoft.com/office/powerpoint/2010/main" val="2029399024"/>
-              </p:ext>
-            </p:extLst>
-          </p:nvPr>
-        </p:nvGraphicFramePr>
-        <p:xfrm>
-          <a:off x="-7885384" y="3833201"/>
-          <a:ext cx="6096000" cy="2590800"/>
-        </p:xfrm>
-        <a:graphic>
-          <a:graphicData uri="http://schemas.openxmlformats.org/drawingml/2006/table">
-            <a:tbl>
-              <a:tblPr firstRow="1" bandRow="1">
-                <a:tableStyleId>{F2DE63D5-997A-4646-A377-4702673A728D}</a:tableStyleId>
-              </a:tblPr>
-              <a:tblGrid>
-                <a:gridCol w="2032000"/>
-                <a:gridCol w="1016000"/>
-                <a:gridCol w="1016000"/>
-                <a:gridCol w="2032000"/>
-              </a:tblGrid>
-              <a:tr h="221744">
-                <a:tc gridSpan="2">
-                  <a:txBody>
-                    <a:bodyPr/>
-                    <a:lstStyle/>
-                    <a:p>
-                      <a:pPr algn="ctr" latinLnBrk="1"/>
-                      <a:r>
-                        <a:rPr lang="en-US" altLang="ko-KR" dirty="0" smtClean="0"/>
-                        <a:t>Table Name</a:t>
-                      </a:r>
-                      <a:endParaRPr lang="ko-KR" altLang="en-US" dirty="0"/>
-                    </a:p>
-                  </a:txBody>
-                  <a:tcPr/>
-                </a:tc>
-                <a:tc hMerge="1">
-                  <a:txBody>
-                    <a:bodyPr/>
-                    <a:lstStyle/>
-                    <a:p>
-                      <a:pPr latinLnBrk="1"/>
-                      <a:endParaRPr lang="ko-KR" altLang="en-US" dirty="0"/>
-                    </a:p>
-                  </a:txBody>
-                  <a:tcPr/>
-                </a:tc>
-                <a:tc gridSpan="2">
-                  <a:txBody>
-                    <a:bodyPr/>
-                    <a:lstStyle/>
-                    <a:p>
-                      <a:pPr algn="ctr" latinLnBrk="1"/>
-                      <a:r>
-                        <a:rPr lang="en-US" altLang="ko-KR" dirty="0" err="1" smtClean="0"/>
-                        <a:t>Board_Picture</a:t>
-                      </a:r>
-                      <a:endParaRPr lang="ko-KR" altLang="en-US" dirty="0"/>
-                    </a:p>
-                  </a:txBody>
-                  <a:tcPr/>
-                </a:tc>
-                <a:tc hMerge="1">
-                  <a:txBody>
-                    <a:bodyPr/>
-                    <a:lstStyle/>
-                    <a:p>
-                      <a:pPr latinLnBrk="1"/>
-                      <a:endParaRPr lang="ko-KR" altLang="en-US" dirty="0"/>
-                    </a:p>
-                  </a:txBody>
-                  <a:tcPr/>
-                </a:tc>
+                <a:extLst>
+                  <a:ext uri="{0D108BD9-81ED-4DB2-BD59-A6C34878D82A}">
+                    <a16:rowId xmlns:a16="http://schemas.microsoft.com/office/drawing/2014/main" val="10004"/>
+                  </a:ext>
+                </a:extLst>
               </a:tr>
               <a:tr h="370840">
                 <a:tc>
@@ -4557,260 +3985,25 @@
                       <a:pPr algn="ctr" latinLnBrk="1"/>
                       <a:r>
                         <a:rPr lang="en-US" altLang="ko-KR" dirty="0" smtClean="0"/>
-                        <a:t>Element</a:t>
-                      </a:r>
-                      <a:r>
-                        <a:rPr lang="en-US" altLang="ko-KR" baseline="0" dirty="0" smtClean="0"/>
-                        <a:t> Name</a:t>
+                        <a:t>Phone</a:t>
                       </a:r>
                       <a:endParaRPr lang="ko-KR" altLang="en-US" dirty="0"/>
                     </a:p>
                   </a:txBody>
-                  <a:tcPr/>
-                </a:tc>
-                <a:tc gridSpan="2">
-                  <a:txBody>
-                    <a:bodyPr/>
-                    <a:lstStyle/>
-                    <a:p>
-                      <a:pPr algn="ctr" latinLnBrk="1"/>
-                      <a:r>
-                        <a:rPr lang="en-US" altLang="ko-KR" dirty="0" smtClean="0"/>
-                        <a:t>Data</a:t>
-                      </a:r>
-                      <a:r>
-                        <a:rPr lang="en-US" altLang="ko-KR" baseline="0" dirty="0" smtClean="0"/>
-                        <a:t> Type</a:t>
-                      </a:r>
-                      <a:endParaRPr lang="ko-KR" altLang="en-US" dirty="0"/>
-                    </a:p>
-                  </a:txBody>
-                  <a:tcPr/>
-                </a:tc>
-                <a:tc hMerge="1">
-                  <a:txBody>
-                    <a:bodyPr/>
-                    <a:lstStyle/>
-                    <a:p>
-                      <a:pPr latinLnBrk="1"/>
-                      <a:endParaRPr lang="ko-KR" altLang="en-US"/>
-                    </a:p>
-                  </a:txBody>
-                  <a:tcPr/>
-                </a:tc>
-                <a:tc>
-                  <a:txBody>
-                    <a:bodyPr/>
-                    <a:lstStyle/>
-                    <a:p>
-                      <a:pPr algn="ctr" latinLnBrk="1"/>
-                      <a:r>
-                        <a:rPr lang="en-US" altLang="ko-KR" dirty="0" smtClean="0"/>
-                        <a:t>Option</a:t>
-                      </a:r>
-                      <a:endParaRPr lang="ko-KR" altLang="en-US" dirty="0"/>
-                    </a:p>
-                  </a:txBody>
-                  <a:tcPr/>
-                </a:tc>
-              </a:tr>
-              <a:tr h="370840">
-                <a:tc>
-                  <a:txBody>
-                    <a:bodyPr/>
-                    <a:lstStyle/>
-                    <a:p>
-                      <a:pPr algn="ctr" latinLnBrk="1"/>
-                      <a:r>
-                        <a:rPr lang="en-US" altLang="ko-KR" dirty="0" err="1" smtClean="0"/>
-                        <a:t>Board_num</a:t>
-                      </a:r>
-                      <a:endParaRPr lang="ko-KR" altLang="en-US" dirty="0"/>
-                    </a:p>
-                  </a:txBody>
-                  <a:tcPr/>
-                </a:tc>
-                <a:tc gridSpan="2">
-                  <a:txBody>
-                    <a:bodyPr/>
-                    <a:lstStyle/>
-                    <a:p>
-                      <a:pPr algn="ctr" latinLnBrk="1"/>
-                      <a:r>
-                        <a:rPr lang="en-US" altLang="ko-KR" dirty="0" smtClean="0"/>
-                        <a:t>Number</a:t>
-                      </a:r>
-                      <a:endParaRPr lang="ko-KR" altLang="en-US" dirty="0"/>
-                    </a:p>
-                  </a:txBody>
-                  <a:tcPr/>
-                </a:tc>
-                <a:tc hMerge="1">
-                  <a:txBody>
-                    <a:bodyPr/>
-                    <a:lstStyle/>
-                    <a:p>
-                      <a:pPr latinLnBrk="1"/>
-                      <a:endParaRPr lang="ko-KR" altLang="en-US"/>
-                    </a:p>
-                  </a:txBody>
-                  <a:tcPr/>
-                </a:tc>
-                <a:tc>
-                  <a:txBody>
-                    <a:bodyPr/>
-                    <a:lstStyle/>
-                    <a:p>
-                      <a:pPr algn="ctr" latinLnBrk="1"/>
-                      <a:endParaRPr lang="en-US" altLang="ko-KR" baseline="0" dirty="0" smtClean="0"/>
-                    </a:p>
-                  </a:txBody>
-                  <a:tcPr/>
-                </a:tc>
-              </a:tr>
-              <a:tr h="370840">
-                <a:tc>
-                  <a:txBody>
-                    <a:bodyPr/>
-                    <a:lstStyle/>
-                    <a:p>
-                      <a:pPr algn="ctr" latinLnBrk="1"/>
-                      <a:r>
-                        <a:rPr lang="en-US" altLang="ko-KR" dirty="0" smtClean="0"/>
-                        <a:t>Picture_num01</a:t>
-                      </a:r>
-                      <a:endParaRPr lang="ko-KR" altLang="en-US" dirty="0"/>
-                    </a:p>
-                  </a:txBody>
-                  <a:tcPr/>
-                </a:tc>
-                <a:tc gridSpan="2">
-                  <a:txBody>
-                    <a:bodyPr/>
-                    <a:lstStyle/>
-                    <a:p>
-                      <a:pPr algn="ctr" latinLnBrk="1"/>
-                      <a:r>
-                        <a:rPr lang="en-US" altLang="ko-KR" dirty="0" smtClean="0"/>
-                        <a:t>Varchar2(30)</a:t>
-                      </a:r>
-                      <a:endParaRPr lang="ko-KR" altLang="en-US" dirty="0"/>
-                    </a:p>
-                  </a:txBody>
-                  <a:tcPr/>
-                </a:tc>
-                <a:tc hMerge="1">
-                  <a:txBody>
-                    <a:bodyPr/>
-                    <a:lstStyle/>
-                    <a:p>
-                      <a:pPr latinLnBrk="1"/>
-                      <a:endParaRPr lang="ko-KR" altLang="en-US"/>
-                    </a:p>
-                  </a:txBody>
-                  <a:tcPr/>
-                </a:tc>
-                <a:tc>
-                  <a:txBody>
-                    <a:bodyPr/>
-                    <a:lstStyle/>
-                    <a:p>
-                      <a:pPr algn="ctr" latinLnBrk="1"/>
-                      <a:r>
-                        <a:rPr lang="en-US" altLang="ko-KR" dirty="0" smtClean="0"/>
-                        <a:t>Not null</a:t>
-                      </a:r>
-                      <a:endParaRPr lang="ko-KR" altLang="en-US" dirty="0"/>
-                    </a:p>
-                  </a:txBody>
-                  <a:tcPr/>
-                </a:tc>
-              </a:tr>
-              <a:tr h="370840">
-                <a:tc>
-                  <a:txBody>
-                    <a:bodyPr/>
-                    <a:lstStyle/>
-                    <a:p>
-                      <a:pPr algn="ctr" latinLnBrk="1"/>
-                      <a:r>
-                        <a:rPr lang="en-US" altLang="ko-KR" dirty="0" smtClean="0"/>
-                        <a:t>Picture_num02</a:t>
-                      </a:r>
-                      <a:endParaRPr lang="ko-KR" altLang="en-US" dirty="0"/>
-                    </a:p>
-                  </a:txBody>
-                  <a:tcPr/>
-                </a:tc>
-                <a:tc gridSpan="2">
-                  <a:txBody>
-                    <a:bodyPr/>
-                    <a:lstStyle/>
-                    <a:p>
-                      <a:pPr algn="ctr" latinLnBrk="1"/>
-                      <a:r>
-                        <a:rPr lang="en-US" altLang="ko-KR" dirty="0" smtClean="0"/>
-                        <a:t>Varchar2(30)</a:t>
-                      </a:r>
-                      <a:endParaRPr lang="ko-KR" altLang="en-US" dirty="0"/>
-                    </a:p>
-                  </a:txBody>
-                  <a:tcPr/>
-                </a:tc>
-                <a:tc hMerge="1">
-                  <a:txBody>
-                    <a:bodyPr/>
-                    <a:lstStyle/>
-                    <a:p>
-                      <a:pPr latinLnBrk="1"/>
-                      <a:endParaRPr lang="ko-KR" altLang="en-US"/>
-                    </a:p>
-                  </a:txBody>
-                  <a:tcPr/>
-                </a:tc>
-                <a:tc>
-                  <a:txBody>
-                    <a:bodyPr/>
-                    <a:lstStyle/>
-                    <a:p>
-                      <a:pPr marL="0" marR="0" indent="0" algn="ctr" defTabSz="914400" rtl="0" eaLnBrk="1" fontAlgn="auto" latinLnBrk="1" hangingPunct="1">
-                        <a:lnSpc>
-                          <a:spcPct val="100000"/>
-                        </a:lnSpc>
-                        <a:spcBef>
-                          <a:spcPts val="0"/>
-                        </a:spcBef>
-                        <a:spcAft>
-                          <a:spcPts val="0"/>
-                        </a:spcAft>
-                        <a:buClrTx/>
-                        <a:buSzTx/>
-                        <a:buFontTx/>
-                        <a:buNone/>
-                        <a:tabLst/>
-                        <a:defRPr/>
-                      </a:pPr>
-                      <a:endParaRPr lang="ko-KR" altLang="en-US" dirty="0" smtClean="0"/>
-                    </a:p>
-                  </a:txBody>
-                  <a:tcPr/>
-                </a:tc>
-              </a:tr>
-              <a:tr h="370840">
-                <a:tc>
-                  <a:txBody>
-                    <a:bodyPr/>
-                    <a:lstStyle/>
-                    <a:p>
-                      <a:pPr algn="ctr" latinLnBrk="1"/>
-                      <a:r>
-                        <a:rPr lang="en-US" altLang="ko-KR" dirty="0" smtClean="0"/>
-                        <a:t>Picture_num03</a:t>
-                      </a:r>
-                      <a:endParaRPr lang="ko-KR" altLang="en-US" dirty="0"/>
-                    </a:p>
-                  </a:txBody>
-                  <a:tcPr/>
+                  <a:tcPr>
+                    <a:lnR w="12700" cap="flat" cmpd="sng" algn="ctr">
+                      <a:solidFill>
+                        <a:schemeClr val="accent3">
+                          <a:lumMod val="60000"/>
+                          <a:lumOff val="40000"/>
+                        </a:schemeClr>
+                      </a:solidFill>
+                      <a:prstDash val="solid"/>
+                      <a:round/>
+                      <a:headEnd type="none" w="med" len="med"/>
+                      <a:tailEnd type="none" w="med" len="med"/>
+                    </a:lnR>
+                  </a:tcPr>
                 </a:tc>
                 <a:tc gridSpan="2">
                   <a:txBody>
@@ -4836,437 +4029,37 @@
                       </a:pPr>
                       <a:r>
                         <a:rPr lang="en-US" altLang="ko-KR" dirty="0" smtClean="0"/>
-                        <a:t>Varchar2(30)</a:t>
+                        <a:t>Char(20)</a:t>
                       </a:r>
                       <a:endParaRPr lang="ko-KR" altLang="en-US" dirty="0" smtClean="0"/>
                     </a:p>
                   </a:txBody>
-                  <a:tcPr/>
-                </a:tc>
-                <a:tc hMerge="1">
-                  <a:txBody>
-                    <a:bodyPr/>
-                    <a:lstStyle/>
-                    <a:p>
-                      <a:pPr latinLnBrk="1"/>
-                      <a:endParaRPr lang="ko-KR" altLang="en-US"/>
-                    </a:p>
-                  </a:txBody>
-                  <a:tcPr/>
-                </a:tc>
-                <a:tc>
-                  <a:txBody>
-                    <a:bodyPr/>
-                    <a:lstStyle/>
-                    <a:p>
-                      <a:pPr marL="0" marR="0" indent="0" algn="ctr" defTabSz="914400" rtl="0" eaLnBrk="1" fontAlgn="auto" latinLnBrk="1" hangingPunct="1">
-                        <a:lnSpc>
-                          <a:spcPct val="100000"/>
-                        </a:lnSpc>
-                        <a:spcBef>
-                          <a:spcPts val="0"/>
-                        </a:spcBef>
-                        <a:spcAft>
-                          <a:spcPts val="0"/>
-                        </a:spcAft>
-                        <a:buClrTx/>
-                        <a:buSzTx/>
-                        <a:buFontTx/>
-                        <a:buNone/>
-                        <a:tabLst/>
-                        <a:defRPr/>
-                      </a:pPr>
-                      <a:endParaRPr lang="ko-KR" altLang="en-US" dirty="0" smtClean="0"/>
-                    </a:p>
-                  </a:txBody>
-                  <a:tcPr/>
-                </a:tc>
-              </a:tr>
-              <a:tr h="370840">
-                <a:tc>
-                  <a:txBody>
-                    <a:bodyPr/>
-                    <a:lstStyle/>
-                    <a:p>
-                      <a:pPr algn="ctr" latinLnBrk="1"/>
-                      <a:r>
-                        <a:rPr lang="en-US" altLang="ko-KR" dirty="0" smtClean="0"/>
-                        <a:t>Picture_num04</a:t>
-                      </a:r>
-                      <a:endParaRPr lang="ko-KR" altLang="en-US" dirty="0"/>
-                    </a:p>
-                  </a:txBody>
-                  <a:tcPr/>
-                </a:tc>
-                <a:tc gridSpan="2">
-                  <a:txBody>
-                    <a:bodyPr/>
-                    <a:lstStyle/>
-                    <a:p>
-                      <a:pPr marL="0" marR="0" indent="0" algn="ctr" defTabSz="914400" rtl="0" eaLnBrk="1" fontAlgn="auto" latinLnBrk="1" hangingPunct="1">
-                        <a:lnSpc>
-                          <a:spcPct val="100000"/>
-                        </a:lnSpc>
-                        <a:spcBef>
-                          <a:spcPts val="0"/>
-                        </a:spcBef>
-                        <a:spcAft>
-                          <a:spcPts val="0"/>
-                        </a:spcAft>
-                        <a:buClrTx/>
-                        <a:buSzTx/>
-                        <a:buFontTx/>
-                        <a:buNone/>
-                        <a:tabLst/>
-                        <a:defRPr/>
-                      </a:pPr>
-                      <a:r>
-                        <a:rPr lang="en-US" altLang="ko-KR" dirty="0" smtClean="0"/>
-                        <a:t>Varchar2(30)</a:t>
-                      </a:r>
-                      <a:endParaRPr lang="ko-KR" altLang="en-US" dirty="0" smtClean="0"/>
-                    </a:p>
-                  </a:txBody>
-                  <a:tcPr/>
-                </a:tc>
-                <a:tc hMerge="1">
-                  <a:txBody>
-                    <a:bodyPr/>
-                    <a:lstStyle/>
-                    <a:p>
-                      <a:pPr latinLnBrk="1"/>
-                      <a:endParaRPr lang="ko-KR" altLang="en-US"/>
-                    </a:p>
-                  </a:txBody>
-                  <a:tcPr/>
-                </a:tc>
-                <a:tc>
-                  <a:txBody>
-                    <a:bodyPr/>
-                    <a:lstStyle/>
-                    <a:p>
-                      <a:pPr marL="0" marR="0" indent="0" algn="ctr" defTabSz="914400" rtl="0" eaLnBrk="1" fontAlgn="auto" latinLnBrk="1" hangingPunct="1">
-                        <a:lnSpc>
-                          <a:spcPct val="100000"/>
-                        </a:lnSpc>
-                        <a:spcBef>
-                          <a:spcPts val="0"/>
-                        </a:spcBef>
-                        <a:spcAft>
-                          <a:spcPts val="0"/>
-                        </a:spcAft>
-                        <a:buClrTx/>
-                        <a:buSzTx/>
-                        <a:buFontTx/>
-                        <a:buNone/>
-                        <a:tabLst/>
-                        <a:defRPr/>
-                      </a:pPr>
-                      <a:endParaRPr lang="ko-KR" altLang="en-US" dirty="0" smtClean="0"/>
-                    </a:p>
-                  </a:txBody>
-                  <a:tcPr/>
-                </a:tc>
-              </a:tr>
-            </a:tbl>
-          </a:graphicData>
-        </a:graphic>
-      </p:graphicFrame>
-      <p:graphicFrame>
-        <p:nvGraphicFramePr>
-          <p:cNvPr id="8" name="표 7"/>
-          <p:cNvGraphicFramePr>
-            <a:graphicFrameLocks noGrp="1"/>
-          </p:cNvGraphicFramePr>
-          <p:nvPr>
-            <p:extLst>
-              <p:ext uri="{D42A27DB-BD31-4B8C-83A1-F6EECF244321}">
-                <p14:modId xmlns:p14="http://schemas.microsoft.com/office/powerpoint/2010/main" val="139849948"/>
-              </p:ext>
-            </p:extLst>
-          </p:nvPr>
-        </p:nvGraphicFramePr>
-        <p:xfrm>
-          <a:off x="-241172" y="-692870"/>
-          <a:ext cx="6096000" cy="2959308"/>
-        </p:xfrm>
-        <a:graphic>
-          <a:graphicData uri="http://schemas.openxmlformats.org/drawingml/2006/table">
-            <a:tbl>
-              <a:tblPr firstRow="1" bandRow="1">
-                <a:tableStyleId>{F2DE63D5-997A-4646-A377-4702673A728D}</a:tableStyleId>
-              </a:tblPr>
-              <a:tblGrid>
-                <a:gridCol w="2032000"/>
-                <a:gridCol w="1016000"/>
-                <a:gridCol w="1016000"/>
-                <a:gridCol w="2032000"/>
-              </a:tblGrid>
-              <a:tr h="221744">
-                <a:tc gridSpan="2">
-                  <a:txBody>
-                    <a:bodyPr/>
-                    <a:lstStyle/>
-                    <a:p>
-                      <a:pPr algn="ctr" latinLnBrk="1"/>
-                      <a:r>
-                        <a:rPr lang="en-US" altLang="ko-KR" dirty="0" smtClean="0"/>
-                        <a:t>Table Name</a:t>
-                      </a:r>
-                      <a:endParaRPr lang="ko-KR" altLang="en-US" dirty="0"/>
-                    </a:p>
-                  </a:txBody>
-                  <a:tcPr/>
-                </a:tc>
-                <a:tc hMerge="1">
-                  <a:txBody>
-                    <a:bodyPr/>
-                    <a:lstStyle/>
-                    <a:p>
-                      <a:pPr latinLnBrk="1"/>
-                      <a:endParaRPr lang="ko-KR" altLang="en-US" dirty="0"/>
-                    </a:p>
-                  </a:txBody>
-                  <a:tcPr/>
-                </a:tc>
-                <a:tc gridSpan="2">
-                  <a:txBody>
-                    <a:bodyPr/>
-                    <a:lstStyle/>
-                    <a:p>
-                      <a:pPr algn="ctr" latinLnBrk="1"/>
-                      <a:r>
-                        <a:rPr lang="en-US" altLang="ko-KR" dirty="0" err="1" smtClean="0"/>
-                        <a:t>User_information</a:t>
-                      </a:r>
-                      <a:endParaRPr lang="ko-KR" altLang="en-US" dirty="0"/>
-                    </a:p>
-                  </a:txBody>
-                  <a:tcPr/>
-                </a:tc>
-                <a:tc hMerge="1">
-                  <a:txBody>
-                    <a:bodyPr/>
-                    <a:lstStyle/>
-                    <a:p>
-                      <a:pPr latinLnBrk="1"/>
-                      <a:endParaRPr lang="ko-KR" altLang="en-US" dirty="0"/>
-                    </a:p>
-                  </a:txBody>
-                  <a:tcPr/>
-                </a:tc>
-              </a:tr>
-              <a:tr h="370840">
-                <a:tc>
-                  <a:txBody>
-                    <a:bodyPr/>
-                    <a:lstStyle/>
-                    <a:p>
-                      <a:pPr algn="ctr" latinLnBrk="1"/>
-                      <a:r>
-                        <a:rPr lang="en-US" altLang="ko-KR" dirty="0" smtClean="0"/>
-                        <a:t>Element</a:t>
-                      </a:r>
-                      <a:r>
-                        <a:rPr lang="en-US" altLang="ko-KR" baseline="0" dirty="0" smtClean="0"/>
-                        <a:t> Name</a:t>
-                      </a:r>
-                      <a:endParaRPr lang="ko-KR" altLang="en-US" dirty="0"/>
-                    </a:p>
-                  </a:txBody>
-                  <a:tcPr/>
-                </a:tc>
-                <a:tc gridSpan="2">
-                  <a:txBody>
-                    <a:bodyPr/>
-                    <a:lstStyle/>
-                    <a:p>
-                      <a:pPr algn="ctr" latinLnBrk="1"/>
-                      <a:r>
-                        <a:rPr lang="en-US" altLang="ko-KR" dirty="0" smtClean="0"/>
-                        <a:t>Data</a:t>
-                      </a:r>
-                      <a:r>
-                        <a:rPr lang="en-US" altLang="ko-KR" baseline="0" dirty="0" smtClean="0"/>
-                        <a:t> Type</a:t>
-                      </a:r>
-                      <a:endParaRPr lang="ko-KR" altLang="en-US" dirty="0"/>
-                    </a:p>
-                  </a:txBody>
-                  <a:tcPr/>
-                </a:tc>
-                <a:tc hMerge="1">
-                  <a:txBody>
-                    <a:bodyPr/>
-                    <a:lstStyle/>
-                    <a:p>
-                      <a:pPr latinLnBrk="1"/>
-                      <a:endParaRPr lang="ko-KR" altLang="en-US"/>
-                    </a:p>
-                  </a:txBody>
-                  <a:tcPr/>
-                </a:tc>
-                <a:tc>
-                  <a:txBody>
-                    <a:bodyPr/>
-                    <a:lstStyle/>
-                    <a:p>
-                      <a:pPr algn="ctr" latinLnBrk="1"/>
-                      <a:r>
-                        <a:rPr lang="en-US" altLang="ko-KR" dirty="0" smtClean="0"/>
-                        <a:t>Option</a:t>
-                      </a:r>
-                      <a:endParaRPr lang="ko-KR" altLang="en-US" dirty="0"/>
-                    </a:p>
-                  </a:txBody>
-                  <a:tcPr/>
-                </a:tc>
-              </a:tr>
-              <a:tr h="370840">
-                <a:tc>
-                  <a:txBody>
-                    <a:bodyPr/>
-                    <a:lstStyle/>
-                    <a:p>
-                      <a:pPr algn="ctr" latinLnBrk="1"/>
-                      <a:r>
-                        <a:rPr lang="en-US" altLang="ko-KR" dirty="0" smtClean="0"/>
-                        <a:t>Email</a:t>
-                      </a:r>
-                      <a:endParaRPr lang="ko-KR" altLang="en-US" dirty="0"/>
-                    </a:p>
-                  </a:txBody>
-                  <a:tcPr/>
-                </a:tc>
-                <a:tc gridSpan="2">
-                  <a:txBody>
-                    <a:bodyPr/>
-                    <a:lstStyle/>
-                    <a:p>
-                      <a:pPr algn="ctr" latinLnBrk="1"/>
-                      <a:r>
-                        <a:rPr lang="en-US" altLang="ko-KR" dirty="0" smtClean="0"/>
-                        <a:t>Varchar2(60)</a:t>
-                      </a:r>
-                      <a:endParaRPr lang="ko-KR" altLang="en-US" dirty="0"/>
-                    </a:p>
-                  </a:txBody>
-                  <a:tcPr/>
-                </a:tc>
-                <a:tc hMerge="1">
-                  <a:txBody>
-                    <a:bodyPr/>
-                    <a:lstStyle/>
-                    <a:p>
-                      <a:pPr latinLnBrk="1"/>
-                      <a:endParaRPr lang="ko-KR" altLang="en-US"/>
-                    </a:p>
-                  </a:txBody>
-                  <a:tcPr/>
-                </a:tc>
-                <a:tc>
-                  <a:txBody>
-                    <a:bodyPr/>
-                    <a:lstStyle/>
-                    <a:p>
-                      <a:pPr algn="ctr" latinLnBrk="1"/>
-                      <a:r>
-                        <a:rPr lang="en-US" altLang="ko-KR" baseline="0" dirty="0" smtClean="0"/>
-                        <a:t>Primary key</a:t>
-                      </a:r>
-                    </a:p>
-                  </a:txBody>
-                  <a:tcPr/>
-                </a:tc>
-              </a:tr>
-              <a:tr h="370840">
-                <a:tc>
-                  <a:txBody>
-                    <a:bodyPr/>
-                    <a:lstStyle/>
-                    <a:p>
-                      <a:pPr algn="ctr" latinLnBrk="1"/>
-                      <a:r>
-                        <a:rPr lang="en-US" altLang="ko-KR" dirty="0" smtClean="0"/>
-                        <a:t>Password</a:t>
-                      </a:r>
-                      <a:endParaRPr lang="ko-KR" altLang="en-US" dirty="0"/>
-                    </a:p>
-                  </a:txBody>
-                  <a:tcPr/>
-                </a:tc>
-                <a:tc gridSpan="2">
-                  <a:txBody>
-                    <a:bodyPr/>
-                    <a:lstStyle/>
-                    <a:p>
-                      <a:pPr algn="ctr" latinLnBrk="1"/>
-                      <a:r>
-                        <a:rPr lang="en-US" altLang="ko-KR" dirty="0" smtClean="0"/>
-                        <a:t>Varchar2(100)</a:t>
-                      </a:r>
-                      <a:endParaRPr lang="ko-KR" altLang="en-US" dirty="0"/>
-                    </a:p>
-                  </a:txBody>
-                  <a:tcPr/>
-                </a:tc>
-                <a:tc hMerge="1">
-                  <a:txBody>
-                    <a:bodyPr/>
-                    <a:lstStyle/>
-                    <a:p>
-                      <a:pPr latinLnBrk="1"/>
-                      <a:endParaRPr lang="ko-KR" altLang="en-US"/>
-                    </a:p>
-                  </a:txBody>
-                  <a:tcPr/>
-                </a:tc>
-                <a:tc>
-                  <a:txBody>
-                    <a:bodyPr/>
-                    <a:lstStyle/>
-                    <a:p>
-                      <a:pPr algn="ctr" latinLnBrk="1"/>
-                      <a:r>
-                        <a:rPr lang="en-US" altLang="ko-KR" dirty="0" smtClean="0"/>
-                        <a:t>Not null</a:t>
-                      </a:r>
-                      <a:endParaRPr lang="ko-KR" altLang="en-US" dirty="0"/>
-                    </a:p>
-                  </a:txBody>
-                  <a:tcPr/>
-                </a:tc>
-              </a:tr>
-              <a:tr h="370840">
-                <a:tc>
-                  <a:txBody>
-                    <a:bodyPr/>
-                    <a:lstStyle/>
-                    <a:p>
-                      <a:pPr algn="ctr" latinLnBrk="1"/>
-                      <a:r>
-                        <a:rPr lang="en-US" altLang="ko-KR" dirty="0" err="1" smtClean="0"/>
-                        <a:t>Nick_name</a:t>
-                      </a:r>
-                      <a:endParaRPr lang="ko-KR" altLang="en-US" dirty="0"/>
-                    </a:p>
-                  </a:txBody>
-                  <a:tcPr/>
-                </a:tc>
-                <a:tc gridSpan="2">
-                  <a:txBody>
-                    <a:bodyPr/>
-                    <a:lstStyle/>
-                    <a:p>
-                      <a:pPr algn="ctr" latinLnBrk="1"/>
-                      <a:r>
-                        <a:rPr lang="en-US" altLang="ko-KR" dirty="0" smtClean="0"/>
-                        <a:t>Varchar2(50)</a:t>
-                      </a:r>
-                      <a:endParaRPr lang="ko-KR" altLang="en-US" dirty="0"/>
-                    </a:p>
-                  </a:txBody>
-                  <a:tcPr/>
+                  <a:tcPr>
+                    <a:lnL w="12700" cap="flat" cmpd="sng" algn="ctr">
+                      <a:solidFill>
+                        <a:schemeClr val="accent3">
+                          <a:lumMod val="60000"/>
+                          <a:lumOff val="40000"/>
+                        </a:schemeClr>
+                      </a:solidFill>
+                      <a:prstDash val="solid"/>
+                      <a:round/>
+                      <a:headEnd type="none" w="med" len="med"/>
+                      <a:tailEnd type="none" w="med" len="med"/>
+                    </a:lnL>
+                    <a:lnR w="12700" cap="flat" cmpd="sng" algn="ctr">
+                      <a:solidFill>
+                        <a:schemeClr val="accent3">
+                          <a:lumMod val="60000"/>
+                          <a:lumOff val="40000"/>
+                        </a:schemeClr>
+                      </a:solidFill>
+                      <a:prstDash val="solid"/>
+                      <a:round/>
+                      <a:headEnd type="none" w="med" len="med"/>
+                      <a:tailEnd type="none" w="med" len="med"/>
+                    </a:lnR>
+                  </a:tcPr>
                 </a:tc>
                 <a:tc hMerge="1">
                   <a:txBody>
@@ -5308,10 +4101,28 @@
                       <a:endParaRPr lang="ko-KR" altLang="en-US" dirty="0" smtClean="0"/>
                     </a:p>
                   </a:txBody>
-                  <a:tcPr/>
+                  <a:tcPr>
+                    <a:lnL w="12700" cap="flat" cmpd="sng" algn="ctr">
+                      <a:solidFill>
+                        <a:schemeClr val="accent3">
+                          <a:lumMod val="60000"/>
+                          <a:lumOff val="40000"/>
+                        </a:schemeClr>
+                      </a:solidFill>
+                      <a:prstDash val="solid"/>
+                      <a:round/>
+                      <a:headEnd type="none" w="med" len="med"/>
+                      <a:tailEnd type="none" w="med" len="med"/>
+                    </a:lnL>
+                  </a:tcPr>
                 </a:tc>
+                <a:extLst>
+                  <a:ext uri="{0D108BD9-81ED-4DB2-BD59-A6C34878D82A}">
+                    <a16:rowId xmlns:a16="http://schemas.microsoft.com/office/drawing/2014/main" val="10005"/>
+                  </a:ext>
+                </a:extLst>
               </a:tr>
-              <a:tr h="370840">
+              <a:tr h="368508">
                 <a:tc>
                   <a:txBody>
                     <a:bodyPr/>
@@ -5320,12 +4131,25 @@
                       <a:pPr algn="ctr" latinLnBrk="1"/>
                       <a:r>
                         <a:rPr lang="en-US" altLang="ko-KR" dirty="0" smtClean="0"/>
-                        <a:t>Phone</a:t>
+                        <a:t>Grade</a:t>
                       </a:r>
                       <a:endParaRPr lang="ko-KR" altLang="en-US" dirty="0"/>
                     </a:p>
                   </a:txBody>
-                  <a:tcPr/>
+                  <a:tcPr>
+                    <a:lnR w="12700" cap="flat" cmpd="sng" algn="ctr">
+                      <a:solidFill>
+                        <a:schemeClr val="accent3">
+                          <a:lumMod val="60000"/>
+                          <a:lumOff val="40000"/>
+                        </a:schemeClr>
+                      </a:solidFill>
+                      <a:prstDash val="solid"/>
+                      <a:round/>
+                      <a:headEnd type="none" w="med" len="med"/>
+                      <a:tailEnd type="none" w="med" len="med"/>
+                    </a:lnR>
+                  </a:tcPr>
                 </a:tc>
                 <a:tc gridSpan="2">
                   <a:txBody>
@@ -5351,12 +4175,37 @@
                       </a:pPr>
                       <a:r>
                         <a:rPr lang="en-US" altLang="ko-KR" dirty="0" smtClean="0"/>
-                        <a:t>Char(20)</a:t>
+                        <a:t>Number(3)</a:t>
                       </a:r>
                       <a:endParaRPr lang="ko-KR" altLang="en-US" dirty="0" smtClean="0"/>
                     </a:p>
                   </a:txBody>
-                  <a:tcPr/>
+                  <a:tcPr>
+                    <a:lnL w="12700" cap="flat" cmpd="sng" algn="ctr">
+                      <a:solidFill>
+                        <a:schemeClr val="accent3">
+                          <a:lumMod val="60000"/>
+                          <a:lumOff val="40000"/>
+                        </a:schemeClr>
+                      </a:solidFill>
+                      <a:prstDash val="solid"/>
+                      <a:round/>
+                      <a:headEnd type="none" w="med" len="med"/>
+                      <a:tailEnd type="none" w="med" len="med"/>
+                    </a:lnL>
+                    <a:lnR w="12700" cap="flat" cmpd="sng" algn="ctr">
+                      <a:solidFill>
+                        <a:schemeClr val="accent3">
+                          <a:lumMod val="60000"/>
+                          <a:lumOff val="40000"/>
+                        </a:schemeClr>
+                      </a:solidFill>
+                      <a:prstDash val="solid"/>
+                      <a:round/>
+                      <a:headEnd type="none" w="med" len="med"/>
+                      <a:tailEnd type="none" w="med" len="med"/>
+                    </a:lnR>
+                  </a:tcPr>
                 </a:tc>
                 <a:tc hMerge="1">
                   <a:txBody>
@@ -5398,98 +4247,26 @@
                       <a:endParaRPr lang="ko-KR" altLang="en-US" dirty="0" smtClean="0"/>
                     </a:p>
                   </a:txBody>
-                  <a:tcPr/>
+                  <a:tcPr>
+                    <a:lnL w="12700" cap="flat" cmpd="sng" algn="ctr">
+                      <a:solidFill>
+                        <a:schemeClr val="accent3">
+                          <a:lumMod val="60000"/>
+                          <a:lumOff val="40000"/>
+                        </a:schemeClr>
+                      </a:solidFill>
+                      <a:prstDash val="solid"/>
+                      <a:round/>
+                      <a:headEnd type="none" w="med" len="med"/>
+                      <a:tailEnd type="none" w="med" len="med"/>
+                    </a:lnL>
+                  </a:tcPr>
                 </a:tc>
-              </a:tr>
-              <a:tr h="368508">
-                <a:tc>
-                  <a:txBody>
-                    <a:bodyPr/>
-                    <a:lstStyle/>
-                    <a:p>
-                      <a:pPr algn="ctr" latinLnBrk="1"/>
-                      <a:r>
-                        <a:rPr lang="en-US" altLang="ko-KR" dirty="0" smtClean="0"/>
-                        <a:t>Grade</a:t>
-                      </a:r>
-                      <a:endParaRPr lang="ko-KR" altLang="en-US" dirty="0"/>
-                    </a:p>
-                  </a:txBody>
-                  <a:tcPr/>
-                </a:tc>
-                <a:tc gridSpan="2">
-                  <a:txBody>
-                    <a:bodyPr/>
-                    <a:lstStyle/>
-                    <a:p>
-                      <a:pPr marL="0" marR="0" indent="0" algn="ctr" defTabSz="914400" rtl="0" eaLnBrk="1" fontAlgn="auto" latinLnBrk="1" hangingPunct="1">
-                        <a:lnSpc>
-                          <a:spcPct val="100000"/>
-                        </a:lnSpc>
-                        <a:spcBef>
-                          <a:spcPts val="0"/>
-                        </a:spcBef>
-                        <a:spcAft>
-                          <a:spcPts val="0"/>
-                        </a:spcAft>
-                        <a:buClrTx/>
-                        <a:buSzTx/>
-                        <a:buFontTx/>
-                        <a:buNone/>
-                        <a:tabLst/>
-                        <a:defRPr/>
-                      </a:pPr>
-                      <a:r>
-                        <a:rPr lang="en-US" altLang="ko-KR" dirty="0" smtClean="0"/>
-                        <a:t>Number(3)</a:t>
-                      </a:r>
-                      <a:endParaRPr lang="ko-KR" altLang="en-US" dirty="0" smtClean="0"/>
-                    </a:p>
-                  </a:txBody>
-                  <a:tcPr/>
-                </a:tc>
-                <a:tc hMerge="1">
-                  <a:txBody>
-                    <a:bodyPr/>
-                    <a:lstStyle/>
-                    <a:p>
-                      <a:pPr latinLnBrk="1"/>
-                      <a:endParaRPr lang="ko-KR" altLang="en-US"/>
-                    </a:p>
-                  </a:txBody>
-                  <a:tcPr/>
-                </a:tc>
-                <a:tc>
-                  <a:txBody>
-                    <a:bodyPr/>
-                    <a:lstStyle/>
-                    <a:p>
-                      <a:pPr marL="0" marR="0" indent="0" algn="ctr" defTabSz="914400" rtl="0" eaLnBrk="1" fontAlgn="auto" latinLnBrk="1" hangingPunct="1">
-                        <a:lnSpc>
-                          <a:spcPct val="100000"/>
-                        </a:lnSpc>
-                        <a:spcBef>
-                          <a:spcPts val="0"/>
-                        </a:spcBef>
-                        <a:spcAft>
-                          <a:spcPts val="0"/>
-                        </a:spcAft>
-                        <a:buClrTx/>
-                        <a:buSzTx/>
-                        <a:buFontTx/>
-                        <a:buNone/>
-                        <a:tabLst/>
-                        <a:defRPr/>
-                      </a:pPr>
-                      <a:r>
-                        <a:rPr lang="en-US" altLang="ko-KR" dirty="0" smtClean="0"/>
-                        <a:t>Not null</a:t>
-                      </a:r>
-                      <a:endParaRPr lang="ko-KR" altLang="en-US" dirty="0" smtClean="0"/>
-                    </a:p>
-                  </a:txBody>
-                  <a:tcPr/>
-                </a:tc>
+                <a:extLst>
+                  <a:ext uri="{0D108BD9-81ED-4DB2-BD59-A6C34878D82A}">
+                    <a16:rowId xmlns:a16="http://schemas.microsoft.com/office/drawing/2014/main" val="10006"/>
+                  </a:ext>
+                </a:extLst>
               </a:tr>
               <a:tr h="370840">
                 <a:tc>
@@ -5505,7 +4282,20 @@
                       <a:endParaRPr lang="ko-KR" altLang="en-US" dirty="0"/>
                     </a:p>
                   </a:txBody>
-                  <a:tcPr/>
+                  <a:tcPr>
+                    <a:lnR w="12700" cap="flat" cmpd="sng" algn="ctr">
+                      <a:solidFill>
+                        <a:schemeClr val="accent3">
+                          <a:lumMod val="60000"/>
+                          <a:lumOff val="40000"/>
+                        </a:schemeClr>
+                      </a:solidFill>
+                      <a:prstDash val="solid"/>
+                      <a:round/>
+                      <a:headEnd type="none" w="med" len="med"/>
+                      <a:tailEnd type="none" w="med" len="med"/>
+                    </a:lnR>
+                  </a:tcPr>
                 </a:tc>
                 <a:tc gridSpan="2">
                   <a:txBody>
@@ -5536,7 +4326,32 @@
                       <a:endParaRPr lang="ko-KR" altLang="en-US" dirty="0" smtClean="0"/>
                     </a:p>
                   </a:txBody>
-                  <a:tcPr/>
+                  <a:tcPr>
+                    <a:lnL w="12700" cap="flat" cmpd="sng" algn="ctr">
+                      <a:solidFill>
+                        <a:schemeClr val="accent3">
+                          <a:lumMod val="60000"/>
+                          <a:lumOff val="40000"/>
+                        </a:schemeClr>
+                      </a:solidFill>
+                      <a:prstDash val="solid"/>
+                      <a:round/>
+                      <a:headEnd type="none" w="med" len="med"/>
+                      <a:tailEnd type="none" w="med" len="med"/>
+                    </a:lnL>
+                    <a:lnR w="12700" cap="flat" cmpd="sng" algn="ctr">
+                      <a:solidFill>
+                        <a:schemeClr val="accent3">
+                          <a:lumMod val="60000"/>
+                          <a:lumOff val="40000"/>
+                        </a:schemeClr>
+                      </a:solidFill>
+                      <a:prstDash val="solid"/>
+                      <a:round/>
+                      <a:headEnd type="none" w="med" len="med"/>
+                      <a:tailEnd type="none" w="med" len="med"/>
+                    </a:lnR>
+                  </a:tcPr>
                 </a:tc>
                 <a:tc hMerge="1">
                   <a:txBody>
@@ -5578,2252 +4393,26 @@
                       <a:endParaRPr lang="ko-KR" altLang="en-US" dirty="0" smtClean="0"/>
                     </a:p>
                   </a:txBody>
-                  <a:tcPr/>
+                  <a:tcPr>
+                    <a:lnL w="12700" cap="flat" cmpd="sng" algn="ctr">
+                      <a:solidFill>
+                        <a:schemeClr val="accent3">
+                          <a:lumMod val="60000"/>
+                          <a:lumOff val="40000"/>
+                        </a:schemeClr>
+                      </a:solidFill>
+                      <a:prstDash val="solid"/>
+                      <a:round/>
+                      <a:headEnd type="none" w="med" len="med"/>
+                      <a:tailEnd type="none" w="med" len="med"/>
+                    </a:lnL>
+                  </a:tcPr>
                 </a:tc>
-              </a:tr>
-            </a:tbl>
-          </a:graphicData>
-        </a:graphic>
-      </p:graphicFrame>
-      <p:graphicFrame>
-        <p:nvGraphicFramePr>
-          <p:cNvPr id="9" name="표 8"/>
-          <p:cNvGraphicFramePr>
-            <a:graphicFrameLocks noGrp="1"/>
-          </p:cNvGraphicFramePr>
-          <p:nvPr>
-            <p:extLst>
-              <p:ext uri="{D42A27DB-BD31-4B8C-83A1-F6EECF244321}">
-                <p14:modId xmlns:p14="http://schemas.microsoft.com/office/powerpoint/2010/main" val="832926539"/>
-              </p:ext>
-            </p:extLst>
-          </p:nvPr>
-        </p:nvGraphicFramePr>
-        <p:xfrm>
-          <a:off x="-241172" y="3833201"/>
-          <a:ext cx="6096000" cy="2219960"/>
-        </p:xfrm>
-        <a:graphic>
-          <a:graphicData uri="http://schemas.openxmlformats.org/drawingml/2006/table">
-            <a:tbl>
-              <a:tblPr firstRow="1" bandRow="1">
-                <a:tableStyleId>{F2DE63D5-997A-4646-A377-4702673A728D}</a:tableStyleId>
-              </a:tblPr>
-              <a:tblGrid>
-                <a:gridCol w="2032000"/>
-                <a:gridCol w="1016000"/>
-                <a:gridCol w="1016000"/>
-                <a:gridCol w="2032000"/>
-              </a:tblGrid>
-              <a:tr h="221744">
-                <a:tc gridSpan="2">
-                  <a:txBody>
-                    <a:bodyPr/>
-                    <a:lstStyle/>
-                    <a:p>
-                      <a:pPr algn="ctr" latinLnBrk="1"/>
-                      <a:r>
-                        <a:rPr lang="en-US" altLang="ko-KR" dirty="0" smtClean="0"/>
-                        <a:t>Table Name</a:t>
-                      </a:r>
-                      <a:endParaRPr lang="ko-KR" altLang="en-US" dirty="0"/>
-                    </a:p>
-                  </a:txBody>
-                  <a:tcPr/>
-                </a:tc>
-                <a:tc hMerge="1">
-                  <a:txBody>
-                    <a:bodyPr/>
-                    <a:lstStyle/>
-                    <a:p>
-                      <a:pPr latinLnBrk="1"/>
-                      <a:endParaRPr lang="ko-KR" altLang="en-US" dirty="0"/>
-                    </a:p>
-                  </a:txBody>
-                  <a:tcPr/>
-                </a:tc>
-                <a:tc gridSpan="2">
-                  <a:txBody>
-                    <a:bodyPr/>
-                    <a:lstStyle/>
-                    <a:p>
-                      <a:pPr algn="ctr" latinLnBrk="1"/>
-                      <a:r>
-                        <a:rPr lang="en-US" altLang="ko-KR" dirty="0" err="1" smtClean="0"/>
-                        <a:t>User_stastic</a:t>
-                      </a:r>
-                      <a:endParaRPr lang="ko-KR" altLang="en-US" dirty="0"/>
-                    </a:p>
-                  </a:txBody>
-                  <a:tcPr/>
-                </a:tc>
-                <a:tc hMerge="1">
-                  <a:txBody>
-                    <a:bodyPr/>
-                    <a:lstStyle/>
-                    <a:p>
-                      <a:pPr latinLnBrk="1"/>
-                      <a:endParaRPr lang="ko-KR" altLang="en-US" dirty="0"/>
-                    </a:p>
-                  </a:txBody>
-                  <a:tcPr/>
-                </a:tc>
-              </a:tr>
-              <a:tr h="370840">
-                <a:tc>
-                  <a:txBody>
-                    <a:bodyPr/>
-                    <a:lstStyle/>
-                    <a:p>
-                      <a:pPr algn="ctr" latinLnBrk="1"/>
-                      <a:r>
-                        <a:rPr lang="en-US" altLang="ko-KR" dirty="0" smtClean="0"/>
-                        <a:t>Element</a:t>
-                      </a:r>
-                      <a:r>
-                        <a:rPr lang="en-US" altLang="ko-KR" baseline="0" dirty="0" smtClean="0"/>
-                        <a:t> Name</a:t>
-                      </a:r>
-                      <a:endParaRPr lang="ko-KR" altLang="en-US" dirty="0"/>
-                    </a:p>
-                  </a:txBody>
-                  <a:tcPr/>
-                </a:tc>
-                <a:tc gridSpan="2">
-                  <a:txBody>
-                    <a:bodyPr/>
-                    <a:lstStyle/>
-                    <a:p>
-                      <a:pPr algn="ctr" latinLnBrk="1"/>
-                      <a:r>
-                        <a:rPr lang="en-US" altLang="ko-KR" dirty="0" smtClean="0"/>
-                        <a:t>Data</a:t>
-                      </a:r>
-                      <a:r>
-                        <a:rPr lang="en-US" altLang="ko-KR" baseline="0" dirty="0" smtClean="0"/>
-                        <a:t> Type</a:t>
-                      </a:r>
-                      <a:endParaRPr lang="ko-KR" altLang="en-US" dirty="0"/>
-                    </a:p>
-                  </a:txBody>
-                  <a:tcPr/>
-                </a:tc>
-                <a:tc hMerge="1">
-                  <a:txBody>
-                    <a:bodyPr/>
-                    <a:lstStyle/>
-                    <a:p>
-                      <a:pPr latinLnBrk="1"/>
-                      <a:endParaRPr lang="ko-KR" altLang="en-US"/>
-                    </a:p>
-                  </a:txBody>
-                  <a:tcPr/>
-                </a:tc>
-                <a:tc>
-                  <a:txBody>
-                    <a:bodyPr/>
-                    <a:lstStyle/>
-                    <a:p>
-                      <a:pPr algn="ctr" latinLnBrk="1"/>
-                      <a:r>
-                        <a:rPr lang="en-US" altLang="ko-KR" dirty="0" smtClean="0"/>
-                        <a:t>Option</a:t>
-                      </a:r>
-                      <a:endParaRPr lang="ko-KR" altLang="en-US" dirty="0"/>
-                    </a:p>
-                  </a:txBody>
-                  <a:tcPr/>
-                </a:tc>
-              </a:tr>
-              <a:tr h="370840">
-                <a:tc>
-                  <a:txBody>
-                    <a:bodyPr/>
-                    <a:lstStyle/>
-                    <a:p>
-                      <a:pPr algn="ctr" latinLnBrk="1"/>
-                      <a:r>
-                        <a:rPr lang="en-US" altLang="ko-KR" dirty="0" smtClean="0"/>
-                        <a:t>Email</a:t>
-                      </a:r>
-                      <a:endParaRPr lang="ko-KR" altLang="en-US" dirty="0"/>
-                    </a:p>
-                  </a:txBody>
-                  <a:tcPr/>
-                </a:tc>
-                <a:tc gridSpan="2">
-                  <a:txBody>
-                    <a:bodyPr/>
-                    <a:lstStyle/>
-                    <a:p>
-                      <a:pPr algn="ctr" latinLnBrk="1"/>
-                      <a:r>
-                        <a:rPr lang="en-US" altLang="ko-KR" dirty="0" smtClean="0"/>
-                        <a:t>Varchar2(60)</a:t>
-                      </a:r>
-                      <a:endParaRPr lang="ko-KR" altLang="en-US" dirty="0"/>
-                    </a:p>
-                  </a:txBody>
-                  <a:tcPr/>
-                </a:tc>
-                <a:tc hMerge="1">
-                  <a:txBody>
-                    <a:bodyPr/>
-                    <a:lstStyle/>
-                    <a:p>
-                      <a:pPr latinLnBrk="1"/>
-                      <a:endParaRPr lang="ko-KR" altLang="en-US"/>
-                    </a:p>
-                  </a:txBody>
-                  <a:tcPr/>
-                </a:tc>
-                <a:tc>
-                  <a:txBody>
-                    <a:bodyPr/>
-                    <a:lstStyle/>
-                    <a:p>
-                      <a:pPr algn="ctr" latinLnBrk="1"/>
-                      <a:r>
-                        <a:rPr lang="en-US" altLang="ko-KR" baseline="0" dirty="0" smtClean="0"/>
-                        <a:t>Primary key</a:t>
-                      </a:r>
-                    </a:p>
-                  </a:txBody>
-                  <a:tcPr/>
-                </a:tc>
-              </a:tr>
-              <a:tr h="370840">
-                <a:tc>
-                  <a:txBody>
-                    <a:bodyPr/>
-                    <a:lstStyle/>
-                    <a:p>
-                      <a:pPr algn="ctr" latinLnBrk="1"/>
-                      <a:r>
-                        <a:rPr lang="en-US" altLang="ko-KR" dirty="0" err="1" smtClean="0"/>
-                        <a:t>Total_pay</a:t>
-                      </a:r>
-                      <a:endParaRPr lang="ko-KR" altLang="en-US" dirty="0"/>
-                    </a:p>
-                  </a:txBody>
-                  <a:tcPr/>
-                </a:tc>
-                <a:tc gridSpan="2">
-                  <a:txBody>
-                    <a:bodyPr/>
-                    <a:lstStyle/>
-                    <a:p>
-                      <a:pPr algn="ctr" latinLnBrk="1"/>
-                      <a:r>
-                        <a:rPr lang="en-US" altLang="ko-KR" dirty="0" smtClean="0"/>
-                        <a:t>Number(10,0)</a:t>
-                      </a:r>
-                      <a:endParaRPr lang="ko-KR" altLang="en-US" dirty="0"/>
-                    </a:p>
-                  </a:txBody>
-                  <a:tcPr/>
-                </a:tc>
-                <a:tc hMerge="1">
-                  <a:txBody>
-                    <a:bodyPr/>
-                    <a:lstStyle/>
-                    <a:p>
-                      <a:pPr latinLnBrk="1"/>
-                      <a:endParaRPr lang="ko-KR" altLang="en-US"/>
-                    </a:p>
-                  </a:txBody>
-                  <a:tcPr/>
-                </a:tc>
-                <a:tc>
-                  <a:txBody>
-                    <a:bodyPr/>
-                    <a:lstStyle/>
-                    <a:p>
-                      <a:pPr algn="ctr" latinLnBrk="1"/>
-                      <a:endParaRPr lang="ko-KR" altLang="en-US" dirty="0"/>
-                    </a:p>
-                  </a:txBody>
-                  <a:tcPr/>
-                </a:tc>
-              </a:tr>
-              <a:tr h="370840">
-                <a:tc>
-                  <a:txBody>
-                    <a:bodyPr/>
-                    <a:lstStyle/>
-                    <a:p>
-                      <a:pPr algn="ctr" latinLnBrk="1"/>
-                      <a:r>
-                        <a:rPr lang="en-US" altLang="ko-KR" dirty="0" err="1" smtClean="0"/>
-                        <a:t>Total_Point</a:t>
-                      </a:r>
-                      <a:endParaRPr lang="ko-KR" altLang="en-US" dirty="0"/>
-                    </a:p>
-                  </a:txBody>
-                  <a:tcPr/>
-                </a:tc>
-                <a:tc gridSpan="2">
-                  <a:txBody>
-                    <a:bodyPr/>
-                    <a:lstStyle/>
-                    <a:p>
-                      <a:pPr algn="ctr" latinLnBrk="1"/>
-                      <a:r>
-                        <a:rPr lang="en-US" altLang="ko-KR" dirty="0" smtClean="0"/>
-                        <a:t>number(5,0)</a:t>
-                      </a:r>
-                      <a:endParaRPr lang="ko-KR" altLang="en-US" dirty="0"/>
-                    </a:p>
-                  </a:txBody>
-                  <a:tcPr/>
-                </a:tc>
-                <a:tc hMerge="1">
-                  <a:txBody>
-                    <a:bodyPr/>
-                    <a:lstStyle/>
-                    <a:p>
-                      <a:pPr latinLnBrk="1"/>
-                      <a:endParaRPr lang="ko-KR" altLang="en-US"/>
-                    </a:p>
-                  </a:txBody>
-                  <a:tcPr/>
-                </a:tc>
-                <a:tc>
-                  <a:txBody>
-                    <a:bodyPr/>
-                    <a:lstStyle/>
-                    <a:p>
-                      <a:pPr marL="0" marR="0" indent="0" algn="ctr" defTabSz="914400" rtl="0" eaLnBrk="1" fontAlgn="auto" latinLnBrk="1" hangingPunct="1">
-                        <a:lnSpc>
-                          <a:spcPct val="100000"/>
-                        </a:lnSpc>
-                        <a:spcBef>
-                          <a:spcPts val="0"/>
-                        </a:spcBef>
-                        <a:spcAft>
-                          <a:spcPts val="0"/>
-                        </a:spcAft>
-                        <a:buClrTx/>
-                        <a:buSzTx/>
-                        <a:buFontTx/>
-                        <a:buNone/>
-                        <a:tabLst/>
-                        <a:defRPr/>
-                      </a:pPr>
-                      <a:endParaRPr lang="ko-KR" altLang="en-US" dirty="0" smtClean="0"/>
-                    </a:p>
-                  </a:txBody>
-                  <a:tcPr/>
-                </a:tc>
-              </a:tr>
-              <a:tr h="370840">
-                <a:tc>
-                  <a:txBody>
-                    <a:bodyPr/>
-                    <a:lstStyle/>
-                    <a:p>
-                      <a:pPr algn="ctr" latinLnBrk="1"/>
-                      <a:r>
-                        <a:rPr lang="en-US" altLang="ko-KR" dirty="0" err="1" smtClean="0"/>
-                        <a:t>Del_flg</a:t>
-                      </a:r>
-                      <a:endParaRPr lang="ko-KR" altLang="en-US" dirty="0"/>
-                    </a:p>
-                  </a:txBody>
-                  <a:tcPr/>
-                </a:tc>
-                <a:tc gridSpan="2">
-                  <a:txBody>
-                    <a:bodyPr/>
-                    <a:lstStyle/>
-                    <a:p>
-                      <a:pPr marL="0" marR="0" indent="0" algn="ctr" defTabSz="914400" rtl="0" eaLnBrk="1" fontAlgn="auto" latinLnBrk="1" hangingPunct="1">
-                        <a:lnSpc>
-                          <a:spcPct val="100000"/>
-                        </a:lnSpc>
-                        <a:spcBef>
-                          <a:spcPts val="0"/>
-                        </a:spcBef>
-                        <a:spcAft>
-                          <a:spcPts val="0"/>
-                        </a:spcAft>
-                        <a:buClrTx/>
-                        <a:buSzTx/>
-                        <a:buFontTx/>
-                        <a:buNone/>
-                        <a:tabLst/>
-                        <a:defRPr/>
-                      </a:pPr>
-                      <a:r>
-                        <a:rPr lang="en-US" altLang="ko-KR" dirty="0" smtClean="0"/>
-                        <a:t>Char(1)</a:t>
-                      </a:r>
-                      <a:endParaRPr lang="ko-KR" altLang="en-US" dirty="0" smtClean="0"/>
-                    </a:p>
-                  </a:txBody>
-                  <a:tcPr/>
-                </a:tc>
-                <a:tc hMerge="1">
-                  <a:txBody>
-                    <a:bodyPr/>
-                    <a:lstStyle/>
-                    <a:p>
-                      <a:pPr latinLnBrk="1"/>
-                      <a:endParaRPr lang="ko-KR" altLang="en-US"/>
-                    </a:p>
-                  </a:txBody>
-                  <a:tcPr/>
-                </a:tc>
-                <a:tc>
-                  <a:txBody>
-                    <a:bodyPr/>
-                    <a:lstStyle/>
-                    <a:p>
-                      <a:pPr marL="0" marR="0" indent="0" algn="ctr" defTabSz="914400" rtl="0" eaLnBrk="1" fontAlgn="auto" latinLnBrk="1" hangingPunct="1">
-                        <a:lnSpc>
-                          <a:spcPct val="100000"/>
-                        </a:lnSpc>
-                        <a:spcBef>
-                          <a:spcPts val="0"/>
-                        </a:spcBef>
-                        <a:spcAft>
-                          <a:spcPts val="0"/>
-                        </a:spcAft>
-                        <a:buClrTx/>
-                        <a:buSzTx/>
-                        <a:buFontTx/>
-                        <a:buNone/>
-                        <a:tabLst/>
-                        <a:defRPr/>
-                      </a:pPr>
-                      <a:r>
-                        <a:rPr lang="en-US" altLang="ko-KR" dirty="0" smtClean="0"/>
-                        <a:t>Not null</a:t>
-                      </a:r>
-                      <a:endParaRPr lang="ko-KR" altLang="en-US" dirty="0" smtClean="0"/>
-                    </a:p>
-                  </a:txBody>
-                  <a:tcPr/>
-                </a:tc>
-              </a:tr>
-            </a:tbl>
-          </a:graphicData>
-        </a:graphic>
-      </p:graphicFrame>
-      <p:graphicFrame>
-        <p:nvGraphicFramePr>
-          <p:cNvPr id="10" name="표 9"/>
-          <p:cNvGraphicFramePr>
-            <a:graphicFrameLocks noGrp="1"/>
-          </p:cNvGraphicFramePr>
-          <p:nvPr>
-            <p:extLst>
-              <p:ext uri="{D42A27DB-BD31-4B8C-83A1-F6EECF244321}">
-                <p14:modId xmlns:p14="http://schemas.microsoft.com/office/powerpoint/2010/main" val="926194798"/>
-              </p:ext>
-            </p:extLst>
-          </p:nvPr>
-        </p:nvGraphicFramePr>
-        <p:xfrm>
-          <a:off x="7028973" y="-137776"/>
-          <a:ext cx="6096000" cy="1849120"/>
-        </p:xfrm>
-        <a:graphic>
-          <a:graphicData uri="http://schemas.openxmlformats.org/drawingml/2006/table">
-            <a:tbl>
-              <a:tblPr firstRow="1" bandRow="1">
-                <a:tableStyleId>{F2DE63D5-997A-4646-A377-4702673A728D}</a:tableStyleId>
-              </a:tblPr>
-              <a:tblGrid>
-                <a:gridCol w="2032000"/>
-                <a:gridCol w="1016000"/>
-                <a:gridCol w="1016000"/>
-                <a:gridCol w="2032000"/>
-              </a:tblGrid>
-              <a:tr h="221744">
-                <a:tc gridSpan="2">
-                  <a:txBody>
-                    <a:bodyPr/>
-                    <a:lstStyle/>
-                    <a:p>
-                      <a:pPr algn="ctr" latinLnBrk="1"/>
-                      <a:r>
-                        <a:rPr lang="en-US" altLang="ko-KR" dirty="0" smtClean="0"/>
-                        <a:t>Table Name</a:t>
-                      </a:r>
-                      <a:endParaRPr lang="ko-KR" altLang="en-US" dirty="0"/>
-                    </a:p>
-                  </a:txBody>
-                  <a:tcPr/>
-                </a:tc>
-                <a:tc hMerge="1">
-                  <a:txBody>
-                    <a:bodyPr/>
-                    <a:lstStyle/>
-                    <a:p>
-                      <a:pPr latinLnBrk="1"/>
-                      <a:endParaRPr lang="ko-KR" altLang="en-US" dirty="0"/>
-                    </a:p>
-                  </a:txBody>
-                  <a:tcPr/>
-                </a:tc>
-                <a:tc gridSpan="2">
-                  <a:txBody>
-                    <a:bodyPr/>
-                    <a:lstStyle/>
-                    <a:p>
-                      <a:pPr algn="ctr" latinLnBrk="1"/>
-                      <a:r>
-                        <a:rPr lang="en-US" altLang="ko-KR" dirty="0" err="1" smtClean="0"/>
-                        <a:t>grade_list</a:t>
-                      </a:r>
-                      <a:endParaRPr lang="ko-KR" altLang="en-US" dirty="0"/>
-                    </a:p>
-                  </a:txBody>
-                  <a:tcPr/>
-                </a:tc>
-                <a:tc hMerge="1">
-                  <a:txBody>
-                    <a:bodyPr/>
-                    <a:lstStyle/>
-                    <a:p>
-                      <a:pPr latinLnBrk="1"/>
-                      <a:endParaRPr lang="ko-KR" altLang="en-US" dirty="0"/>
-                    </a:p>
-                  </a:txBody>
-                  <a:tcPr/>
-                </a:tc>
-              </a:tr>
-              <a:tr h="370840">
-                <a:tc>
-                  <a:txBody>
-                    <a:bodyPr/>
-                    <a:lstStyle/>
-                    <a:p>
-                      <a:pPr algn="ctr" latinLnBrk="1"/>
-                      <a:r>
-                        <a:rPr lang="en-US" altLang="ko-KR" dirty="0" smtClean="0"/>
-                        <a:t>Element</a:t>
-                      </a:r>
-                      <a:r>
-                        <a:rPr lang="en-US" altLang="ko-KR" baseline="0" dirty="0" smtClean="0"/>
-                        <a:t> Name</a:t>
-                      </a:r>
-                      <a:endParaRPr lang="ko-KR" altLang="en-US" dirty="0"/>
-                    </a:p>
-                  </a:txBody>
-                  <a:tcPr/>
-                </a:tc>
-                <a:tc gridSpan="2">
-                  <a:txBody>
-                    <a:bodyPr/>
-                    <a:lstStyle/>
-                    <a:p>
-                      <a:pPr algn="ctr" latinLnBrk="1"/>
-                      <a:r>
-                        <a:rPr lang="en-US" altLang="ko-KR" dirty="0" smtClean="0"/>
-                        <a:t>Data</a:t>
-                      </a:r>
-                      <a:r>
-                        <a:rPr lang="en-US" altLang="ko-KR" baseline="0" dirty="0" smtClean="0"/>
-                        <a:t> Type</a:t>
-                      </a:r>
-                      <a:endParaRPr lang="ko-KR" altLang="en-US" dirty="0"/>
-                    </a:p>
-                  </a:txBody>
-                  <a:tcPr/>
-                </a:tc>
-                <a:tc hMerge="1">
-                  <a:txBody>
-                    <a:bodyPr/>
-                    <a:lstStyle/>
-                    <a:p>
-                      <a:pPr latinLnBrk="1"/>
-                      <a:endParaRPr lang="ko-KR" altLang="en-US"/>
-                    </a:p>
-                  </a:txBody>
-                  <a:tcPr/>
-                </a:tc>
-                <a:tc>
-                  <a:txBody>
-                    <a:bodyPr/>
-                    <a:lstStyle/>
-                    <a:p>
-                      <a:pPr algn="ctr" latinLnBrk="1"/>
-                      <a:r>
-                        <a:rPr lang="en-US" altLang="ko-KR" dirty="0" smtClean="0"/>
-                        <a:t>Option</a:t>
-                      </a:r>
-                      <a:endParaRPr lang="ko-KR" altLang="en-US" dirty="0"/>
-                    </a:p>
-                  </a:txBody>
-                  <a:tcPr/>
-                </a:tc>
-              </a:tr>
-              <a:tr h="370840">
-                <a:tc>
-                  <a:txBody>
-                    <a:bodyPr/>
-                    <a:lstStyle/>
-                    <a:p>
-                      <a:pPr algn="ctr" latinLnBrk="1"/>
-                      <a:r>
-                        <a:rPr lang="en-US" altLang="ko-KR" dirty="0" err="1" smtClean="0"/>
-                        <a:t>Grade_code</a:t>
-                      </a:r>
-                      <a:endParaRPr lang="ko-KR" altLang="en-US" dirty="0"/>
-                    </a:p>
-                  </a:txBody>
-                  <a:tcPr/>
-                </a:tc>
-                <a:tc gridSpan="2">
-                  <a:txBody>
-                    <a:bodyPr/>
-                    <a:lstStyle/>
-                    <a:p>
-                      <a:pPr algn="ctr" latinLnBrk="1"/>
-                      <a:r>
-                        <a:rPr lang="en-US" altLang="ko-KR" dirty="0" smtClean="0"/>
-                        <a:t>Number(3)</a:t>
-                      </a:r>
-                      <a:endParaRPr lang="ko-KR" altLang="en-US" dirty="0"/>
-                    </a:p>
-                  </a:txBody>
-                  <a:tcPr/>
-                </a:tc>
-                <a:tc hMerge="1">
-                  <a:txBody>
-                    <a:bodyPr/>
-                    <a:lstStyle/>
-                    <a:p>
-                      <a:pPr latinLnBrk="1"/>
-                      <a:endParaRPr lang="ko-KR" altLang="en-US"/>
-                    </a:p>
-                  </a:txBody>
-                  <a:tcPr/>
-                </a:tc>
-                <a:tc>
-                  <a:txBody>
-                    <a:bodyPr/>
-                    <a:lstStyle/>
-                    <a:p>
-                      <a:pPr algn="ctr" latinLnBrk="1"/>
-                      <a:r>
-                        <a:rPr lang="en-US" altLang="ko-KR" baseline="0" dirty="0" smtClean="0"/>
-                        <a:t>Primary key</a:t>
-                      </a:r>
-                    </a:p>
-                  </a:txBody>
-                  <a:tcPr/>
-                </a:tc>
-              </a:tr>
-              <a:tr h="370840">
-                <a:tc>
-                  <a:txBody>
-                    <a:bodyPr/>
-                    <a:lstStyle/>
-                    <a:p>
-                      <a:pPr algn="ctr" latinLnBrk="1"/>
-                      <a:r>
-                        <a:rPr lang="en-US" altLang="ko-KR" dirty="0" smtClean="0"/>
-                        <a:t>Name</a:t>
-                      </a:r>
-                      <a:endParaRPr lang="ko-KR" altLang="en-US" dirty="0"/>
-                    </a:p>
-                  </a:txBody>
-                  <a:tcPr/>
-                </a:tc>
-                <a:tc gridSpan="2">
-                  <a:txBody>
-                    <a:bodyPr/>
-                    <a:lstStyle/>
-                    <a:p>
-                      <a:pPr algn="ctr" latinLnBrk="1"/>
-                      <a:r>
-                        <a:rPr lang="en-US" altLang="ko-KR" dirty="0" smtClean="0"/>
-                        <a:t>Varchar2(20)</a:t>
-                      </a:r>
-                      <a:endParaRPr lang="ko-KR" altLang="en-US" dirty="0"/>
-                    </a:p>
-                  </a:txBody>
-                  <a:tcPr/>
-                </a:tc>
-                <a:tc hMerge="1">
-                  <a:txBody>
-                    <a:bodyPr/>
-                    <a:lstStyle/>
-                    <a:p>
-                      <a:pPr latinLnBrk="1"/>
-                      <a:endParaRPr lang="ko-KR" altLang="en-US"/>
-                    </a:p>
-                  </a:txBody>
-                  <a:tcPr/>
-                </a:tc>
-                <a:tc>
-                  <a:txBody>
-                    <a:bodyPr/>
-                    <a:lstStyle/>
-                    <a:p>
-                      <a:pPr algn="ctr" latinLnBrk="1"/>
-                      <a:r>
-                        <a:rPr lang="en-US" altLang="ko-KR" dirty="0" smtClean="0"/>
-                        <a:t>Not null</a:t>
-                      </a:r>
-                      <a:endParaRPr lang="ko-KR" altLang="en-US" dirty="0"/>
-                    </a:p>
-                  </a:txBody>
-                  <a:tcPr/>
-                </a:tc>
-              </a:tr>
-              <a:tr h="370840">
-                <a:tc>
-                  <a:txBody>
-                    <a:bodyPr/>
-                    <a:lstStyle/>
-                    <a:p>
-                      <a:pPr algn="ctr" latinLnBrk="1"/>
-                      <a:r>
-                        <a:rPr lang="en-US" altLang="ko-KR" dirty="0" err="1" smtClean="0"/>
-                        <a:t>Del_flg</a:t>
-                      </a:r>
-                      <a:endParaRPr lang="ko-KR" altLang="en-US" dirty="0"/>
-                    </a:p>
-                  </a:txBody>
-                  <a:tcPr/>
-                </a:tc>
-                <a:tc gridSpan="2">
-                  <a:txBody>
-                    <a:bodyPr/>
-                    <a:lstStyle/>
-                    <a:p>
-                      <a:pPr algn="ctr" latinLnBrk="1"/>
-                      <a:r>
-                        <a:rPr lang="en-US" altLang="ko-KR" dirty="0" smtClean="0"/>
-                        <a:t>Char(1)</a:t>
-                      </a:r>
-                      <a:endParaRPr lang="ko-KR" altLang="en-US" dirty="0"/>
-                    </a:p>
-                  </a:txBody>
-                  <a:tcPr/>
-                </a:tc>
-                <a:tc hMerge="1">
-                  <a:txBody>
-                    <a:bodyPr/>
-                    <a:lstStyle/>
-                    <a:p>
-                      <a:pPr latinLnBrk="1"/>
-                      <a:endParaRPr lang="ko-KR" altLang="en-US"/>
-                    </a:p>
-                  </a:txBody>
-                  <a:tcPr/>
-                </a:tc>
-                <a:tc>
-                  <a:txBody>
-                    <a:bodyPr/>
-                    <a:lstStyle/>
-                    <a:p>
-                      <a:pPr marL="0" marR="0" indent="0" algn="ctr" defTabSz="914400" rtl="0" eaLnBrk="1" fontAlgn="auto" latinLnBrk="1" hangingPunct="1">
-                        <a:lnSpc>
-                          <a:spcPct val="100000"/>
-                        </a:lnSpc>
-                        <a:spcBef>
-                          <a:spcPts val="0"/>
-                        </a:spcBef>
-                        <a:spcAft>
-                          <a:spcPts val="0"/>
-                        </a:spcAft>
-                        <a:buClrTx/>
-                        <a:buSzTx/>
-                        <a:buFontTx/>
-                        <a:buNone/>
-                        <a:tabLst/>
-                        <a:defRPr/>
-                      </a:pPr>
-                      <a:r>
-                        <a:rPr lang="en-US" altLang="ko-KR" dirty="0" smtClean="0"/>
-                        <a:t>Not</a:t>
-                      </a:r>
-                      <a:r>
-                        <a:rPr lang="en-US" altLang="ko-KR" baseline="0" dirty="0" smtClean="0"/>
-                        <a:t> null</a:t>
-                      </a:r>
-                      <a:endParaRPr lang="ko-KR" altLang="en-US" dirty="0" smtClean="0"/>
-                    </a:p>
-                  </a:txBody>
-                  <a:tcPr/>
-                </a:tc>
-              </a:tr>
-            </a:tbl>
-          </a:graphicData>
-        </a:graphic>
-      </p:graphicFrame>
-      <p:graphicFrame>
-        <p:nvGraphicFramePr>
-          <p:cNvPr id="11" name="표 10"/>
-          <p:cNvGraphicFramePr>
-            <a:graphicFrameLocks noGrp="1"/>
-          </p:cNvGraphicFramePr>
-          <p:nvPr>
-            <p:extLst>
-              <p:ext uri="{D42A27DB-BD31-4B8C-83A1-F6EECF244321}">
-                <p14:modId xmlns:p14="http://schemas.microsoft.com/office/powerpoint/2010/main" val="2494790951"/>
-              </p:ext>
-            </p:extLst>
-          </p:nvPr>
-        </p:nvGraphicFramePr>
-        <p:xfrm>
-          <a:off x="-241172" y="-5119672"/>
-          <a:ext cx="6096000" cy="3703320"/>
-        </p:xfrm>
-        <a:graphic>
-          <a:graphicData uri="http://schemas.openxmlformats.org/drawingml/2006/table">
-            <a:tbl>
-              <a:tblPr firstRow="1" bandRow="1">
-                <a:tableStyleId>{F2DE63D5-997A-4646-A377-4702673A728D}</a:tableStyleId>
-              </a:tblPr>
-              <a:tblGrid>
-                <a:gridCol w="2032000"/>
-                <a:gridCol w="1016000"/>
-                <a:gridCol w="1016000"/>
-                <a:gridCol w="2032000"/>
-              </a:tblGrid>
-              <a:tr h="149736">
-                <a:tc gridSpan="2">
-                  <a:txBody>
-                    <a:bodyPr/>
-                    <a:lstStyle/>
-                    <a:p>
-                      <a:pPr algn="ctr" latinLnBrk="1"/>
-                      <a:r>
-                        <a:rPr lang="en-US" altLang="ko-KR" dirty="0" smtClean="0"/>
-                        <a:t>Table Name</a:t>
-                      </a:r>
-                      <a:endParaRPr lang="ko-KR" altLang="en-US" dirty="0"/>
-                    </a:p>
-                  </a:txBody>
-                  <a:tcPr/>
-                </a:tc>
-                <a:tc hMerge="1">
-                  <a:txBody>
-                    <a:bodyPr/>
-                    <a:lstStyle/>
-                    <a:p>
-                      <a:pPr latinLnBrk="1"/>
-                      <a:endParaRPr lang="ko-KR" altLang="en-US" dirty="0"/>
-                    </a:p>
-                  </a:txBody>
-                  <a:tcPr/>
-                </a:tc>
-                <a:tc gridSpan="2">
-                  <a:txBody>
-                    <a:bodyPr/>
-                    <a:lstStyle/>
-                    <a:p>
-                      <a:pPr algn="ctr" latinLnBrk="1"/>
-                      <a:r>
-                        <a:rPr lang="en-US" altLang="ko-KR" dirty="0" smtClean="0"/>
-                        <a:t>Reservation</a:t>
-                      </a:r>
-                      <a:endParaRPr lang="ko-KR" altLang="en-US" dirty="0"/>
-                    </a:p>
-                  </a:txBody>
-                  <a:tcPr/>
-                </a:tc>
-                <a:tc hMerge="1">
-                  <a:txBody>
-                    <a:bodyPr/>
-                    <a:lstStyle/>
-                    <a:p>
-                      <a:pPr latinLnBrk="1"/>
-                      <a:endParaRPr lang="ko-KR" altLang="en-US" dirty="0"/>
-                    </a:p>
-                  </a:txBody>
-                  <a:tcPr/>
-                </a:tc>
-              </a:tr>
-              <a:tr h="370840">
-                <a:tc>
-                  <a:txBody>
-                    <a:bodyPr/>
-                    <a:lstStyle/>
-                    <a:p>
-                      <a:pPr algn="ctr" latinLnBrk="1"/>
-                      <a:r>
-                        <a:rPr lang="en-US" altLang="ko-KR" dirty="0" smtClean="0"/>
-                        <a:t>Element</a:t>
-                      </a:r>
-                      <a:r>
-                        <a:rPr lang="en-US" altLang="ko-KR" baseline="0" dirty="0" smtClean="0"/>
-                        <a:t> Name</a:t>
-                      </a:r>
-                      <a:endParaRPr lang="ko-KR" altLang="en-US" dirty="0"/>
-                    </a:p>
-                  </a:txBody>
-                  <a:tcPr/>
-                </a:tc>
-                <a:tc gridSpan="2">
-                  <a:txBody>
-                    <a:bodyPr/>
-                    <a:lstStyle/>
-                    <a:p>
-                      <a:pPr algn="ctr" latinLnBrk="1"/>
-                      <a:r>
-                        <a:rPr lang="en-US" altLang="ko-KR" dirty="0" smtClean="0"/>
-                        <a:t>Data</a:t>
-                      </a:r>
-                      <a:r>
-                        <a:rPr lang="en-US" altLang="ko-KR" baseline="0" dirty="0" smtClean="0"/>
-                        <a:t> Type</a:t>
-                      </a:r>
-                      <a:endParaRPr lang="ko-KR" altLang="en-US" dirty="0"/>
-                    </a:p>
-                  </a:txBody>
-                  <a:tcPr/>
-                </a:tc>
-                <a:tc hMerge="1">
-                  <a:txBody>
-                    <a:bodyPr/>
-                    <a:lstStyle/>
-                    <a:p>
-                      <a:pPr latinLnBrk="1"/>
-                      <a:endParaRPr lang="ko-KR" altLang="en-US"/>
-                    </a:p>
-                  </a:txBody>
-                  <a:tcPr/>
-                </a:tc>
-                <a:tc>
-                  <a:txBody>
-                    <a:bodyPr/>
-                    <a:lstStyle/>
-                    <a:p>
-                      <a:pPr algn="ctr" latinLnBrk="1"/>
-                      <a:r>
-                        <a:rPr lang="en-US" altLang="ko-KR" dirty="0" smtClean="0"/>
-                        <a:t>Option</a:t>
-                      </a:r>
-                      <a:endParaRPr lang="ko-KR" altLang="en-US" dirty="0"/>
-                    </a:p>
-                  </a:txBody>
-                  <a:tcPr/>
-                </a:tc>
-              </a:tr>
-              <a:tr h="370840">
-                <a:tc>
-                  <a:txBody>
-                    <a:bodyPr/>
-                    <a:lstStyle/>
-                    <a:p>
-                      <a:pPr algn="ctr" latinLnBrk="1"/>
-                      <a:r>
-                        <a:rPr lang="en-US" altLang="ko-KR" dirty="0" err="1" smtClean="0"/>
-                        <a:t>Reserve_num</a:t>
-                      </a:r>
-                      <a:endParaRPr lang="ko-KR" altLang="en-US" dirty="0"/>
-                    </a:p>
-                  </a:txBody>
-                  <a:tcPr/>
-                </a:tc>
-                <a:tc gridSpan="2">
-                  <a:txBody>
-                    <a:bodyPr/>
-                    <a:lstStyle/>
-                    <a:p>
-                      <a:pPr algn="ctr" latinLnBrk="1"/>
-                      <a:r>
-                        <a:rPr lang="en-US" altLang="ko-KR" dirty="0" smtClean="0"/>
-                        <a:t>number</a:t>
-                      </a:r>
-                      <a:endParaRPr lang="ko-KR" altLang="en-US" dirty="0"/>
-                    </a:p>
-                  </a:txBody>
-                  <a:tcPr/>
-                </a:tc>
-                <a:tc hMerge="1">
-                  <a:txBody>
-                    <a:bodyPr/>
-                    <a:lstStyle/>
-                    <a:p>
-                      <a:pPr latinLnBrk="1"/>
-                      <a:endParaRPr lang="ko-KR" altLang="en-US"/>
-                    </a:p>
-                  </a:txBody>
-                  <a:tcPr/>
-                </a:tc>
-                <a:tc>
-                  <a:txBody>
-                    <a:bodyPr/>
-                    <a:lstStyle/>
-                    <a:p>
-                      <a:pPr algn="ctr" latinLnBrk="1"/>
-                      <a:r>
-                        <a:rPr lang="en-US" altLang="ko-KR" baseline="0" dirty="0" smtClean="0"/>
-                        <a:t>Primary key</a:t>
-                      </a:r>
-                    </a:p>
-                  </a:txBody>
-                  <a:tcPr/>
-                </a:tc>
-              </a:tr>
-              <a:tr h="370840">
-                <a:tc>
-                  <a:txBody>
-                    <a:bodyPr/>
-                    <a:lstStyle/>
-                    <a:p>
-                      <a:pPr algn="ctr" latinLnBrk="1"/>
-                      <a:r>
-                        <a:rPr lang="en-US" altLang="ko-KR" dirty="0" smtClean="0"/>
-                        <a:t>Email</a:t>
-                      </a:r>
-                    </a:p>
-                  </a:txBody>
-                  <a:tcPr/>
-                </a:tc>
-                <a:tc gridSpan="2">
-                  <a:txBody>
-                    <a:bodyPr/>
-                    <a:lstStyle/>
-                    <a:p>
-                      <a:pPr algn="ctr" latinLnBrk="1"/>
-                      <a:r>
-                        <a:rPr lang="en-US" altLang="ko-KR" dirty="0" smtClean="0"/>
-                        <a:t>Varchar2(60)</a:t>
-                      </a:r>
-                      <a:endParaRPr lang="ko-KR" altLang="en-US" dirty="0"/>
-                    </a:p>
-                  </a:txBody>
-                  <a:tcPr/>
-                </a:tc>
-                <a:tc hMerge="1">
-                  <a:txBody>
-                    <a:bodyPr/>
-                    <a:lstStyle/>
-                    <a:p>
-                      <a:pPr latinLnBrk="1"/>
-                      <a:endParaRPr lang="ko-KR" altLang="en-US"/>
-                    </a:p>
-                  </a:txBody>
-                  <a:tcPr/>
-                </a:tc>
-                <a:tc>
-                  <a:txBody>
-                    <a:bodyPr/>
-                    <a:lstStyle/>
-                    <a:p>
-                      <a:pPr algn="ctr" latinLnBrk="1"/>
-                      <a:r>
-                        <a:rPr lang="en-US" altLang="ko-KR" dirty="0" smtClean="0"/>
-                        <a:t>Not</a:t>
-                      </a:r>
-                      <a:r>
-                        <a:rPr lang="en-US" altLang="ko-KR" baseline="0" dirty="0" smtClean="0"/>
-                        <a:t> null</a:t>
-                      </a:r>
-                      <a:endParaRPr lang="ko-KR" altLang="en-US" dirty="0"/>
-                    </a:p>
-                  </a:txBody>
-                  <a:tcPr/>
-                </a:tc>
-              </a:tr>
-              <a:tr h="370840">
-                <a:tc>
-                  <a:txBody>
-                    <a:bodyPr/>
-                    <a:lstStyle/>
-                    <a:p>
-                      <a:pPr algn="ctr" latinLnBrk="1"/>
-                      <a:r>
-                        <a:rPr lang="en-US" altLang="ko-KR" dirty="0" smtClean="0"/>
-                        <a:t>Participant</a:t>
-                      </a:r>
-                      <a:endParaRPr lang="ko-KR" altLang="en-US" dirty="0"/>
-                    </a:p>
-                  </a:txBody>
-                  <a:tcPr/>
-                </a:tc>
-                <a:tc gridSpan="2">
-                  <a:txBody>
-                    <a:bodyPr/>
-                    <a:lstStyle/>
-                    <a:p>
-                      <a:pPr algn="ctr" latinLnBrk="1"/>
-                      <a:r>
-                        <a:rPr lang="en-US" altLang="ko-KR" dirty="0" smtClean="0"/>
-                        <a:t>Number(3)</a:t>
-                      </a:r>
-                      <a:endParaRPr lang="ko-KR" altLang="en-US" dirty="0"/>
-                    </a:p>
-                  </a:txBody>
-                  <a:tcPr/>
-                </a:tc>
-                <a:tc hMerge="1">
-                  <a:txBody>
-                    <a:bodyPr/>
-                    <a:lstStyle/>
-                    <a:p>
-                      <a:pPr latinLnBrk="1"/>
-                      <a:endParaRPr lang="ko-KR" altLang="en-US"/>
-                    </a:p>
-                  </a:txBody>
-                  <a:tcPr/>
-                </a:tc>
-                <a:tc>
-                  <a:txBody>
-                    <a:bodyPr/>
-                    <a:lstStyle/>
-                    <a:p>
-                      <a:pPr marL="0" marR="0" indent="0" algn="ctr" defTabSz="914400" rtl="0" eaLnBrk="1" fontAlgn="auto" latinLnBrk="1" hangingPunct="1">
-                        <a:lnSpc>
-                          <a:spcPct val="100000"/>
-                        </a:lnSpc>
-                        <a:spcBef>
-                          <a:spcPts val="0"/>
-                        </a:spcBef>
-                        <a:spcAft>
-                          <a:spcPts val="0"/>
-                        </a:spcAft>
-                        <a:buClrTx/>
-                        <a:buSzTx/>
-                        <a:buFontTx/>
-                        <a:buNone/>
-                        <a:tabLst/>
-                        <a:defRPr/>
-                      </a:pPr>
-                      <a:r>
-                        <a:rPr lang="en-US" altLang="ko-KR" dirty="0" smtClean="0"/>
-                        <a:t>Not null</a:t>
-                      </a:r>
-                      <a:endParaRPr lang="ko-KR" altLang="en-US" dirty="0" smtClean="0"/>
-                    </a:p>
-                  </a:txBody>
-                  <a:tcPr/>
-                </a:tc>
-              </a:tr>
-              <a:tr h="370840">
-                <a:tc>
-                  <a:txBody>
-                    <a:bodyPr/>
-                    <a:lstStyle/>
-                    <a:p>
-                      <a:pPr algn="ctr" latinLnBrk="1"/>
-                      <a:r>
-                        <a:rPr lang="en-US" altLang="ko-KR" dirty="0" err="1" smtClean="0"/>
-                        <a:t>Surgery_num</a:t>
-                      </a:r>
-                      <a:endParaRPr lang="ko-KR" altLang="en-US" dirty="0"/>
-                    </a:p>
-                  </a:txBody>
-                  <a:tcPr/>
-                </a:tc>
-                <a:tc gridSpan="2">
-                  <a:txBody>
-                    <a:bodyPr/>
-                    <a:lstStyle/>
-                    <a:p>
-                      <a:pPr algn="ctr" latinLnBrk="1"/>
-                      <a:r>
-                        <a:rPr lang="en-US" altLang="ko-KR" dirty="0" smtClean="0"/>
-                        <a:t>Number</a:t>
-                      </a:r>
-                      <a:endParaRPr lang="ko-KR" altLang="en-US" dirty="0"/>
-                    </a:p>
-                  </a:txBody>
-                  <a:tcPr/>
-                </a:tc>
-                <a:tc hMerge="1">
-                  <a:txBody>
-                    <a:bodyPr/>
-                    <a:lstStyle/>
-                    <a:p>
-                      <a:pPr latinLnBrk="1"/>
-                      <a:endParaRPr lang="ko-KR" altLang="en-US"/>
-                    </a:p>
-                  </a:txBody>
-                  <a:tcPr/>
-                </a:tc>
-                <a:tc>
-                  <a:txBody>
-                    <a:bodyPr/>
-                    <a:lstStyle/>
-                    <a:p>
-                      <a:pPr marL="0" marR="0" indent="0" algn="ctr" defTabSz="914400" rtl="0" eaLnBrk="1" fontAlgn="auto" latinLnBrk="1" hangingPunct="1">
-                        <a:lnSpc>
-                          <a:spcPct val="100000"/>
-                        </a:lnSpc>
-                        <a:spcBef>
-                          <a:spcPts val="0"/>
-                        </a:spcBef>
-                        <a:spcAft>
-                          <a:spcPts val="0"/>
-                        </a:spcAft>
-                        <a:buClrTx/>
-                        <a:buSzTx/>
-                        <a:buFontTx/>
-                        <a:buNone/>
-                        <a:tabLst/>
-                        <a:defRPr/>
-                      </a:pPr>
-                      <a:r>
-                        <a:rPr lang="en-US" altLang="ko-KR" dirty="0" smtClean="0"/>
-                        <a:t>Not null</a:t>
-                      </a:r>
-                      <a:endParaRPr lang="ko-KR" altLang="en-US" dirty="0" smtClean="0"/>
-                    </a:p>
-                  </a:txBody>
-                  <a:tcPr/>
-                </a:tc>
-              </a:tr>
-              <a:tr h="370840">
-                <a:tc>
-                  <a:txBody>
-                    <a:bodyPr/>
-                    <a:lstStyle/>
-                    <a:p>
-                      <a:pPr algn="ctr" latinLnBrk="1"/>
-                      <a:r>
-                        <a:rPr lang="en-US" altLang="ko-KR" dirty="0" smtClean="0"/>
-                        <a:t>Time</a:t>
-                      </a:r>
-                      <a:endParaRPr lang="ko-KR" altLang="en-US" dirty="0"/>
-                    </a:p>
-                  </a:txBody>
-                  <a:tcPr/>
-                </a:tc>
-                <a:tc gridSpan="2">
-                  <a:txBody>
-                    <a:bodyPr/>
-                    <a:lstStyle/>
-                    <a:p>
-                      <a:pPr algn="ctr" latinLnBrk="1"/>
-                      <a:r>
-                        <a:rPr lang="en-US" altLang="ko-KR" dirty="0" smtClean="0"/>
-                        <a:t>Number</a:t>
-                      </a:r>
-                      <a:endParaRPr lang="ko-KR" altLang="en-US" dirty="0"/>
-                    </a:p>
-                  </a:txBody>
-                  <a:tcPr/>
-                </a:tc>
-                <a:tc hMerge="1">
-                  <a:txBody>
-                    <a:bodyPr/>
-                    <a:lstStyle/>
-                    <a:p>
-                      <a:pPr latinLnBrk="1"/>
-                      <a:endParaRPr lang="ko-KR" altLang="en-US"/>
-                    </a:p>
-                  </a:txBody>
-                  <a:tcPr/>
-                </a:tc>
-                <a:tc>
-                  <a:txBody>
-                    <a:bodyPr/>
-                    <a:lstStyle/>
-                    <a:p>
-                      <a:pPr marL="0" marR="0" indent="0" algn="ctr" defTabSz="914400" rtl="0" eaLnBrk="1" fontAlgn="auto" latinLnBrk="1" hangingPunct="1">
-                        <a:lnSpc>
-                          <a:spcPct val="100000"/>
-                        </a:lnSpc>
-                        <a:spcBef>
-                          <a:spcPts val="0"/>
-                        </a:spcBef>
-                        <a:spcAft>
-                          <a:spcPts val="0"/>
-                        </a:spcAft>
-                        <a:buClrTx/>
-                        <a:buSzTx/>
-                        <a:buFontTx/>
-                        <a:buNone/>
-                        <a:tabLst/>
-                        <a:defRPr/>
-                      </a:pPr>
-                      <a:r>
-                        <a:rPr lang="en-US" altLang="ko-KR" dirty="0" smtClean="0"/>
-                        <a:t>Not null</a:t>
-                      </a:r>
-                      <a:endParaRPr lang="ko-KR" altLang="en-US" dirty="0" smtClean="0"/>
-                    </a:p>
-                  </a:txBody>
-                  <a:tcPr/>
-                </a:tc>
-              </a:tr>
-              <a:tr h="370840">
-                <a:tc>
-                  <a:txBody>
-                    <a:bodyPr/>
-                    <a:lstStyle/>
-                    <a:p>
-                      <a:pPr algn="ctr" latinLnBrk="1"/>
-                      <a:r>
-                        <a:rPr lang="en-US" altLang="ko-KR" dirty="0" err="1" smtClean="0"/>
-                        <a:t>Reserve_date</a:t>
-                      </a:r>
-                      <a:endParaRPr lang="ko-KR" altLang="en-US" dirty="0"/>
-                    </a:p>
-                  </a:txBody>
-                  <a:tcPr/>
-                </a:tc>
-                <a:tc gridSpan="2">
-                  <a:txBody>
-                    <a:bodyPr/>
-                    <a:lstStyle/>
-                    <a:p>
-                      <a:pPr algn="ctr" latinLnBrk="1"/>
-                      <a:r>
-                        <a:rPr lang="en-US" altLang="ko-KR" dirty="0" smtClean="0"/>
-                        <a:t>DATE</a:t>
-                      </a:r>
-                      <a:endParaRPr lang="ko-KR" altLang="en-US" dirty="0"/>
-                    </a:p>
-                  </a:txBody>
-                  <a:tcPr/>
-                </a:tc>
-                <a:tc hMerge="1">
-                  <a:txBody>
-                    <a:bodyPr/>
-                    <a:lstStyle/>
-                    <a:p>
-                      <a:pPr latinLnBrk="1"/>
-                      <a:endParaRPr lang="ko-KR" altLang="en-US"/>
-                    </a:p>
-                  </a:txBody>
-                  <a:tcPr/>
-                </a:tc>
-                <a:tc>
-                  <a:txBody>
-                    <a:bodyPr/>
-                    <a:lstStyle/>
-                    <a:p>
-                      <a:pPr marL="0" marR="0" indent="0" algn="ctr" defTabSz="914400" rtl="0" eaLnBrk="1" fontAlgn="auto" latinLnBrk="1" hangingPunct="1">
-                        <a:lnSpc>
-                          <a:spcPct val="100000"/>
-                        </a:lnSpc>
-                        <a:spcBef>
-                          <a:spcPts val="0"/>
-                        </a:spcBef>
-                        <a:spcAft>
-                          <a:spcPts val="0"/>
-                        </a:spcAft>
-                        <a:buClrTx/>
-                        <a:buSzTx/>
-                        <a:buFontTx/>
-                        <a:buNone/>
-                        <a:tabLst/>
-                        <a:defRPr/>
-                      </a:pPr>
-                      <a:r>
-                        <a:rPr lang="en-US" altLang="ko-KR" dirty="0" smtClean="0"/>
-                        <a:t>Not null</a:t>
-                      </a:r>
-                      <a:endParaRPr lang="ko-KR" altLang="en-US" dirty="0" smtClean="0"/>
-                    </a:p>
-                  </a:txBody>
-                  <a:tcPr/>
-                </a:tc>
-              </a:tr>
-              <a:tr h="370840">
-                <a:tc>
-                  <a:txBody>
-                    <a:bodyPr/>
-                    <a:lstStyle/>
-                    <a:p>
-                      <a:pPr algn="ctr" latinLnBrk="1"/>
-                      <a:r>
-                        <a:rPr lang="en-US" altLang="ko-KR" dirty="0" err="1" smtClean="0"/>
-                        <a:t>Check_flge</a:t>
-                      </a:r>
-                      <a:endParaRPr lang="ko-KR" altLang="en-US" dirty="0"/>
-                    </a:p>
-                  </a:txBody>
-                  <a:tcPr/>
-                </a:tc>
-                <a:tc gridSpan="2">
-                  <a:txBody>
-                    <a:bodyPr/>
-                    <a:lstStyle/>
-                    <a:p>
-                      <a:pPr algn="ctr" latinLnBrk="1"/>
-                      <a:r>
-                        <a:rPr lang="en-US" altLang="ko-KR" dirty="0" smtClean="0"/>
-                        <a:t>Char(1)</a:t>
-                      </a:r>
-                      <a:endParaRPr lang="ko-KR" altLang="en-US" dirty="0"/>
-                    </a:p>
-                  </a:txBody>
-                  <a:tcPr/>
-                </a:tc>
-                <a:tc hMerge="1">
-                  <a:txBody>
-                    <a:bodyPr/>
-                    <a:lstStyle/>
-                    <a:p>
-                      <a:pPr latinLnBrk="1"/>
-                      <a:endParaRPr lang="ko-KR" altLang="en-US"/>
-                    </a:p>
-                  </a:txBody>
-                  <a:tcPr/>
-                </a:tc>
-                <a:tc>
-                  <a:txBody>
-                    <a:bodyPr/>
-                    <a:lstStyle/>
-                    <a:p>
-                      <a:pPr marL="0" marR="0" indent="0" algn="ctr" defTabSz="914400" rtl="0" eaLnBrk="1" fontAlgn="auto" latinLnBrk="1" hangingPunct="1">
-                        <a:lnSpc>
-                          <a:spcPct val="100000"/>
-                        </a:lnSpc>
-                        <a:spcBef>
-                          <a:spcPts val="0"/>
-                        </a:spcBef>
-                        <a:spcAft>
-                          <a:spcPts val="0"/>
-                        </a:spcAft>
-                        <a:buClrTx/>
-                        <a:buSzTx/>
-                        <a:buFontTx/>
-                        <a:buNone/>
-                        <a:tabLst/>
-                        <a:defRPr/>
-                      </a:pPr>
-                      <a:r>
-                        <a:rPr lang="en-US" altLang="ko-KR" dirty="0" smtClean="0"/>
-                        <a:t>Not null</a:t>
-                      </a:r>
-                      <a:endParaRPr lang="ko-KR" altLang="en-US" dirty="0" smtClean="0"/>
-                    </a:p>
-                  </a:txBody>
-                  <a:tcPr/>
-                </a:tc>
-              </a:tr>
-              <a:tr h="370840">
-                <a:tc>
-                  <a:txBody>
-                    <a:bodyPr/>
-                    <a:lstStyle/>
-                    <a:p>
-                      <a:pPr algn="ctr" latinLnBrk="1"/>
-                      <a:r>
-                        <a:rPr lang="en-US" altLang="ko-KR" dirty="0" err="1" smtClean="0"/>
-                        <a:t>Del_flge</a:t>
-                      </a:r>
-                      <a:endParaRPr lang="ko-KR" altLang="en-US" dirty="0"/>
-                    </a:p>
-                  </a:txBody>
-                  <a:tcPr/>
-                </a:tc>
-                <a:tc gridSpan="2">
-                  <a:txBody>
-                    <a:bodyPr/>
-                    <a:lstStyle/>
-                    <a:p>
-                      <a:pPr algn="ctr" latinLnBrk="1"/>
-                      <a:r>
-                        <a:rPr lang="en-US" altLang="ko-KR" dirty="0" smtClean="0"/>
-                        <a:t>Char(1)</a:t>
-                      </a:r>
-                      <a:endParaRPr lang="ko-KR" altLang="en-US" dirty="0"/>
-                    </a:p>
-                  </a:txBody>
-                  <a:tcPr/>
-                </a:tc>
-                <a:tc hMerge="1">
-                  <a:txBody>
-                    <a:bodyPr/>
-                    <a:lstStyle/>
-                    <a:p>
-                      <a:pPr latinLnBrk="1"/>
-                      <a:endParaRPr lang="ko-KR" altLang="en-US"/>
-                    </a:p>
-                  </a:txBody>
-                  <a:tcPr/>
-                </a:tc>
-                <a:tc>
-                  <a:txBody>
-                    <a:bodyPr/>
-                    <a:lstStyle/>
-                    <a:p>
-                      <a:pPr marL="0" marR="0" indent="0" algn="ctr" defTabSz="914400" rtl="0" eaLnBrk="1" fontAlgn="auto" latinLnBrk="1" hangingPunct="1">
-                        <a:lnSpc>
-                          <a:spcPct val="100000"/>
-                        </a:lnSpc>
-                        <a:spcBef>
-                          <a:spcPts val="0"/>
-                        </a:spcBef>
-                        <a:spcAft>
-                          <a:spcPts val="0"/>
-                        </a:spcAft>
-                        <a:buClrTx/>
-                        <a:buSzTx/>
-                        <a:buFontTx/>
-                        <a:buNone/>
-                        <a:tabLst/>
-                        <a:defRPr/>
-                      </a:pPr>
-                      <a:r>
-                        <a:rPr lang="en-US" altLang="ko-KR" dirty="0" smtClean="0"/>
-                        <a:t>Not null</a:t>
-                      </a:r>
-                      <a:endParaRPr lang="ko-KR" altLang="en-US" dirty="0" smtClean="0"/>
-                    </a:p>
-                  </a:txBody>
-                  <a:tcPr/>
-                </a:tc>
-              </a:tr>
-            </a:tbl>
-          </a:graphicData>
-        </a:graphic>
-      </p:graphicFrame>
-      <p:graphicFrame>
-        <p:nvGraphicFramePr>
-          <p:cNvPr id="12" name="표 11"/>
-          <p:cNvGraphicFramePr>
-            <a:graphicFrameLocks noGrp="1"/>
-          </p:cNvGraphicFramePr>
-          <p:nvPr>
-            <p:extLst>
-              <p:ext uri="{D42A27DB-BD31-4B8C-83A1-F6EECF244321}">
-                <p14:modId xmlns:p14="http://schemas.microsoft.com/office/powerpoint/2010/main" val="3060142532"/>
-              </p:ext>
-            </p:extLst>
-          </p:nvPr>
-        </p:nvGraphicFramePr>
-        <p:xfrm>
-          <a:off x="7028973" y="-5119672"/>
-          <a:ext cx="6096000" cy="2590800"/>
-        </p:xfrm>
-        <a:graphic>
-          <a:graphicData uri="http://schemas.openxmlformats.org/drawingml/2006/table">
-            <a:tbl>
-              <a:tblPr firstRow="1" bandRow="1">
-                <a:tableStyleId>{F2DE63D5-997A-4646-A377-4702673A728D}</a:tableStyleId>
-              </a:tblPr>
-              <a:tblGrid>
-                <a:gridCol w="2032000"/>
-                <a:gridCol w="1016000"/>
-                <a:gridCol w="1016000"/>
-                <a:gridCol w="2032000"/>
-              </a:tblGrid>
-              <a:tr h="221744">
-                <a:tc gridSpan="2">
-                  <a:txBody>
-                    <a:bodyPr/>
-                    <a:lstStyle/>
-                    <a:p>
-                      <a:pPr algn="ctr" latinLnBrk="1"/>
-                      <a:r>
-                        <a:rPr lang="en-US" altLang="ko-KR" dirty="0" smtClean="0"/>
-                        <a:t>Table Name</a:t>
-                      </a:r>
-                      <a:endParaRPr lang="ko-KR" altLang="en-US" dirty="0"/>
-                    </a:p>
-                  </a:txBody>
-                  <a:tcPr/>
-                </a:tc>
-                <a:tc hMerge="1">
-                  <a:txBody>
-                    <a:bodyPr/>
-                    <a:lstStyle/>
-                    <a:p>
-                      <a:pPr latinLnBrk="1"/>
-                      <a:endParaRPr lang="ko-KR" altLang="en-US" dirty="0"/>
-                    </a:p>
-                  </a:txBody>
-                  <a:tcPr/>
-                </a:tc>
-                <a:tc gridSpan="2">
-                  <a:txBody>
-                    <a:bodyPr/>
-                    <a:lstStyle/>
-                    <a:p>
-                      <a:pPr algn="ctr" latinLnBrk="1"/>
-                      <a:r>
-                        <a:rPr lang="en-US" altLang="ko-KR" dirty="0" smtClean="0"/>
-                        <a:t>Surgery</a:t>
-                      </a:r>
-                      <a:endParaRPr lang="ko-KR" altLang="en-US" dirty="0"/>
-                    </a:p>
-                  </a:txBody>
-                  <a:tcPr/>
-                </a:tc>
-                <a:tc hMerge="1">
-                  <a:txBody>
-                    <a:bodyPr/>
-                    <a:lstStyle/>
-                    <a:p>
-                      <a:pPr latinLnBrk="1"/>
-                      <a:endParaRPr lang="ko-KR" altLang="en-US" dirty="0"/>
-                    </a:p>
-                  </a:txBody>
-                  <a:tcPr/>
-                </a:tc>
-              </a:tr>
-              <a:tr h="370840">
-                <a:tc>
-                  <a:txBody>
-                    <a:bodyPr/>
-                    <a:lstStyle/>
-                    <a:p>
-                      <a:pPr algn="ctr" latinLnBrk="1"/>
-                      <a:r>
-                        <a:rPr lang="en-US" altLang="ko-KR" dirty="0" smtClean="0"/>
-                        <a:t>Element</a:t>
-                      </a:r>
-                      <a:r>
-                        <a:rPr lang="en-US" altLang="ko-KR" baseline="0" dirty="0" smtClean="0"/>
-                        <a:t> Name</a:t>
-                      </a:r>
-                      <a:endParaRPr lang="ko-KR" altLang="en-US" dirty="0"/>
-                    </a:p>
-                  </a:txBody>
-                  <a:tcPr/>
-                </a:tc>
-                <a:tc gridSpan="2">
-                  <a:txBody>
-                    <a:bodyPr/>
-                    <a:lstStyle/>
-                    <a:p>
-                      <a:pPr algn="ctr" latinLnBrk="1"/>
-                      <a:r>
-                        <a:rPr lang="en-US" altLang="ko-KR" dirty="0" smtClean="0"/>
-                        <a:t>Data</a:t>
-                      </a:r>
-                      <a:r>
-                        <a:rPr lang="en-US" altLang="ko-KR" baseline="0" dirty="0" smtClean="0"/>
-                        <a:t> Type</a:t>
-                      </a:r>
-                      <a:endParaRPr lang="ko-KR" altLang="en-US" dirty="0"/>
-                    </a:p>
-                  </a:txBody>
-                  <a:tcPr/>
-                </a:tc>
-                <a:tc hMerge="1">
-                  <a:txBody>
-                    <a:bodyPr/>
-                    <a:lstStyle/>
-                    <a:p>
-                      <a:pPr latinLnBrk="1"/>
-                      <a:endParaRPr lang="ko-KR" altLang="en-US"/>
-                    </a:p>
-                  </a:txBody>
-                  <a:tcPr/>
-                </a:tc>
-                <a:tc>
-                  <a:txBody>
-                    <a:bodyPr/>
-                    <a:lstStyle/>
-                    <a:p>
-                      <a:pPr algn="ctr" latinLnBrk="1"/>
-                      <a:r>
-                        <a:rPr lang="en-US" altLang="ko-KR" dirty="0" smtClean="0"/>
-                        <a:t>Option</a:t>
-                      </a:r>
-                      <a:endParaRPr lang="ko-KR" altLang="en-US" dirty="0"/>
-                    </a:p>
-                  </a:txBody>
-                  <a:tcPr/>
-                </a:tc>
-              </a:tr>
-              <a:tr h="370840">
-                <a:tc>
-                  <a:txBody>
-                    <a:bodyPr/>
-                    <a:lstStyle/>
-                    <a:p>
-                      <a:pPr algn="ctr" latinLnBrk="1"/>
-                      <a:r>
-                        <a:rPr lang="en-US" altLang="ko-KR" dirty="0" err="1" smtClean="0"/>
-                        <a:t>Surgery_num</a:t>
-                      </a:r>
-                      <a:endParaRPr lang="ko-KR" altLang="en-US" dirty="0"/>
-                    </a:p>
-                  </a:txBody>
-                  <a:tcPr/>
-                </a:tc>
-                <a:tc gridSpan="2">
-                  <a:txBody>
-                    <a:bodyPr/>
-                    <a:lstStyle/>
-                    <a:p>
-                      <a:pPr algn="ctr" latinLnBrk="1"/>
-                      <a:r>
-                        <a:rPr lang="en-US" altLang="ko-KR" dirty="0" smtClean="0"/>
-                        <a:t>number</a:t>
-                      </a:r>
-                      <a:endParaRPr lang="ko-KR" altLang="en-US" dirty="0"/>
-                    </a:p>
-                  </a:txBody>
-                  <a:tcPr/>
-                </a:tc>
-                <a:tc hMerge="1">
-                  <a:txBody>
-                    <a:bodyPr/>
-                    <a:lstStyle/>
-                    <a:p>
-                      <a:pPr latinLnBrk="1"/>
-                      <a:endParaRPr lang="ko-KR" altLang="en-US"/>
-                    </a:p>
-                  </a:txBody>
-                  <a:tcPr/>
-                </a:tc>
-                <a:tc>
-                  <a:txBody>
-                    <a:bodyPr/>
-                    <a:lstStyle/>
-                    <a:p>
-                      <a:pPr algn="ctr" latinLnBrk="1"/>
-                      <a:r>
-                        <a:rPr lang="en-US" altLang="ko-KR" baseline="0" dirty="0" smtClean="0"/>
-                        <a:t>Primary key</a:t>
-                      </a:r>
-                    </a:p>
-                  </a:txBody>
-                  <a:tcPr/>
-                </a:tc>
-              </a:tr>
-              <a:tr h="370840">
-                <a:tc>
-                  <a:txBody>
-                    <a:bodyPr/>
-                    <a:lstStyle/>
-                    <a:p>
-                      <a:pPr algn="ctr" latinLnBrk="1"/>
-                      <a:r>
-                        <a:rPr lang="en-US" altLang="ko-KR" dirty="0" smtClean="0"/>
-                        <a:t>Kinds</a:t>
-                      </a:r>
-                      <a:endParaRPr lang="ko-KR" altLang="en-US" dirty="0"/>
-                    </a:p>
-                  </a:txBody>
-                  <a:tcPr/>
-                </a:tc>
-                <a:tc gridSpan="2">
-                  <a:txBody>
-                    <a:bodyPr/>
-                    <a:lstStyle/>
-                    <a:p>
-                      <a:pPr algn="ctr" latinLnBrk="1"/>
-                      <a:r>
-                        <a:rPr lang="en-US" altLang="ko-KR" dirty="0" smtClean="0"/>
-                        <a:t>Char(2)</a:t>
-                      </a:r>
-                      <a:endParaRPr lang="ko-KR" altLang="en-US" dirty="0"/>
-                    </a:p>
-                  </a:txBody>
-                  <a:tcPr/>
-                </a:tc>
-                <a:tc hMerge="1">
-                  <a:txBody>
-                    <a:bodyPr/>
-                    <a:lstStyle/>
-                    <a:p>
-                      <a:pPr latinLnBrk="1"/>
-                      <a:endParaRPr lang="ko-KR" altLang="en-US"/>
-                    </a:p>
-                  </a:txBody>
-                  <a:tcPr/>
-                </a:tc>
-                <a:tc>
-                  <a:txBody>
-                    <a:bodyPr/>
-                    <a:lstStyle/>
-                    <a:p>
-                      <a:pPr algn="ctr" latinLnBrk="1"/>
-                      <a:r>
-                        <a:rPr lang="en-US" altLang="ko-KR" dirty="0" smtClean="0"/>
-                        <a:t>Not null</a:t>
-                      </a:r>
-                      <a:endParaRPr lang="ko-KR" altLang="en-US" dirty="0"/>
-                    </a:p>
-                  </a:txBody>
-                  <a:tcPr/>
-                </a:tc>
-              </a:tr>
-              <a:tr h="370840">
-                <a:tc>
-                  <a:txBody>
-                    <a:bodyPr/>
-                    <a:lstStyle/>
-                    <a:p>
-                      <a:pPr algn="ctr" latinLnBrk="1"/>
-                      <a:r>
-                        <a:rPr lang="en-US" altLang="ko-KR" dirty="0" smtClean="0"/>
-                        <a:t>Name</a:t>
-                      </a:r>
-                      <a:endParaRPr lang="ko-KR" altLang="en-US" dirty="0"/>
-                    </a:p>
-                  </a:txBody>
-                  <a:tcPr/>
-                </a:tc>
-                <a:tc gridSpan="2">
-                  <a:txBody>
-                    <a:bodyPr/>
-                    <a:lstStyle/>
-                    <a:p>
-                      <a:pPr algn="ctr" latinLnBrk="1"/>
-                      <a:r>
-                        <a:rPr lang="en-US" altLang="ko-KR" dirty="0" smtClean="0"/>
-                        <a:t>varchar2(50)</a:t>
-                      </a:r>
-                      <a:endParaRPr lang="ko-KR" altLang="en-US" dirty="0"/>
-                    </a:p>
-                  </a:txBody>
-                  <a:tcPr/>
-                </a:tc>
-                <a:tc hMerge="1">
-                  <a:txBody>
-                    <a:bodyPr/>
-                    <a:lstStyle/>
-                    <a:p>
-                      <a:pPr latinLnBrk="1"/>
-                      <a:endParaRPr lang="ko-KR" altLang="en-US"/>
-                    </a:p>
-                  </a:txBody>
-                  <a:tcPr/>
-                </a:tc>
-                <a:tc>
-                  <a:txBody>
-                    <a:bodyPr/>
-                    <a:lstStyle/>
-                    <a:p>
-                      <a:pPr marL="0" marR="0" indent="0" algn="ctr" defTabSz="914400" rtl="0" eaLnBrk="1" fontAlgn="auto" latinLnBrk="1" hangingPunct="1">
-                        <a:lnSpc>
-                          <a:spcPct val="100000"/>
-                        </a:lnSpc>
-                        <a:spcBef>
-                          <a:spcPts val="0"/>
-                        </a:spcBef>
-                        <a:spcAft>
-                          <a:spcPts val="0"/>
-                        </a:spcAft>
-                        <a:buClrTx/>
-                        <a:buSzTx/>
-                        <a:buFontTx/>
-                        <a:buNone/>
-                        <a:tabLst/>
-                        <a:defRPr/>
-                      </a:pPr>
-                      <a:r>
-                        <a:rPr lang="en-US" altLang="ko-KR" dirty="0" smtClean="0"/>
-                        <a:t>Not null</a:t>
-                      </a:r>
-                      <a:endParaRPr lang="ko-KR" altLang="en-US" dirty="0" smtClean="0"/>
-                    </a:p>
-                  </a:txBody>
-                  <a:tcPr/>
-                </a:tc>
-              </a:tr>
-              <a:tr h="370840">
-                <a:tc>
-                  <a:txBody>
-                    <a:bodyPr/>
-                    <a:lstStyle/>
-                    <a:p>
-                      <a:pPr algn="ctr" latinLnBrk="1"/>
-                      <a:r>
-                        <a:rPr lang="en-US" altLang="ko-KR" dirty="0" smtClean="0"/>
-                        <a:t>Comments</a:t>
-                      </a:r>
-                      <a:endParaRPr lang="ko-KR" altLang="en-US" dirty="0"/>
-                    </a:p>
-                  </a:txBody>
-                  <a:tcPr/>
-                </a:tc>
-                <a:tc gridSpan="2">
-                  <a:txBody>
-                    <a:bodyPr/>
-                    <a:lstStyle/>
-                    <a:p>
-                      <a:pPr algn="ctr" latinLnBrk="1"/>
-                      <a:r>
-                        <a:rPr lang="en-US" altLang="ko-KR" dirty="0" smtClean="0"/>
-                        <a:t>Varchar2(200)</a:t>
-                      </a:r>
-                      <a:endParaRPr lang="ko-KR" altLang="en-US" dirty="0"/>
-                    </a:p>
-                  </a:txBody>
-                  <a:tcPr/>
-                </a:tc>
-                <a:tc hMerge="1">
-                  <a:txBody>
-                    <a:bodyPr/>
-                    <a:lstStyle/>
-                    <a:p>
-                      <a:pPr latinLnBrk="1"/>
-                      <a:endParaRPr lang="ko-KR" altLang="en-US"/>
-                    </a:p>
-                  </a:txBody>
-                  <a:tcPr/>
-                </a:tc>
-                <a:tc>
-                  <a:txBody>
-                    <a:bodyPr/>
-                    <a:lstStyle/>
-                    <a:p>
-                      <a:pPr marL="0" marR="0" indent="0" algn="ctr" defTabSz="914400" rtl="0" eaLnBrk="1" fontAlgn="auto" latinLnBrk="1" hangingPunct="1">
-                        <a:lnSpc>
-                          <a:spcPct val="100000"/>
-                        </a:lnSpc>
-                        <a:spcBef>
-                          <a:spcPts val="0"/>
-                        </a:spcBef>
-                        <a:spcAft>
-                          <a:spcPts val="0"/>
-                        </a:spcAft>
-                        <a:buClrTx/>
-                        <a:buSzTx/>
-                        <a:buFontTx/>
-                        <a:buNone/>
-                        <a:tabLst/>
-                        <a:defRPr/>
-                      </a:pPr>
-                      <a:endParaRPr lang="ko-KR" altLang="en-US" dirty="0" smtClean="0"/>
-                    </a:p>
-                  </a:txBody>
-                  <a:tcPr/>
-                </a:tc>
-              </a:tr>
-              <a:tr h="370840">
-                <a:tc>
-                  <a:txBody>
-                    <a:bodyPr/>
-                    <a:lstStyle/>
-                    <a:p>
-                      <a:pPr algn="ctr" latinLnBrk="1"/>
-                      <a:r>
-                        <a:rPr lang="en-US" altLang="ko-KR" dirty="0" smtClean="0"/>
-                        <a:t>Price</a:t>
-                      </a:r>
-                      <a:endParaRPr lang="ko-KR" altLang="en-US" dirty="0"/>
-                    </a:p>
-                  </a:txBody>
-                  <a:tcPr/>
-                </a:tc>
-                <a:tc gridSpan="2">
-                  <a:txBody>
-                    <a:bodyPr/>
-                    <a:lstStyle/>
-                    <a:p>
-                      <a:pPr algn="ctr" latinLnBrk="1"/>
-                      <a:r>
-                        <a:rPr lang="en-US" altLang="ko-KR" dirty="0" smtClean="0"/>
-                        <a:t>Number</a:t>
-                      </a:r>
-                      <a:endParaRPr lang="ko-KR" altLang="en-US" dirty="0"/>
-                    </a:p>
-                  </a:txBody>
-                  <a:tcPr/>
-                </a:tc>
-                <a:tc hMerge="1">
-                  <a:txBody>
-                    <a:bodyPr/>
-                    <a:lstStyle/>
-                    <a:p>
-                      <a:pPr latinLnBrk="1"/>
-                      <a:endParaRPr lang="ko-KR" altLang="en-US"/>
-                    </a:p>
-                  </a:txBody>
-                  <a:tcPr/>
-                </a:tc>
-                <a:tc>
-                  <a:txBody>
-                    <a:bodyPr/>
-                    <a:lstStyle/>
-                    <a:p>
-                      <a:pPr marL="0" marR="0" indent="0" algn="ctr" defTabSz="914400" rtl="0" eaLnBrk="1" fontAlgn="auto" latinLnBrk="1" hangingPunct="1">
-                        <a:lnSpc>
-                          <a:spcPct val="100000"/>
-                        </a:lnSpc>
-                        <a:spcBef>
-                          <a:spcPts val="0"/>
-                        </a:spcBef>
-                        <a:spcAft>
-                          <a:spcPts val="0"/>
-                        </a:spcAft>
-                        <a:buClrTx/>
-                        <a:buSzTx/>
-                        <a:buFontTx/>
-                        <a:buNone/>
-                        <a:tabLst/>
-                        <a:defRPr/>
-                      </a:pPr>
-                      <a:r>
-                        <a:rPr lang="en-US" altLang="ko-KR" dirty="0" smtClean="0"/>
-                        <a:t>Not null</a:t>
-                      </a:r>
-                      <a:endParaRPr lang="ko-KR" altLang="en-US" dirty="0" smtClean="0"/>
-                    </a:p>
-                  </a:txBody>
-                  <a:tcPr/>
-                </a:tc>
-              </a:tr>
-            </a:tbl>
-          </a:graphicData>
-        </a:graphic>
-      </p:graphicFrame>
-      <p:graphicFrame>
-        <p:nvGraphicFramePr>
-          <p:cNvPr id="13" name="표 12"/>
-          <p:cNvGraphicFramePr>
-            <a:graphicFrameLocks noGrp="1"/>
-          </p:cNvGraphicFramePr>
-          <p:nvPr>
-            <p:extLst>
-              <p:ext uri="{D42A27DB-BD31-4B8C-83A1-F6EECF244321}">
-                <p14:modId xmlns:p14="http://schemas.microsoft.com/office/powerpoint/2010/main" val="467401578"/>
-              </p:ext>
-            </p:extLst>
-          </p:nvPr>
-        </p:nvGraphicFramePr>
-        <p:xfrm>
-          <a:off x="7028973" y="3833201"/>
-          <a:ext cx="6096000" cy="1478280"/>
-        </p:xfrm>
-        <a:graphic>
-          <a:graphicData uri="http://schemas.openxmlformats.org/drawingml/2006/table">
-            <a:tbl>
-              <a:tblPr firstRow="1" bandRow="1">
-                <a:tableStyleId>{F2DE63D5-997A-4646-A377-4702673A728D}</a:tableStyleId>
-              </a:tblPr>
-              <a:tblGrid>
-                <a:gridCol w="2032000"/>
-                <a:gridCol w="1016000"/>
-                <a:gridCol w="1016000"/>
-                <a:gridCol w="2032000"/>
-              </a:tblGrid>
-              <a:tr h="221744">
-                <a:tc gridSpan="2">
-                  <a:txBody>
-                    <a:bodyPr/>
-                    <a:lstStyle/>
-                    <a:p>
-                      <a:pPr algn="ctr" latinLnBrk="1"/>
-                      <a:r>
-                        <a:rPr lang="en-US" altLang="ko-KR" dirty="0" smtClean="0"/>
-                        <a:t>Table Name</a:t>
-                      </a:r>
-                      <a:endParaRPr lang="ko-KR" altLang="en-US" dirty="0"/>
-                    </a:p>
-                  </a:txBody>
-                  <a:tcPr/>
-                </a:tc>
-                <a:tc hMerge="1">
-                  <a:txBody>
-                    <a:bodyPr/>
-                    <a:lstStyle/>
-                    <a:p>
-                      <a:pPr latinLnBrk="1"/>
-                      <a:endParaRPr lang="ko-KR" altLang="en-US" dirty="0"/>
-                    </a:p>
-                  </a:txBody>
-                  <a:tcPr/>
-                </a:tc>
-                <a:tc gridSpan="2">
-                  <a:txBody>
-                    <a:bodyPr/>
-                    <a:lstStyle/>
-                    <a:p>
-                      <a:pPr algn="ctr" latinLnBrk="1"/>
-                      <a:r>
-                        <a:rPr lang="en-US" altLang="ko-KR" dirty="0" smtClean="0"/>
-                        <a:t>Schedule</a:t>
-                      </a:r>
-                      <a:endParaRPr lang="ko-KR" altLang="en-US" dirty="0"/>
-                    </a:p>
-                  </a:txBody>
-                  <a:tcPr/>
-                </a:tc>
-                <a:tc hMerge="1">
-                  <a:txBody>
-                    <a:bodyPr/>
-                    <a:lstStyle/>
-                    <a:p>
-                      <a:pPr latinLnBrk="1"/>
-                      <a:endParaRPr lang="ko-KR" altLang="en-US" dirty="0"/>
-                    </a:p>
-                  </a:txBody>
-                  <a:tcPr/>
-                </a:tc>
-              </a:tr>
-              <a:tr h="370840">
-                <a:tc>
-                  <a:txBody>
-                    <a:bodyPr/>
-                    <a:lstStyle/>
-                    <a:p>
-                      <a:pPr algn="ctr" latinLnBrk="1"/>
-                      <a:r>
-                        <a:rPr lang="en-US" altLang="ko-KR" dirty="0" smtClean="0"/>
-                        <a:t>Element</a:t>
-                      </a:r>
-                      <a:r>
-                        <a:rPr lang="en-US" altLang="ko-KR" baseline="0" dirty="0" smtClean="0"/>
-                        <a:t> Name</a:t>
-                      </a:r>
-                      <a:endParaRPr lang="ko-KR" altLang="en-US" dirty="0"/>
-                    </a:p>
-                  </a:txBody>
-                  <a:tcPr/>
-                </a:tc>
-                <a:tc gridSpan="2">
-                  <a:txBody>
-                    <a:bodyPr/>
-                    <a:lstStyle/>
-                    <a:p>
-                      <a:pPr algn="ctr" latinLnBrk="1"/>
-                      <a:r>
-                        <a:rPr lang="en-US" altLang="ko-KR" dirty="0" smtClean="0"/>
-                        <a:t>Data</a:t>
-                      </a:r>
-                      <a:r>
-                        <a:rPr lang="en-US" altLang="ko-KR" baseline="0" dirty="0" smtClean="0"/>
-                        <a:t> Type</a:t>
-                      </a:r>
-                      <a:endParaRPr lang="ko-KR" altLang="en-US" dirty="0"/>
-                    </a:p>
-                  </a:txBody>
-                  <a:tcPr/>
-                </a:tc>
-                <a:tc hMerge="1">
-                  <a:txBody>
-                    <a:bodyPr/>
-                    <a:lstStyle/>
-                    <a:p>
-                      <a:pPr latinLnBrk="1"/>
-                      <a:endParaRPr lang="ko-KR" altLang="en-US"/>
-                    </a:p>
-                  </a:txBody>
-                  <a:tcPr/>
-                </a:tc>
-                <a:tc>
-                  <a:txBody>
-                    <a:bodyPr/>
-                    <a:lstStyle/>
-                    <a:p>
-                      <a:pPr algn="ctr" latinLnBrk="1"/>
-                      <a:r>
-                        <a:rPr lang="en-US" altLang="ko-KR" dirty="0" smtClean="0"/>
-                        <a:t>Option</a:t>
-                      </a:r>
-                      <a:endParaRPr lang="ko-KR" altLang="en-US" dirty="0"/>
-                    </a:p>
-                  </a:txBody>
-                  <a:tcPr/>
-                </a:tc>
-              </a:tr>
-              <a:tr h="370840">
-                <a:tc>
-                  <a:txBody>
-                    <a:bodyPr/>
-                    <a:lstStyle/>
-                    <a:p>
-                      <a:pPr algn="ctr" latinLnBrk="1"/>
-                      <a:r>
-                        <a:rPr lang="en-US" altLang="ko-KR" dirty="0" err="1" smtClean="0"/>
-                        <a:t>Schedule_num</a:t>
-                      </a:r>
-                      <a:endParaRPr lang="ko-KR" altLang="en-US" dirty="0"/>
-                    </a:p>
-                  </a:txBody>
-                  <a:tcPr/>
-                </a:tc>
-                <a:tc gridSpan="2">
-                  <a:txBody>
-                    <a:bodyPr/>
-                    <a:lstStyle/>
-                    <a:p>
-                      <a:pPr algn="ctr" latinLnBrk="1"/>
-                      <a:r>
-                        <a:rPr lang="en-US" altLang="ko-KR" dirty="0" smtClean="0"/>
-                        <a:t>Number</a:t>
-                      </a:r>
-                      <a:endParaRPr lang="ko-KR" altLang="en-US" dirty="0"/>
-                    </a:p>
-                  </a:txBody>
-                  <a:tcPr/>
-                </a:tc>
-                <a:tc hMerge="1">
-                  <a:txBody>
-                    <a:bodyPr/>
-                    <a:lstStyle/>
-                    <a:p>
-                      <a:pPr latinLnBrk="1"/>
-                      <a:endParaRPr lang="ko-KR" altLang="en-US"/>
-                    </a:p>
-                  </a:txBody>
-                  <a:tcPr/>
-                </a:tc>
-                <a:tc>
-                  <a:txBody>
-                    <a:bodyPr/>
-                    <a:lstStyle/>
-                    <a:p>
-                      <a:pPr algn="ctr" latinLnBrk="1"/>
-                      <a:r>
-                        <a:rPr lang="en-US" altLang="ko-KR" baseline="0" dirty="0" smtClean="0"/>
-                        <a:t>Primary key</a:t>
-                      </a:r>
-                    </a:p>
-                  </a:txBody>
-                  <a:tcPr/>
-                </a:tc>
-              </a:tr>
-              <a:tr h="370840">
-                <a:tc>
-                  <a:txBody>
-                    <a:bodyPr/>
-                    <a:lstStyle/>
-                    <a:p>
-                      <a:pPr algn="ctr" latinLnBrk="1"/>
-                      <a:r>
-                        <a:rPr lang="en-US" altLang="ko-KR" dirty="0" smtClean="0"/>
-                        <a:t>Time</a:t>
-                      </a:r>
-                      <a:endParaRPr lang="ko-KR" altLang="en-US" dirty="0"/>
-                    </a:p>
-                  </a:txBody>
-                  <a:tcPr/>
-                </a:tc>
-                <a:tc gridSpan="2">
-                  <a:txBody>
-                    <a:bodyPr/>
-                    <a:lstStyle/>
-                    <a:p>
-                      <a:pPr algn="ctr" latinLnBrk="1"/>
-                      <a:r>
-                        <a:rPr lang="en-US" altLang="ko-KR" dirty="0" smtClean="0"/>
-                        <a:t>Varchar2(30)</a:t>
-                      </a:r>
-                      <a:endParaRPr lang="ko-KR" altLang="en-US" dirty="0"/>
-                    </a:p>
-                  </a:txBody>
-                  <a:tcPr/>
-                </a:tc>
-                <a:tc hMerge="1">
-                  <a:txBody>
-                    <a:bodyPr/>
-                    <a:lstStyle/>
-                    <a:p>
-                      <a:pPr latinLnBrk="1"/>
-                      <a:endParaRPr lang="ko-KR" altLang="en-US"/>
-                    </a:p>
-                  </a:txBody>
-                  <a:tcPr/>
-                </a:tc>
-                <a:tc>
-                  <a:txBody>
-                    <a:bodyPr/>
-                    <a:lstStyle/>
-                    <a:p>
-                      <a:pPr algn="ctr" latinLnBrk="1"/>
-                      <a:r>
-                        <a:rPr lang="en-US" altLang="ko-KR" dirty="0" smtClean="0"/>
-                        <a:t>Not null</a:t>
-                      </a:r>
-                      <a:endParaRPr lang="ko-KR" altLang="en-US" dirty="0"/>
-                    </a:p>
-                  </a:txBody>
-                  <a:tcPr/>
-                </a:tc>
+                <a:extLst>
+                  <a:ext uri="{0D108BD9-81ED-4DB2-BD59-A6C34878D82A}">
+                    <a16:rowId xmlns:a16="http://schemas.microsoft.com/office/drawing/2014/main" val="10007"/>
+                  </a:ext>
+                </a:extLst>
               </a:tr>
             </a:tbl>
           </a:graphicData>
@@ -8407,7 +4996,7 @@
         </p:nvGrpSpPr>
         <p:grpSpPr>
           <a:xfrm>
-            <a:off x="6049003" y="1979767"/>
+            <a:off x="6455031" y="3341224"/>
             <a:ext cx="1330128" cy="794741"/>
             <a:chOff x="6049003" y="1979767"/>
             <a:chExt cx="1330128" cy="794741"/>
@@ -8597,7 +5186,7 @@
         </p:nvGrpSpPr>
         <p:grpSpPr>
           <a:xfrm>
-            <a:off x="2845503" y="2934440"/>
+            <a:off x="2771800" y="4118570"/>
             <a:ext cx="212865" cy="898761"/>
             <a:chOff x="2845503" y="2934440"/>
             <a:chExt cx="212865" cy="898761"/>
@@ -8682,126 +5271,6 @@
           <p:spPr>
             <a:xfrm>
               <a:off x="2845503" y="3029046"/>
-              <a:ext cx="212865" cy="0"/>
-            </a:xfrm>
-            <a:prstGeom prst="line">
-              <a:avLst/>
-            </a:prstGeom>
-            <a:ln w="28575">
-              <a:solidFill>
-                <a:srgbClr val="FF0000"/>
-              </a:solidFill>
-            </a:ln>
-          </p:spPr>
-          <p:style>
-            <a:lnRef idx="1">
-              <a:schemeClr val="accent1"/>
-            </a:lnRef>
-            <a:fillRef idx="0">
-              <a:schemeClr val="accent1"/>
-            </a:fillRef>
-            <a:effectRef idx="0">
-              <a:schemeClr val="accent1"/>
-            </a:effectRef>
-            <a:fontRef idx="minor">
-              <a:schemeClr val="tx1"/>
-            </a:fontRef>
-          </p:style>
-        </p:cxnSp>
-      </p:grpSp>
-      <p:grpSp>
-        <p:nvGrpSpPr>
-          <p:cNvPr id="120" name="그룹 119"/>
-          <p:cNvGrpSpPr/>
-          <p:nvPr/>
-        </p:nvGrpSpPr>
-        <p:grpSpPr>
-          <a:xfrm>
-            <a:off x="-4645024" y="2476873"/>
-            <a:ext cx="212865" cy="898761"/>
-            <a:chOff x="-4645024" y="2476873"/>
-            <a:chExt cx="212865" cy="898761"/>
-          </a:xfrm>
-        </p:grpSpPr>
-        <p:cxnSp>
-          <p:nvCxnSpPr>
-            <p:cNvPr id="83" name="직선 연결선 82"/>
-            <p:cNvCxnSpPr/>
-            <p:nvPr/>
-          </p:nvCxnSpPr>
-          <p:spPr>
-            <a:xfrm>
-              <a:off x="-4541032" y="2476873"/>
-              <a:ext cx="0" cy="898761"/>
-            </a:xfrm>
-            <a:prstGeom prst="line">
-              <a:avLst/>
-            </a:prstGeom>
-            <a:ln w="28575">
-              <a:solidFill>
-                <a:srgbClr val="FF0000"/>
-              </a:solidFill>
-            </a:ln>
-          </p:spPr>
-          <p:style>
-            <a:lnRef idx="1">
-              <a:schemeClr val="accent1"/>
-            </a:lnRef>
-            <a:fillRef idx="0">
-              <a:schemeClr val="accent1"/>
-            </a:fillRef>
-            <a:effectRef idx="0">
-              <a:schemeClr val="accent1"/>
-            </a:effectRef>
-            <a:fontRef idx="minor">
-              <a:schemeClr val="tx1"/>
-            </a:fontRef>
-          </p:style>
-        </p:cxnSp>
-        <p:cxnSp>
-          <p:nvCxnSpPr>
-            <p:cNvPr id="84" name="직선 연결선 83"/>
-            <p:cNvCxnSpPr/>
-            <p:nvPr/>
-          </p:nvCxnSpPr>
-          <p:spPr>
-            <a:xfrm>
-              <a:off x="-4645024" y="3281028"/>
-              <a:ext cx="212865" cy="0"/>
-            </a:xfrm>
-            <a:prstGeom prst="line">
-              <a:avLst/>
-            </a:prstGeom>
-            <a:ln w="28575">
-              <a:solidFill>
-                <a:srgbClr val="FF0000"/>
-              </a:solidFill>
-            </a:ln>
-          </p:spPr>
-          <p:style>
-            <a:lnRef idx="1">
-              <a:schemeClr val="accent1"/>
-            </a:lnRef>
-            <a:fillRef idx="0">
-              <a:schemeClr val="accent1"/>
-            </a:fillRef>
-            <a:effectRef idx="0">
-              <a:schemeClr val="accent1"/>
-            </a:effectRef>
-            <a:fontRef idx="minor">
-              <a:schemeClr val="tx1"/>
-            </a:fontRef>
-          </p:style>
-        </p:cxnSp>
-        <p:cxnSp>
-          <p:nvCxnSpPr>
-            <p:cNvPr id="85" name="직선 연결선 84"/>
-            <p:cNvCxnSpPr/>
-            <p:nvPr/>
-          </p:nvCxnSpPr>
-          <p:spPr>
-            <a:xfrm>
-              <a:off x="-4645024" y="2571479"/>
               <a:ext cx="212865" cy="0"/>
             </a:xfrm>
             <a:prstGeom prst="line">
@@ -9067,196 +5536,6 @@
           </a:p>
         </p:txBody>
       </p:sp>
-      <p:grpSp>
-        <p:nvGrpSpPr>
-          <p:cNvPr id="19" name="그룹 18"/>
-          <p:cNvGrpSpPr/>
-          <p:nvPr/>
-        </p:nvGrpSpPr>
-        <p:grpSpPr>
-          <a:xfrm>
-            <a:off x="-5005064" y="-2248263"/>
-            <a:ext cx="360040" cy="1224110"/>
-            <a:chOff x="-3125649" y="-2260963"/>
-            <a:chExt cx="360040" cy="1224110"/>
-          </a:xfrm>
-        </p:grpSpPr>
-        <p:cxnSp>
-          <p:nvCxnSpPr>
-            <p:cNvPr id="93" name="직선 연결선 92"/>
-            <p:cNvCxnSpPr/>
-            <p:nvPr/>
-          </p:nvCxnSpPr>
-          <p:spPr>
-            <a:xfrm>
-              <a:off x="-2949233" y="-2260963"/>
-              <a:ext cx="0" cy="1224110"/>
-            </a:xfrm>
-            <a:prstGeom prst="line">
-              <a:avLst/>
-            </a:prstGeom>
-            <a:ln w="28575">
-              <a:solidFill>
-                <a:srgbClr val="FF0000"/>
-              </a:solidFill>
-            </a:ln>
-          </p:spPr>
-          <p:style>
-            <a:lnRef idx="1">
-              <a:schemeClr val="accent1"/>
-            </a:lnRef>
-            <a:fillRef idx="0">
-              <a:schemeClr val="accent1"/>
-            </a:fillRef>
-            <a:effectRef idx="0">
-              <a:schemeClr val="accent1"/>
-            </a:effectRef>
-            <a:fontRef idx="minor">
-              <a:schemeClr val="tx1"/>
-            </a:fontRef>
-          </p:style>
-        </p:cxnSp>
-        <p:cxnSp>
-          <p:nvCxnSpPr>
-            <p:cNvPr id="95" name="직선 연결선 94"/>
-            <p:cNvCxnSpPr/>
-            <p:nvPr/>
-          </p:nvCxnSpPr>
-          <p:spPr>
-            <a:xfrm>
-              <a:off x="-3125649" y="-1179512"/>
-              <a:ext cx="352833" cy="0"/>
-            </a:xfrm>
-            <a:prstGeom prst="line">
-              <a:avLst/>
-            </a:prstGeom>
-            <a:ln w="28575">
-              <a:solidFill>
-                <a:srgbClr val="FF0000"/>
-              </a:solidFill>
-            </a:ln>
-          </p:spPr>
-          <p:style>
-            <a:lnRef idx="1">
-              <a:schemeClr val="accent1"/>
-            </a:lnRef>
-            <a:fillRef idx="0">
-              <a:schemeClr val="accent1"/>
-            </a:fillRef>
-            <a:effectRef idx="0">
-              <a:schemeClr val="accent1"/>
-            </a:effectRef>
-            <a:fontRef idx="minor">
-              <a:schemeClr val="tx1"/>
-            </a:fontRef>
-          </p:style>
-        </p:cxnSp>
-        <p:cxnSp>
-          <p:nvCxnSpPr>
-            <p:cNvPr id="96" name="직선 연결선 95"/>
-            <p:cNvCxnSpPr/>
-            <p:nvPr/>
-          </p:nvCxnSpPr>
-          <p:spPr>
-            <a:xfrm flipV="1">
-              <a:off x="-2949675" y="-2256000"/>
-              <a:ext cx="184066" cy="184066"/>
-            </a:xfrm>
-            <a:prstGeom prst="line">
-              <a:avLst/>
-            </a:prstGeom>
-            <a:ln w="28575">
-              <a:solidFill>
-                <a:srgbClr val="FF0000"/>
-              </a:solidFill>
-            </a:ln>
-          </p:spPr>
-          <p:style>
-            <a:lnRef idx="1">
-              <a:schemeClr val="accent1"/>
-            </a:lnRef>
-            <a:fillRef idx="0">
-              <a:schemeClr val="accent1"/>
-            </a:fillRef>
-            <a:effectRef idx="0">
-              <a:schemeClr val="accent1"/>
-            </a:effectRef>
-            <a:fontRef idx="minor">
-              <a:schemeClr val="tx1"/>
-            </a:fontRef>
-          </p:style>
-        </p:cxnSp>
-        <p:cxnSp>
-          <p:nvCxnSpPr>
-            <p:cNvPr id="97" name="직선 연결선 96"/>
-            <p:cNvCxnSpPr/>
-            <p:nvPr/>
-          </p:nvCxnSpPr>
-          <p:spPr>
-            <a:xfrm>
-              <a:off x="-3125649" y="-2246033"/>
-              <a:ext cx="174098" cy="174098"/>
-            </a:xfrm>
-            <a:prstGeom prst="line">
-              <a:avLst/>
-            </a:prstGeom>
-            <a:ln w="28575">
-              <a:solidFill>
-                <a:srgbClr val="FF0000"/>
-              </a:solidFill>
-            </a:ln>
-          </p:spPr>
-          <p:style>
-            <a:lnRef idx="1">
-              <a:schemeClr val="accent1"/>
-            </a:lnRef>
-            <a:fillRef idx="0">
-              <a:schemeClr val="accent1"/>
-            </a:fillRef>
-            <a:effectRef idx="0">
-              <a:schemeClr val="accent1"/>
-            </a:effectRef>
-            <a:fontRef idx="minor">
-              <a:schemeClr val="tx1"/>
-            </a:fontRef>
-          </p:style>
-        </p:cxnSp>
-        <p:cxnSp>
-          <p:nvCxnSpPr>
-            <p:cNvPr id="72" name="직선 연결선 71"/>
-            <p:cNvCxnSpPr/>
-            <p:nvPr/>
-          </p:nvCxnSpPr>
-          <p:spPr>
-            <a:xfrm>
-              <a:off x="-3125649" y="-2071815"/>
-              <a:ext cx="352833" cy="0"/>
-            </a:xfrm>
-            <a:prstGeom prst="line">
-              <a:avLst/>
-            </a:prstGeom>
-            <a:ln w="28575">
-              <a:solidFill>
-                <a:srgbClr val="FF0000"/>
-              </a:solidFill>
-            </a:ln>
-          </p:spPr>
-          <p:style>
-            <a:lnRef idx="1">
-              <a:schemeClr val="accent1"/>
-            </a:lnRef>
-            <a:fillRef idx="0">
-              <a:schemeClr val="accent1"/>
-            </a:fillRef>
-            <a:effectRef idx="0">
-              <a:schemeClr val="accent1"/>
-            </a:effectRef>
-            <a:fontRef idx="minor">
-              <a:schemeClr val="tx1"/>
-            </a:fontRef>
-          </p:style>
-        </p:cxnSp>
-      </p:grpSp>
     </p:spTree>
     <p:extLst>
       <p:ext uri="{BB962C8B-B14F-4D97-AF65-F5344CB8AC3E}">

--- a/SimpleProjects/Module/ParkingArea/1.Design/Database/Database_ERDiagram.pptx
+++ b/SimpleProjects/Module/ParkingArea/1.Design/Database/Database_ERDiagram.pptx
@@ -305,7 +305,7 @@
           <a:p>
             <a:fld id="{E90ED720-0104-4369-84BC-D37694168613}" type="datetimeFigureOut">
               <a:rPr kumimoji="1" lang="ja-JP" altLang="en-US" smtClean="0"/>
-              <a:t>2020/5/4</a:t>
+              <a:t>2020/5/5</a:t>
             </a:fld>
             <a:endParaRPr kumimoji="1" lang="ja-JP" altLang="en-US"/>
           </a:p>
@@ -502,7 +502,7 @@
           <a:p>
             <a:fld id="{E90ED720-0104-4369-84BC-D37694168613}" type="datetimeFigureOut">
               <a:rPr kumimoji="1" lang="ja-JP" altLang="en-US" smtClean="0"/>
-              <a:t>2020/5/4</a:t>
+              <a:t>2020/5/5</a:t>
             </a:fld>
             <a:endParaRPr kumimoji="1" lang="ja-JP" altLang="en-US"/>
           </a:p>
@@ -709,7 +709,7 @@
           <a:p>
             <a:fld id="{E90ED720-0104-4369-84BC-D37694168613}" type="datetimeFigureOut">
               <a:rPr kumimoji="1" lang="ja-JP" altLang="en-US" smtClean="0"/>
-              <a:t>2020/5/4</a:t>
+              <a:t>2020/5/5</a:t>
             </a:fld>
             <a:endParaRPr kumimoji="1" lang="ja-JP" altLang="en-US"/>
           </a:p>
@@ -906,7 +906,7 @@
           <a:p>
             <a:fld id="{E90ED720-0104-4369-84BC-D37694168613}" type="datetimeFigureOut">
               <a:rPr kumimoji="1" lang="ja-JP" altLang="en-US" smtClean="0"/>
-              <a:t>2020/5/4</a:t>
+              <a:t>2020/5/5</a:t>
             </a:fld>
             <a:endParaRPr kumimoji="1" lang="ja-JP" altLang="en-US"/>
           </a:p>
@@ -1147,7 +1147,7 @@
           <a:p>
             <a:fld id="{E90ED720-0104-4369-84BC-D37694168613}" type="datetimeFigureOut">
               <a:rPr kumimoji="1" lang="ja-JP" altLang="en-US" smtClean="0"/>
-              <a:t>2020/5/4</a:t>
+              <a:t>2020/5/5</a:t>
             </a:fld>
             <a:endParaRPr kumimoji="1" lang="ja-JP" altLang="en-US"/>
           </a:p>
@@ -1494,7 +1494,7 @@
           <a:p>
             <a:fld id="{E90ED720-0104-4369-84BC-D37694168613}" type="datetimeFigureOut">
               <a:rPr kumimoji="1" lang="ja-JP" altLang="en-US" smtClean="0"/>
-              <a:t>2020/5/4</a:t>
+              <a:t>2020/5/5</a:t>
             </a:fld>
             <a:endParaRPr kumimoji="1" lang="ja-JP" altLang="en-US"/>
           </a:p>
@@ -1975,7 +1975,7 @@
           <a:p>
             <a:fld id="{E90ED720-0104-4369-84BC-D37694168613}" type="datetimeFigureOut">
               <a:rPr kumimoji="1" lang="ja-JP" altLang="en-US" smtClean="0"/>
-              <a:t>2020/5/4</a:t>
+              <a:t>2020/5/5</a:t>
             </a:fld>
             <a:endParaRPr kumimoji="1" lang="ja-JP" altLang="en-US"/>
           </a:p>
@@ -2088,7 +2088,7 @@
           <a:p>
             <a:fld id="{E90ED720-0104-4369-84BC-D37694168613}" type="datetimeFigureOut">
               <a:rPr kumimoji="1" lang="ja-JP" altLang="en-US" smtClean="0"/>
-              <a:t>2020/5/4</a:t>
+              <a:t>2020/5/5</a:t>
             </a:fld>
             <a:endParaRPr kumimoji="1" lang="ja-JP" altLang="en-US"/>
           </a:p>
@@ -2178,7 +2178,7 @@
           <a:p>
             <a:fld id="{E90ED720-0104-4369-84BC-D37694168613}" type="datetimeFigureOut">
               <a:rPr kumimoji="1" lang="ja-JP" altLang="en-US" smtClean="0"/>
-              <a:t>2020/5/4</a:t>
+              <a:t>2020/5/5</a:t>
             </a:fld>
             <a:endParaRPr kumimoji="1" lang="ja-JP" altLang="en-US"/>
           </a:p>
@@ -2482,7 +2482,7 @@
           <a:p>
             <a:fld id="{E90ED720-0104-4369-84BC-D37694168613}" type="datetimeFigureOut">
               <a:rPr kumimoji="1" lang="ja-JP" altLang="en-US" smtClean="0"/>
-              <a:t>2020/5/4</a:t>
+              <a:t>2020/5/5</a:t>
             </a:fld>
             <a:endParaRPr kumimoji="1" lang="ja-JP" altLang="en-US"/>
           </a:p>
@@ -2730,7 +2730,7 @@
           <a:p>
             <a:fld id="{E90ED720-0104-4369-84BC-D37694168613}" type="datetimeFigureOut">
               <a:rPr kumimoji="1" lang="ja-JP" altLang="en-US" smtClean="0"/>
-              <a:t>2020/5/4</a:t>
+              <a:t>2020/5/5</a:t>
             </a:fld>
             <a:endParaRPr kumimoji="1" lang="ja-JP" altLang="en-US"/>
           </a:p>
@@ -2970,7 +2970,7 @@
           <a:p>
             <a:fld id="{E90ED720-0104-4369-84BC-D37694168613}" type="datetimeFigureOut">
               <a:rPr kumimoji="1" lang="ja-JP" altLang="en-US" smtClean="0"/>
-              <a:t>2020/5/4</a:t>
+              <a:t>2020/5/5</a:t>
             </a:fld>
             <a:endParaRPr kumimoji="1" lang="ja-JP" altLang="en-US"/>
           </a:p>
@@ -3349,7 +3349,7 @@
           <p:nvPr>
             <p:extLst>
               <p:ext uri="{D42A27DB-BD31-4B8C-83A1-F6EECF244321}">
-                <p14:modId xmlns:p14="http://schemas.microsoft.com/office/powerpoint/2010/main" val="1340351276"/>
+                <p14:modId xmlns:p14="http://schemas.microsoft.com/office/powerpoint/2010/main" val="3972229413"/>
               </p:ext>
             </p:extLst>
           </p:nvPr>
@@ -3365,14 +3365,14 @@
                 <a:tableStyleId>{F2DE63D5-997A-4646-A377-4702673A728D}</a:tableStyleId>
               </a:tblPr>
               <a:tblGrid>
-                <a:gridCol w="2032000">
+                <a:gridCol w="2331165">
                   <a:extLst>
                     <a:ext uri="{9D8B030D-6E8A-4147-A177-3AD203B41FA5}">
                       <a16:colId xmlns:a16="http://schemas.microsoft.com/office/drawing/2014/main" val="20000"/>
                     </a:ext>
                   </a:extLst>
                 </a:gridCol>
-                <a:gridCol w="1016000">
+                <a:gridCol w="716835">
                   <a:extLst>
                     <a:ext uri="{9D8B030D-6E8A-4147-A177-3AD203B41FA5}">
                       <a16:colId xmlns:a16="http://schemas.microsoft.com/office/drawing/2014/main" val="20001"/>
@@ -3441,8 +3441,8 @@
                     <a:p>
                       <a:pPr algn="ctr" latinLnBrk="1"/>
                       <a:r>
-                        <a:rPr lang="en-US" altLang="ko-KR" dirty="0" err="1" smtClean="0"/>
-                        <a:t>User_information</a:t>
+                        <a:rPr lang="en-US" altLang="ko-KR" dirty="0" smtClean="0"/>
+                        <a:t>T_LOT_INFORMATION</a:t>
                       </a:r>
                       <a:endParaRPr lang="ko-KR" altLang="en-US" dirty="0"/>
                     </a:p>
@@ -3488,11 +3488,7 @@
                       <a:pPr algn="ctr" latinLnBrk="1"/>
                       <a:r>
                         <a:rPr lang="en-US" altLang="ko-KR" baseline="0" dirty="0" smtClean="0"/>
-                        <a:t>Column </a:t>
-                      </a:r>
-                      <a:r>
-                        <a:rPr lang="en-US" altLang="ko-KR" baseline="0" dirty="0" smtClean="0"/>
-                        <a:t>Name</a:t>
+                        <a:t>Column Name</a:t>
                       </a:r>
                       <a:endParaRPr lang="ko-KR" altLang="en-US" dirty="0"/>
                     </a:p>
@@ -3628,7 +3624,7 @@
                       <a:pPr algn="ctr" latinLnBrk="1"/>
                       <a:r>
                         <a:rPr lang="en-US" altLang="ko-KR" dirty="0" smtClean="0"/>
-                        <a:t>Email</a:t>
+                        <a:t>LOT_NUMBER</a:t>
                       </a:r>
                       <a:endParaRPr lang="ko-KR" altLang="en-US" dirty="0"/>
                     </a:p>
@@ -3656,7 +3652,7 @@
                       <a:pPr algn="ctr" latinLnBrk="1"/>
                       <a:r>
                         <a:rPr lang="en-US" altLang="ko-KR" dirty="0" smtClean="0"/>
-                        <a:t>Varchar2(60)</a:t>
+                        <a:t>VARCHAR(20)</a:t>
                       </a:r>
                       <a:endParaRPr lang="ko-KR" altLang="en-US" dirty="0"/>
                     </a:p>
@@ -3741,7 +3737,7 @@
                       <a:pPr algn="ctr" latinLnBrk="1"/>
                       <a:r>
                         <a:rPr lang="en-US" altLang="ko-KR" dirty="0" smtClean="0"/>
-                        <a:t>Password</a:t>
+                        <a:t>LOT_NAME</a:t>
                       </a:r>
                       <a:endParaRPr lang="ko-KR" altLang="en-US" dirty="0"/>
                     </a:p>
@@ -3769,7 +3765,7 @@
                       <a:pPr algn="ctr" latinLnBrk="1"/>
                       <a:r>
                         <a:rPr lang="en-US" altLang="ko-KR" dirty="0" smtClean="0"/>
-                        <a:t>Varchar2(100)</a:t>
+                        <a:t>VARCHAR(10)</a:t>
                       </a:r>
                       <a:endParaRPr lang="ko-KR" altLang="en-US" dirty="0"/>
                     </a:p>
@@ -3820,7 +3816,11 @@
                       <a:pPr algn="ctr" latinLnBrk="1"/>
                       <a:r>
                         <a:rPr lang="en-US" altLang="ko-KR" dirty="0" smtClean="0"/>
-                        <a:t>Not null</a:t>
+                        <a:t>NOT</a:t>
+                      </a:r>
+                      <a:r>
+                        <a:rPr lang="en-US" altLang="ko-KR" baseline="0" dirty="0" smtClean="0"/>
+                        <a:t> NULL</a:t>
                       </a:r>
                       <a:endParaRPr lang="ko-KR" altLang="en-US" dirty="0"/>
                     </a:p>
@@ -3854,138 +3854,8 @@
                     <a:p>
                       <a:pPr algn="ctr" latinLnBrk="1"/>
                       <a:r>
-                        <a:rPr lang="en-US" altLang="ko-KR" dirty="0" err="1" smtClean="0"/>
-                        <a:t>Nick_name</a:t>
-                      </a:r>
-                      <a:endParaRPr lang="ko-KR" altLang="en-US" dirty="0"/>
-                    </a:p>
-                  </a:txBody>
-                  <a:tcPr>
-                    <a:lnR w="12700" cap="flat" cmpd="sng" algn="ctr">
-                      <a:solidFill>
-                        <a:schemeClr val="accent3">
-                          <a:lumMod val="60000"/>
-                          <a:lumOff val="40000"/>
-                        </a:schemeClr>
-                      </a:solidFill>
-                      <a:prstDash val="solid"/>
-                      <a:round/>
-                      <a:headEnd type="none" w="med" len="med"/>
-                      <a:tailEnd type="none" w="med" len="med"/>
-                    </a:lnR>
-                  </a:tcPr>
-                </a:tc>
-                <a:tc gridSpan="2">
-                  <a:txBody>
-                    <a:bodyPr/>
-                    <a:lstStyle/>
-                    <a:p>
-                      <a:pPr algn="ctr" latinLnBrk="1"/>
-                      <a:r>
                         <a:rPr lang="en-US" altLang="ko-KR" dirty="0" smtClean="0"/>
-                        <a:t>Varchar2(50)</a:t>
-                      </a:r>
-                      <a:endParaRPr lang="ko-KR" altLang="en-US" dirty="0"/>
-                    </a:p>
-                  </a:txBody>
-                  <a:tcPr>
-                    <a:lnL w="12700" cap="flat" cmpd="sng" algn="ctr">
-                      <a:solidFill>
-                        <a:schemeClr val="accent3">
-                          <a:lumMod val="60000"/>
-                          <a:lumOff val="40000"/>
-                        </a:schemeClr>
-                      </a:solidFill>
-                      <a:prstDash val="solid"/>
-                      <a:round/>
-                      <a:headEnd type="none" w="med" len="med"/>
-                      <a:tailEnd type="none" w="med" len="med"/>
-                    </a:lnL>
-                    <a:lnR w="12700" cap="flat" cmpd="sng" algn="ctr">
-                      <a:solidFill>
-                        <a:schemeClr val="accent3">
-                          <a:lumMod val="60000"/>
-                          <a:lumOff val="40000"/>
-                        </a:schemeClr>
-                      </a:solidFill>
-                      <a:prstDash val="solid"/>
-                      <a:round/>
-                      <a:headEnd type="none" w="med" len="med"/>
-                      <a:tailEnd type="none" w="med" len="med"/>
-                    </a:lnR>
-                  </a:tcPr>
-                </a:tc>
-                <a:tc hMerge="1">
-                  <a:txBody>
-                    <a:bodyPr/>
-                    <a:lstStyle/>
-                    <a:p>
-                      <a:pPr latinLnBrk="1"/>
-                      <a:endParaRPr lang="ko-KR" altLang="en-US"/>
-                    </a:p>
-                  </a:txBody>
-                  <a:tcPr/>
-                </a:tc>
-                <a:tc>
-                  <a:txBody>
-                    <a:bodyPr/>
-                    <a:lstStyle/>
-                    <a:p>
-                      <a:pPr marL="0" marR="0" indent="0" algn="ctr" defTabSz="914400" rtl="0" eaLnBrk="1" fontAlgn="auto" latinLnBrk="1" hangingPunct="1">
-                        <a:lnSpc>
-                          <a:spcPct val="100000"/>
-                        </a:lnSpc>
-                        <a:spcBef>
-                          <a:spcPts val="0"/>
-                        </a:spcBef>
-                        <a:spcAft>
-                          <a:spcPts val="0"/>
-                        </a:spcAft>
-                        <a:buClrTx/>
-                        <a:buSzTx/>
-                        <a:buFontTx/>
-                        <a:buNone/>
-                        <a:tabLst/>
-                        <a:defRPr/>
-                      </a:pPr>
-                      <a:r>
-                        <a:rPr lang="en-US" altLang="ko-KR" dirty="0" smtClean="0"/>
-                        <a:t>Not null</a:t>
-                      </a:r>
-                      <a:endParaRPr lang="ko-KR" altLang="en-US" dirty="0" smtClean="0"/>
-                    </a:p>
-                  </a:txBody>
-                  <a:tcPr>
-                    <a:lnL w="12700" cap="flat" cmpd="sng" algn="ctr">
-                      <a:solidFill>
-                        <a:schemeClr val="accent3">
-                          <a:lumMod val="60000"/>
-                          <a:lumOff val="40000"/>
-                        </a:schemeClr>
-                      </a:solidFill>
-                      <a:prstDash val="solid"/>
-                      <a:round/>
-                      <a:headEnd type="none" w="med" len="med"/>
-                      <a:tailEnd type="none" w="med" len="med"/>
-                    </a:lnL>
-                  </a:tcPr>
-                </a:tc>
-                <a:extLst>
-                  <a:ext uri="{0D108BD9-81ED-4DB2-BD59-A6C34878D82A}">
-                    <a16:rowId xmlns:a16="http://schemas.microsoft.com/office/drawing/2014/main" val="10004"/>
-                  </a:ext>
-                </a:extLst>
-              </a:tr>
-              <a:tr h="370840">
-                <a:tc>
-                  <a:txBody>
-                    <a:bodyPr/>
-                    <a:lstStyle/>
-                    <a:p>
-                      <a:pPr algn="ctr" latinLnBrk="1"/>
-                      <a:r>
-                        <a:rPr lang="en-US" altLang="ko-KR" dirty="0" smtClean="0"/>
-                        <a:t>Phone</a:t>
+                        <a:t>ACCEPTABLE_SMALL</a:t>
                       </a:r>
                       <a:endParaRPr lang="ko-KR" altLang="en-US" dirty="0"/>
                     </a:p>
@@ -4029,7 +3899,7 @@
                       </a:pPr>
                       <a:r>
                         <a:rPr lang="en-US" altLang="ko-KR" dirty="0" smtClean="0"/>
-                        <a:t>Char(20)</a:t>
+                        <a:t>NUMBER(100)</a:t>
                       </a:r>
                       <a:endParaRPr lang="ko-KR" altLang="en-US" dirty="0" smtClean="0"/>
                     </a:p>
@@ -4077,28 +3947,16 @@
                     <a:bodyPr/>
                     <a:lstStyle/>
                     <a:p>
-                      <a:pPr marL="0" marR="0" indent="0" algn="ctr" defTabSz="914400" rtl="0" eaLnBrk="1" fontAlgn="auto" latinLnBrk="1" hangingPunct="1">
-                        <a:lnSpc>
-                          <a:spcPct val="100000"/>
-                        </a:lnSpc>
-                        <a:spcBef>
-                          <a:spcPts val="0"/>
-                        </a:spcBef>
-                        <a:spcAft>
-                          <a:spcPts val="0"/>
-                        </a:spcAft>
-                        <a:buClrTx/>
-                        <a:buSzTx/>
-                        <a:buFontTx/>
-                        <a:buNone/>
-                        <a:tabLst/>
-                        <a:defRPr/>
-                      </a:pPr>
+                      <a:pPr algn="ctr" latinLnBrk="1"/>
                       <a:r>
                         <a:rPr lang="en-US" altLang="ko-KR" dirty="0" smtClean="0"/>
-                        <a:t>Not null</a:t>
+                        <a:t>NOT</a:t>
                       </a:r>
-                      <a:endParaRPr lang="ko-KR" altLang="en-US" dirty="0" smtClean="0"/>
+                      <a:r>
+                        <a:rPr lang="en-US" altLang="ko-KR" baseline="0" dirty="0" smtClean="0"/>
+                        <a:t> NULL</a:t>
+                      </a:r>
+                      <a:endParaRPr lang="ko-KR" altLang="en-US" dirty="0"/>
                     </a:p>
                   </a:txBody>
                   <a:tcPr>
@@ -4118,11 +3976,11 @@
                 </a:tc>
                 <a:extLst>
                   <a:ext uri="{0D108BD9-81ED-4DB2-BD59-A6C34878D82A}">
-                    <a16:rowId xmlns:a16="http://schemas.microsoft.com/office/drawing/2014/main" val="10005"/>
+                    <a16:rowId xmlns:a16="http://schemas.microsoft.com/office/drawing/2014/main" val="10004"/>
                   </a:ext>
                 </a:extLst>
               </a:tr>
-              <a:tr h="368508">
+              <a:tr h="370840">
                 <a:tc>
                   <a:txBody>
                     <a:bodyPr/>
@@ -4131,7 +3989,7 @@
                       <a:pPr algn="ctr" latinLnBrk="1"/>
                       <a:r>
                         <a:rPr lang="en-US" altLang="ko-KR" dirty="0" smtClean="0"/>
-                        <a:t>Grade</a:t>
+                        <a:t>ACCEPTABLE_MEDIUM</a:t>
                       </a:r>
                       <a:endParaRPr lang="ko-KR" altLang="en-US" dirty="0"/>
                     </a:p>
@@ -4175,7 +4033,7 @@
                       </a:pPr>
                       <a:r>
                         <a:rPr lang="en-US" altLang="ko-KR" dirty="0" smtClean="0"/>
-                        <a:t>Number(3)</a:t>
+                        <a:t>NUMBER(100)</a:t>
                       </a:r>
                       <a:endParaRPr lang="ko-KR" altLang="en-US" dirty="0" smtClean="0"/>
                     </a:p>
@@ -4223,6 +4081,73 @@
                     <a:bodyPr/>
                     <a:lstStyle/>
                     <a:p>
+                      <a:pPr algn="ctr" latinLnBrk="1"/>
+                      <a:r>
+                        <a:rPr lang="en-US" altLang="ko-KR" dirty="0" smtClean="0"/>
+                        <a:t>NOT</a:t>
+                      </a:r>
+                      <a:r>
+                        <a:rPr lang="en-US" altLang="ko-KR" baseline="0" dirty="0" smtClean="0"/>
+                        <a:t> NULL</a:t>
+                      </a:r>
+                      <a:endParaRPr lang="ko-KR" altLang="en-US" dirty="0"/>
+                    </a:p>
+                  </a:txBody>
+                  <a:tcPr>
+                    <a:lnL w="12700" cap="flat" cmpd="sng" algn="ctr">
+                      <a:solidFill>
+                        <a:schemeClr val="accent3">
+                          <a:lumMod val="60000"/>
+                          <a:lumOff val="40000"/>
+                        </a:schemeClr>
+                      </a:solidFill>
+                      <a:prstDash val="solid"/>
+                      <a:round/>
+                      <a:headEnd type="none" w="med" len="med"/>
+                      <a:tailEnd type="none" w="med" len="med"/>
+                    </a:lnL>
+                  </a:tcPr>
+                </a:tc>
+                <a:extLst>
+                  <a:ext uri="{0D108BD9-81ED-4DB2-BD59-A6C34878D82A}">
+                    <a16:rowId xmlns:a16="http://schemas.microsoft.com/office/drawing/2014/main" val="10005"/>
+                  </a:ext>
+                </a:extLst>
+              </a:tr>
+              <a:tr h="368508">
+                <a:tc>
+                  <a:txBody>
+                    <a:bodyPr/>
+                    <a:lstStyle/>
+                    <a:p>
+                      <a:pPr algn="ctr" latinLnBrk="1"/>
+                      <a:r>
+                        <a:rPr lang="en-US" altLang="ko-KR" dirty="0" smtClean="0"/>
+                        <a:t>ACCEPTABLE_HEAVY</a:t>
+                      </a:r>
+                      <a:endParaRPr lang="ko-KR" altLang="en-US" dirty="0"/>
+                    </a:p>
+                  </a:txBody>
+                  <a:tcPr>
+                    <a:lnR w="12700" cap="flat" cmpd="sng" algn="ctr">
+                      <a:solidFill>
+                        <a:schemeClr val="accent3">
+                          <a:lumMod val="60000"/>
+                          <a:lumOff val="40000"/>
+                        </a:schemeClr>
+                      </a:solidFill>
+                      <a:prstDash val="solid"/>
+                      <a:round/>
+                      <a:headEnd type="none" w="med" len="med"/>
+                      <a:tailEnd type="none" w="med" len="med"/>
+                    </a:lnR>
+                  </a:tcPr>
+                </a:tc>
+                <a:tc gridSpan="2">
+                  <a:txBody>
+                    <a:bodyPr/>
+                    <a:lstStyle/>
+                    <a:p>
                       <a:pPr marL="0" marR="0" indent="0" algn="ctr" defTabSz="914400" rtl="0" eaLnBrk="1" fontAlgn="auto" latinLnBrk="1" hangingPunct="1">
                         <a:lnSpc>
                           <a:spcPct val="100000"/>
@@ -4242,9 +4167,64 @@
                       </a:pPr>
                       <a:r>
                         <a:rPr lang="en-US" altLang="ko-KR" dirty="0" smtClean="0"/>
-                        <a:t>Not null</a:t>
+                        <a:t>NUMBER(100)</a:t>
                       </a:r>
                       <a:endParaRPr lang="ko-KR" altLang="en-US" dirty="0" smtClean="0"/>
+                    </a:p>
+                  </a:txBody>
+                  <a:tcPr>
+                    <a:lnL w="12700" cap="flat" cmpd="sng" algn="ctr">
+                      <a:solidFill>
+                        <a:schemeClr val="accent3">
+                          <a:lumMod val="60000"/>
+                          <a:lumOff val="40000"/>
+                        </a:schemeClr>
+                      </a:solidFill>
+                      <a:prstDash val="solid"/>
+                      <a:round/>
+                      <a:headEnd type="none" w="med" len="med"/>
+                      <a:tailEnd type="none" w="med" len="med"/>
+                    </a:lnL>
+                    <a:lnR w="12700" cap="flat" cmpd="sng" algn="ctr">
+                      <a:solidFill>
+                        <a:schemeClr val="accent3">
+                          <a:lumMod val="60000"/>
+                          <a:lumOff val="40000"/>
+                        </a:schemeClr>
+                      </a:solidFill>
+                      <a:prstDash val="solid"/>
+                      <a:round/>
+                      <a:headEnd type="none" w="med" len="med"/>
+                      <a:tailEnd type="none" w="med" len="med"/>
+                    </a:lnR>
+                  </a:tcPr>
+                </a:tc>
+                <a:tc hMerge="1">
+                  <a:txBody>
+                    <a:bodyPr/>
+                    <a:lstStyle/>
+                    <a:p>
+                      <a:pPr latinLnBrk="1"/>
+                      <a:endParaRPr lang="ko-KR" altLang="en-US"/>
+                    </a:p>
+                  </a:txBody>
+                  <a:tcPr/>
+                </a:tc>
+                <a:tc>
+                  <a:txBody>
+                    <a:bodyPr/>
+                    <a:lstStyle/>
+                    <a:p>
+                      <a:pPr algn="ctr" latinLnBrk="1"/>
+                      <a:r>
+                        <a:rPr lang="en-US" altLang="ko-KR" dirty="0" smtClean="0"/>
+                        <a:t>NOT</a:t>
+                      </a:r>
+                      <a:r>
+                        <a:rPr lang="en-US" altLang="ko-KR" baseline="0" dirty="0" smtClean="0"/>
+                        <a:t> NULL</a:t>
+                      </a:r>
+                      <a:endParaRPr lang="ko-KR" altLang="en-US" dirty="0"/>
                     </a:p>
                   </a:txBody>
                   <a:tcPr>
@@ -4276,8 +4256,8 @@
                     <a:p>
                       <a:pPr algn="ctr" latinLnBrk="1"/>
                       <a:r>
-                        <a:rPr lang="en-US" altLang="ko-KR" dirty="0" err="1" smtClean="0"/>
-                        <a:t>Del_flg</a:t>
+                        <a:rPr lang="en-US" altLang="ko-KR" dirty="0" smtClean="0"/>
+                        <a:t>DEL_FLG</a:t>
                       </a:r>
                       <a:endParaRPr lang="ko-KR" altLang="en-US" dirty="0"/>
                     </a:p>
@@ -4369,28 +4349,16 @@
                     <a:bodyPr/>
                     <a:lstStyle/>
                     <a:p>
-                      <a:pPr marL="0" marR="0" indent="0" algn="ctr" defTabSz="914400" rtl="0" eaLnBrk="1" fontAlgn="auto" latinLnBrk="1" hangingPunct="1">
-                        <a:lnSpc>
-                          <a:spcPct val="100000"/>
-                        </a:lnSpc>
-                        <a:spcBef>
-                          <a:spcPts val="0"/>
-                        </a:spcBef>
-                        <a:spcAft>
-                          <a:spcPts val="0"/>
-                        </a:spcAft>
-                        <a:buClrTx/>
-                        <a:buSzTx/>
-                        <a:buFontTx/>
-                        <a:buNone/>
-                        <a:tabLst/>
-                        <a:defRPr/>
-                      </a:pPr>
+                      <a:pPr algn="ctr" latinLnBrk="1"/>
                       <a:r>
                         <a:rPr lang="en-US" altLang="ko-KR" dirty="0" smtClean="0"/>
-                        <a:t>Not  null</a:t>
+                        <a:t>NOT</a:t>
                       </a:r>
-                      <a:endParaRPr lang="ko-KR" altLang="en-US" dirty="0" smtClean="0"/>
+                      <a:r>
+                        <a:rPr lang="en-US" altLang="ko-KR" baseline="0" dirty="0" smtClean="0"/>
+                        <a:t> NULL</a:t>
+                      </a:r>
+                      <a:endParaRPr lang="ko-KR" altLang="en-US" dirty="0"/>
                     </a:p>
                   </a:txBody>
                   <a:tcPr>
@@ -5186,7 +5154,7 @@
         </p:nvGrpSpPr>
         <p:grpSpPr>
           <a:xfrm>
-            <a:off x="2771800" y="4118570"/>
+            <a:off x="8460432" y="2814512"/>
             <a:ext cx="212865" cy="898761"/>
             <a:chOff x="2845503" y="2934440"/>
             <a:chExt cx="212865" cy="898761"/>
@@ -5536,6 +5504,1234 @@
           </a:p>
         </p:txBody>
       </p:sp>
+      <p:graphicFrame>
+        <p:nvGraphicFramePr>
+          <p:cNvPr id="38" name="표 37"/>
+          <p:cNvGraphicFramePr>
+            <a:graphicFrameLocks noGrp="1"/>
+          </p:cNvGraphicFramePr>
+          <p:nvPr>
+            <p:extLst>
+              <p:ext uri="{D42A27DB-BD31-4B8C-83A1-F6EECF244321}">
+                <p14:modId xmlns:p14="http://schemas.microsoft.com/office/powerpoint/2010/main" val="686568572"/>
+              </p:ext>
+            </p:extLst>
+          </p:nvPr>
+        </p:nvGraphicFramePr>
+        <p:xfrm>
+          <a:off x="224611" y="3803450"/>
+          <a:ext cx="6096000" cy="3330148"/>
+        </p:xfrm>
+        <a:graphic>
+          <a:graphicData uri="http://schemas.openxmlformats.org/drawingml/2006/table">
+            <a:tbl>
+              <a:tblPr firstRow="1" bandRow="1">
+                <a:tableStyleId>{F2DE63D5-997A-4646-A377-4702673A728D}</a:tableStyleId>
+              </a:tblPr>
+              <a:tblGrid>
+                <a:gridCol w="2259157">
+                  <a:extLst>
+                    <a:ext uri="{9D8B030D-6E8A-4147-A177-3AD203B41FA5}">
+                      <a16:colId xmlns:a16="http://schemas.microsoft.com/office/drawing/2014/main" val="20000"/>
+                    </a:ext>
+                  </a:extLst>
+                </a:gridCol>
+                <a:gridCol w="788843">
+                  <a:extLst>
+                    <a:ext uri="{9D8B030D-6E8A-4147-A177-3AD203B41FA5}">
+                      <a16:colId xmlns:a16="http://schemas.microsoft.com/office/drawing/2014/main" val="20001"/>
+                    </a:ext>
+                  </a:extLst>
+                </a:gridCol>
+                <a:gridCol w="1016000">
+                  <a:extLst>
+                    <a:ext uri="{9D8B030D-6E8A-4147-A177-3AD203B41FA5}">
+                      <a16:colId xmlns:a16="http://schemas.microsoft.com/office/drawing/2014/main" val="20002"/>
+                    </a:ext>
+                  </a:extLst>
+                </a:gridCol>
+                <a:gridCol w="2032000">
+                  <a:extLst>
+                    <a:ext uri="{9D8B030D-6E8A-4147-A177-3AD203B41FA5}">
+                      <a16:colId xmlns:a16="http://schemas.microsoft.com/office/drawing/2014/main" val="20003"/>
+                    </a:ext>
+                  </a:extLst>
+                </a:gridCol>
+              </a:tblGrid>
+              <a:tr h="221744">
+                <a:tc gridSpan="2">
+                  <a:txBody>
+                    <a:bodyPr/>
+                    <a:lstStyle/>
+                    <a:p>
+                      <a:pPr algn="ctr" latinLnBrk="1"/>
+                      <a:r>
+                        <a:rPr lang="en-US" altLang="ko-KR" dirty="0" smtClean="0"/>
+                        <a:t>Table Name</a:t>
+                      </a:r>
+                      <a:endParaRPr lang="ko-KR" altLang="en-US" dirty="0"/>
+                    </a:p>
+                  </a:txBody>
+                  <a:tcPr>
+                    <a:lnR w="12700" cap="flat" cmpd="sng" algn="ctr">
+                      <a:solidFill>
+                        <a:schemeClr val="accent3">
+                          <a:lumMod val="60000"/>
+                          <a:lumOff val="40000"/>
+                        </a:schemeClr>
+                      </a:solidFill>
+                      <a:prstDash val="solid"/>
+                      <a:round/>
+                      <a:headEnd type="none" w="med" len="med"/>
+                      <a:tailEnd type="none" w="med" len="med"/>
+                    </a:lnR>
+                  </a:tcPr>
+                </a:tc>
+                <a:tc hMerge="1">
+                  <a:txBody>
+                    <a:bodyPr/>
+                    <a:lstStyle/>
+                    <a:p>
+                      <a:pPr latinLnBrk="1"/>
+                      <a:endParaRPr lang="ko-KR" altLang="en-US" dirty="0"/>
+                    </a:p>
+                  </a:txBody>
+                  <a:tcPr/>
+                </a:tc>
+                <a:tc gridSpan="2">
+                  <a:txBody>
+                    <a:bodyPr/>
+                    <a:lstStyle/>
+                    <a:p>
+                      <a:pPr algn="ctr" latinLnBrk="1"/>
+                      <a:r>
+                        <a:rPr lang="en-US" altLang="ko-KR" dirty="0" smtClean="0"/>
+                        <a:t>T_ENTRY_BOOK</a:t>
+                      </a:r>
+                      <a:endParaRPr lang="ko-KR" altLang="en-US" dirty="0"/>
+                    </a:p>
+                  </a:txBody>
+                  <a:tcPr>
+                    <a:lnL w="12700" cap="flat" cmpd="sng" algn="ctr">
+                      <a:solidFill>
+                        <a:schemeClr val="accent3">
+                          <a:lumMod val="60000"/>
+                          <a:lumOff val="40000"/>
+                        </a:schemeClr>
+                      </a:solidFill>
+                      <a:prstDash val="solid"/>
+                      <a:round/>
+                      <a:headEnd type="none" w="med" len="med"/>
+                      <a:tailEnd type="none" w="med" len="med"/>
+                    </a:lnL>
+                  </a:tcPr>
+                </a:tc>
+                <a:tc hMerge="1">
+                  <a:txBody>
+                    <a:bodyPr/>
+                    <a:lstStyle/>
+                    <a:p>
+                      <a:pPr latinLnBrk="1"/>
+                      <a:endParaRPr lang="ko-KR" altLang="en-US" dirty="0"/>
+                    </a:p>
+                  </a:txBody>
+                  <a:tcPr/>
+                </a:tc>
+                <a:extLst>
+                  <a:ext uri="{0D108BD9-81ED-4DB2-BD59-A6C34878D82A}">
+                    <a16:rowId xmlns:a16="http://schemas.microsoft.com/office/drawing/2014/main" val="10000"/>
+                  </a:ext>
+                </a:extLst>
+              </a:tr>
+              <a:tr h="370840">
+                <a:tc>
+                  <a:txBody>
+                    <a:bodyPr/>
+                    <a:lstStyle/>
+                    <a:p>
+                      <a:pPr algn="ctr" latinLnBrk="1"/>
+                      <a:r>
+                        <a:rPr lang="en-US" altLang="ko-KR" baseline="0" dirty="0" smtClean="0"/>
+                        <a:t>Column Name</a:t>
+                      </a:r>
+                      <a:endParaRPr lang="ko-KR" altLang="en-US" dirty="0"/>
+                    </a:p>
+                  </a:txBody>
+                  <a:tcPr>
+                    <a:lnR w="12700" cap="flat" cmpd="sng" algn="ctr">
+                      <a:solidFill>
+                        <a:schemeClr val="accent3">
+                          <a:lumMod val="60000"/>
+                          <a:lumOff val="40000"/>
+                        </a:schemeClr>
+                      </a:solidFill>
+                      <a:prstDash val="solid"/>
+                      <a:round/>
+                      <a:headEnd type="none" w="med" len="med"/>
+                      <a:tailEnd type="none" w="med" len="med"/>
+                    </a:lnR>
+                    <a:solidFill>
+                      <a:schemeClr val="accent3">
+                        <a:lumMod val="20000"/>
+                        <a:lumOff val="80000"/>
+                      </a:schemeClr>
+                    </a:solidFill>
+                  </a:tcPr>
+                </a:tc>
+                <a:tc gridSpan="2">
+                  <a:txBody>
+                    <a:bodyPr/>
+                    <a:lstStyle/>
+                    <a:p>
+                      <a:pPr algn="ctr" latinLnBrk="1"/>
+                      <a:r>
+                        <a:rPr lang="en-US" altLang="ko-KR" dirty="0" smtClean="0"/>
+                        <a:t>Data</a:t>
+                      </a:r>
+                      <a:r>
+                        <a:rPr lang="en-US" altLang="ko-KR" baseline="0" dirty="0" smtClean="0"/>
+                        <a:t> Type</a:t>
+                      </a:r>
+                      <a:endParaRPr lang="ko-KR" altLang="en-US" dirty="0"/>
+                    </a:p>
+                  </a:txBody>
+                  <a:tcPr>
+                    <a:lnL w="12700" cap="flat" cmpd="sng" algn="ctr">
+                      <a:solidFill>
+                        <a:schemeClr val="accent3">
+                          <a:lumMod val="60000"/>
+                          <a:lumOff val="40000"/>
+                        </a:schemeClr>
+                      </a:solidFill>
+                      <a:prstDash val="solid"/>
+                      <a:round/>
+                      <a:headEnd type="none" w="med" len="med"/>
+                      <a:tailEnd type="none" w="med" len="med"/>
+                    </a:lnL>
+                    <a:lnR w="12700" cap="flat" cmpd="sng" algn="ctr">
+                      <a:solidFill>
+                        <a:schemeClr val="accent3">
+                          <a:lumMod val="60000"/>
+                          <a:lumOff val="40000"/>
+                        </a:schemeClr>
+                      </a:solidFill>
+                      <a:prstDash val="solid"/>
+                      <a:round/>
+                      <a:headEnd type="none" w="med" len="med"/>
+                      <a:tailEnd type="none" w="med" len="med"/>
+                    </a:lnR>
+                    <a:solidFill>
+                      <a:schemeClr val="accent3">
+                        <a:lumMod val="20000"/>
+                        <a:lumOff val="80000"/>
+                      </a:schemeClr>
+                    </a:solidFill>
+                  </a:tcPr>
+                </a:tc>
+                <a:tc hMerge="1">
+                  <a:txBody>
+                    <a:bodyPr/>
+                    <a:lstStyle/>
+                    <a:p>
+                      <a:pPr latinLnBrk="1"/>
+                      <a:endParaRPr lang="ko-KR" altLang="en-US"/>
+                    </a:p>
+                  </a:txBody>
+                  <a:tcPr/>
+                </a:tc>
+                <a:tc>
+                  <a:txBody>
+                    <a:bodyPr/>
+                    <a:lstStyle/>
+                    <a:p>
+                      <a:pPr algn="ctr" latinLnBrk="1"/>
+                      <a:r>
+                        <a:rPr lang="en-US" altLang="ko-KR" dirty="0" smtClean="0"/>
+                        <a:t>Option</a:t>
+                      </a:r>
+                      <a:endParaRPr lang="ko-KR" altLang="en-US" dirty="0"/>
+                    </a:p>
+                  </a:txBody>
+                  <a:tcPr>
+                    <a:lnL w="12700" cap="flat" cmpd="sng" algn="ctr">
+                      <a:solidFill>
+                        <a:schemeClr val="accent3">
+                          <a:lumMod val="60000"/>
+                          <a:lumOff val="40000"/>
+                        </a:schemeClr>
+                      </a:solidFill>
+                      <a:prstDash val="solid"/>
+                      <a:round/>
+                      <a:headEnd type="none" w="med" len="med"/>
+                      <a:tailEnd type="none" w="med" len="med"/>
+                    </a:lnL>
+                    <a:solidFill>
+                      <a:schemeClr val="accent3">
+                        <a:lumMod val="20000"/>
+                        <a:lumOff val="80000"/>
+                      </a:schemeClr>
+                    </a:solidFill>
+                  </a:tcPr>
+                </a:tc>
+                <a:extLst>
+                  <a:ext uri="{0D108BD9-81ED-4DB2-BD59-A6C34878D82A}">
+                    <a16:rowId xmlns:a16="http://schemas.microsoft.com/office/drawing/2014/main" val="10001"/>
+                  </a:ext>
+                </a:extLst>
+              </a:tr>
+              <a:tr h="370840">
+                <a:tc>
+                  <a:txBody>
+                    <a:bodyPr/>
+                    <a:lstStyle/>
+                    <a:p>
+                      <a:pPr algn="ctr" latinLnBrk="1"/>
+                      <a:r>
+                        <a:rPr lang="en-US" altLang="ko-KR" dirty="0" smtClean="0"/>
+                        <a:t>VEHICLE_NUMBER</a:t>
+                      </a:r>
+                      <a:endParaRPr lang="ko-KR" altLang="en-US" dirty="0"/>
+                    </a:p>
+                  </a:txBody>
+                  <a:tcPr>
+                    <a:lnR w="12700" cap="flat" cmpd="sng" algn="ctr">
+                      <a:solidFill>
+                        <a:schemeClr val="accent3">
+                          <a:lumMod val="60000"/>
+                          <a:lumOff val="40000"/>
+                        </a:schemeClr>
+                      </a:solidFill>
+                      <a:prstDash val="solid"/>
+                      <a:round/>
+                      <a:headEnd type="none" w="med" len="med"/>
+                      <a:tailEnd type="none" w="med" len="med"/>
+                    </a:lnR>
+                  </a:tcPr>
+                </a:tc>
+                <a:tc gridSpan="2">
+                  <a:txBody>
+                    <a:bodyPr/>
+                    <a:lstStyle/>
+                    <a:p>
+                      <a:pPr algn="ctr" latinLnBrk="1"/>
+                      <a:r>
+                        <a:rPr lang="en-US" altLang="ko-KR" dirty="0" smtClean="0"/>
+                        <a:t>VARCHAR(20)</a:t>
+                      </a:r>
+                      <a:endParaRPr lang="ko-KR" altLang="en-US" dirty="0"/>
+                    </a:p>
+                  </a:txBody>
+                  <a:tcPr>
+                    <a:lnL w="12700" cap="flat" cmpd="sng" algn="ctr">
+                      <a:solidFill>
+                        <a:schemeClr val="accent3">
+                          <a:lumMod val="60000"/>
+                          <a:lumOff val="40000"/>
+                        </a:schemeClr>
+                      </a:solidFill>
+                      <a:prstDash val="solid"/>
+                      <a:round/>
+                      <a:headEnd type="none" w="med" len="med"/>
+                      <a:tailEnd type="none" w="med" len="med"/>
+                    </a:lnL>
+                    <a:lnR w="12700" cap="flat" cmpd="sng" algn="ctr">
+                      <a:solidFill>
+                        <a:schemeClr val="accent3">
+                          <a:lumMod val="60000"/>
+                          <a:lumOff val="40000"/>
+                        </a:schemeClr>
+                      </a:solidFill>
+                      <a:prstDash val="solid"/>
+                      <a:round/>
+                      <a:headEnd type="none" w="med" len="med"/>
+                      <a:tailEnd type="none" w="med" len="med"/>
+                    </a:lnR>
+                  </a:tcPr>
+                </a:tc>
+                <a:tc hMerge="1">
+                  <a:txBody>
+                    <a:bodyPr/>
+                    <a:lstStyle/>
+                    <a:p>
+                      <a:pPr latinLnBrk="1"/>
+                      <a:endParaRPr lang="ko-KR" altLang="en-US"/>
+                    </a:p>
+                  </a:txBody>
+                  <a:tcPr/>
+                </a:tc>
+                <a:tc>
+                  <a:txBody>
+                    <a:bodyPr/>
+                    <a:lstStyle/>
+                    <a:p>
+                      <a:pPr algn="ctr" latinLnBrk="1"/>
+                      <a:r>
+                        <a:rPr lang="en-US" altLang="ko-KR" baseline="0" dirty="0" smtClean="0"/>
+                        <a:t>Primary key</a:t>
+                      </a:r>
+                    </a:p>
+                  </a:txBody>
+                  <a:tcPr>
+                    <a:lnL w="12700" cap="flat" cmpd="sng" algn="ctr">
+                      <a:solidFill>
+                        <a:schemeClr val="accent3">
+                          <a:lumMod val="60000"/>
+                          <a:lumOff val="40000"/>
+                        </a:schemeClr>
+                      </a:solidFill>
+                      <a:prstDash val="solid"/>
+                      <a:round/>
+                      <a:headEnd type="none" w="med" len="med"/>
+                      <a:tailEnd type="none" w="med" len="med"/>
+                    </a:lnL>
+                  </a:tcPr>
+                </a:tc>
+                <a:extLst>
+                  <a:ext uri="{0D108BD9-81ED-4DB2-BD59-A6C34878D82A}">
+                    <a16:rowId xmlns:a16="http://schemas.microsoft.com/office/drawing/2014/main" val="10002"/>
+                  </a:ext>
+                </a:extLst>
+              </a:tr>
+              <a:tr h="370840">
+                <a:tc>
+                  <a:txBody>
+                    <a:bodyPr/>
+                    <a:lstStyle/>
+                    <a:p>
+                      <a:pPr algn="ctr" latinLnBrk="1"/>
+                      <a:r>
+                        <a:rPr lang="en-US" altLang="ko-KR" dirty="0" smtClean="0"/>
+                        <a:t>CLIENT_NUMBER</a:t>
+                      </a:r>
+                      <a:endParaRPr lang="ko-KR" altLang="en-US" dirty="0"/>
+                    </a:p>
+                  </a:txBody>
+                  <a:tcPr>
+                    <a:lnR w="12700" cap="flat" cmpd="sng" algn="ctr">
+                      <a:solidFill>
+                        <a:schemeClr val="accent3">
+                          <a:lumMod val="60000"/>
+                          <a:lumOff val="40000"/>
+                        </a:schemeClr>
+                      </a:solidFill>
+                      <a:prstDash val="solid"/>
+                      <a:round/>
+                      <a:headEnd type="none" w="med" len="med"/>
+                      <a:tailEnd type="none" w="med" len="med"/>
+                    </a:lnR>
+                  </a:tcPr>
+                </a:tc>
+                <a:tc gridSpan="2">
+                  <a:txBody>
+                    <a:bodyPr/>
+                    <a:lstStyle/>
+                    <a:p>
+                      <a:pPr algn="ctr" latinLnBrk="1"/>
+                      <a:r>
+                        <a:rPr lang="en-US" altLang="ko-KR" dirty="0" smtClean="0"/>
+                        <a:t>VARCHAR(10)</a:t>
+                      </a:r>
+                      <a:endParaRPr lang="ko-KR" altLang="en-US" dirty="0"/>
+                    </a:p>
+                  </a:txBody>
+                  <a:tcPr>
+                    <a:lnL w="12700" cap="flat" cmpd="sng" algn="ctr">
+                      <a:solidFill>
+                        <a:schemeClr val="accent3">
+                          <a:lumMod val="60000"/>
+                          <a:lumOff val="40000"/>
+                        </a:schemeClr>
+                      </a:solidFill>
+                      <a:prstDash val="solid"/>
+                      <a:round/>
+                      <a:headEnd type="none" w="med" len="med"/>
+                      <a:tailEnd type="none" w="med" len="med"/>
+                    </a:lnL>
+                    <a:lnR w="12700" cap="flat" cmpd="sng" algn="ctr">
+                      <a:solidFill>
+                        <a:schemeClr val="accent3">
+                          <a:lumMod val="60000"/>
+                          <a:lumOff val="40000"/>
+                        </a:schemeClr>
+                      </a:solidFill>
+                      <a:prstDash val="solid"/>
+                      <a:round/>
+                      <a:headEnd type="none" w="med" len="med"/>
+                      <a:tailEnd type="none" w="med" len="med"/>
+                    </a:lnR>
+                  </a:tcPr>
+                </a:tc>
+                <a:tc hMerge="1">
+                  <a:txBody>
+                    <a:bodyPr/>
+                    <a:lstStyle/>
+                    <a:p>
+                      <a:pPr latinLnBrk="1"/>
+                      <a:endParaRPr lang="ko-KR" altLang="en-US"/>
+                    </a:p>
+                  </a:txBody>
+                  <a:tcPr/>
+                </a:tc>
+                <a:tc>
+                  <a:txBody>
+                    <a:bodyPr/>
+                    <a:lstStyle/>
+                    <a:p>
+                      <a:pPr algn="ctr" latinLnBrk="1"/>
+                      <a:r>
+                        <a:rPr lang="en-US" altLang="ko-KR" dirty="0" smtClean="0"/>
+                        <a:t>NOT</a:t>
+                      </a:r>
+                      <a:r>
+                        <a:rPr lang="en-US" altLang="ko-KR" baseline="0" dirty="0" smtClean="0"/>
+                        <a:t> NULL</a:t>
+                      </a:r>
+                      <a:endParaRPr lang="ko-KR" altLang="en-US" dirty="0"/>
+                    </a:p>
+                  </a:txBody>
+                  <a:tcPr>
+                    <a:lnL w="12700" cap="flat" cmpd="sng" algn="ctr">
+                      <a:solidFill>
+                        <a:schemeClr val="accent3">
+                          <a:lumMod val="60000"/>
+                          <a:lumOff val="40000"/>
+                        </a:schemeClr>
+                      </a:solidFill>
+                      <a:prstDash val="solid"/>
+                      <a:round/>
+                      <a:headEnd type="none" w="med" len="med"/>
+                      <a:tailEnd type="none" w="med" len="med"/>
+                    </a:lnL>
+                  </a:tcPr>
+                </a:tc>
+                <a:extLst>
+                  <a:ext uri="{0D108BD9-81ED-4DB2-BD59-A6C34878D82A}">
+                    <a16:rowId xmlns:a16="http://schemas.microsoft.com/office/drawing/2014/main" val="10003"/>
+                  </a:ext>
+                </a:extLst>
+              </a:tr>
+              <a:tr h="370840">
+                <a:tc>
+                  <a:txBody>
+                    <a:bodyPr/>
+                    <a:lstStyle/>
+                    <a:p>
+                      <a:pPr algn="ctr" latinLnBrk="1"/>
+                      <a:r>
+                        <a:rPr lang="en-US" altLang="ko-KR" dirty="0" smtClean="0"/>
+                        <a:t>ARRIVAL_TIME</a:t>
+                      </a:r>
+                      <a:endParaRPr lang="ko-KR" altLang="en-US" dirty="0"/>
+                    </a:p>
+                  </a:txBody>
+                  <a:tcPr>
+                    <a:lnR w="12700" cap="flat" cmpd="sng" algn="ctr">
+                      <a:solidFill>
+                        <a:schemeClr val="accent3">
+                          <a:lumMod val="60000"/>
+                          <a:lumOff val="40000"/>
+                        </a:schemeClr>
+                      </a:solidFill>
+                      <a:prstDash val="solid"/>
+                      <a:round/>
+                      <a:headEnd type="none" w="med" len="med"/>
+                      <a:tailEnd type="none" w="med" len="med"/>
+                    </a:lnR>
+                  </a:tcPr>
+                </a:tc>
+                <a:tc gridSpan="2">
+                  <a:txBody>
+                    <a:bodyPr/>
+                    <a:lstStyle/>
+                    <a:p>
+                      <a:pPr algn="ctr" latinLnBrk="1"/>
+                      <a:r>
+                        <a:rPr lang="en-US" altLang="ko-KR" dirty="0" smtClean="0"/>
+                        <a:t>TIMESTAMP</a:t>
+                      </a:r>
+                      <a:endParaRPr lang="ko-KR" altLang="en-US" dirty="0"/>
+                    </a:p>
+                  </a:txBody>
+                  <a:tcPr>
+                    <a:lnL w="12700" cap="flat" cmpd="sng" algn="ctr">
+                      <a:solidFill>
+                        <a:schemeClr val="accent3">
+                          <a:lumMod val="60000"/>
+                          <a:lumOff val="40000"/>
+                        </a:schemeClr>
+                      </a:solidFill>
+                      <a:prstDash val="solid"/>
+                      <a:round/>
+                      <a:headEnd type="none" w="med" len="med"/>
+                      <a:tailEnd type="none" w="med" len="med"/>
+                    </a:lnL>
+                    <a:lnR w="12700" cap="flat" cmpd="sng" algn="ctr">
+                      <a:solidFill>
+                        <a:schemeClr val="accent3">
+                          <a:lumMod val="60000"/>
+                          <a:lumOff val="40000"/>
+                        </a:schemeClr>
+                      </a:solidFill>
+                      <a:prstDash val="solid"/>
+                      <a:round/>
+                      <a:headEnd type="none" w="med" len="med"/>
+                      <a:tailEnd type="none" w="med" len="med"/>
+                    </a:lnR>
+                  </a:tcPr>
+                </a:tc>
+                <a:tc hMerge="1">
+                  <a:txBody>
+                    <a:bodyPr/>
+                    <a:lstStyle/>
+                    <a:p>
+                      <a:pPr latinLnBrk="1"/>
+                      <a:endParaRPr lang="ko-KR" altLang="en-US"/>
+                    </a:p>
+                  </a:txBody>
+                  <a:tcPr/>
+                </a:tc>
+                <a:tc>
+                  <a:txBody>
+                    <a:bodyPr/>
+                    <a:lstStyle/>
+                    <a:p>
+                      <a:pPr marL="0" marR="0" indent="0" algn="ctr" defTabSz="914400" rtl="0" eaLnBrk="1" fontAlgn="auto" latinLnBrk="1" hangingPunct="1">
+                        <a:lnSpc>
+                          <a:spcPct val="100000"/>
+                        </a:lnSpc>
+                        <a:spcBef>
+                          <a:spcPts val="0"/>
+                        </a:spcBef>
+                        <a:spcAft>
+                          <a:spcPts val="0"/>
+                        </a:spcAft>
+                        <a:buClrTx/>
+                        <a:buSzTx/>
+                        <a:buFontTx/>
+                        <a:buNone/>
+                        <a:tabLst/>
+                        <a:defRPr/>
+                      </a:pPr>
+                      <a:r>
+                        <a:rPr lang="en-US" altLang="ko-KR" dirty="0" smtClean="0"/>
+                        <a:t>NOT</a:t>
+                      </a:r>
+                      <a:r>
+                        <a:rPr lang="en-US" altLang="ko-KR" baseline="0" dirty="0" smtClean="0"/>
+                        <a:t> NULL</a:t>
+                      </a:r>
+                      <a:endParaRPr lang="ko-KR" altLang="en-US" dirty="0" smtClean="0"/>
+                    </a:p>
+                  </a:txBody>
+                  <a:tcPr>
+                    <a:lnL w="12700" cap="flat" cmpd="sng" algn="ctr">
+                      <a:solidFill>
+                        <a:schemeClr val="accent3">
+                          <a:lumMod val="60000"/>
+                          <a:lumOff val="40000"/>
+                        </a:schemeClr>
+                      </a:solidFill>
+                      <a:prstDash val="solid"/>
+                      <a:round/>
+                      <a:headEnd type="none" w="med" len="med"/>
+                      <a:tailEnd type="none" w="med" len="med"/>
+                    </a:lnL>
+                  </a:tcPr>
+                </a:tc>
+                <a:extLst>
+                  <a:ext uri="{0D108BD9-81ED-4DB2-BD59-A6C34878D82A}">
+                    <a16:rowId xmlns:a16="http://schemas.microsoft.com/office/drawing/2014/main" val="10004"/>
+                  </a:ext>
+                </a:extLst>
+              </a:tr>
+              <a:tr h="370840">
+                <a:tc>
+                  <a:txBody>
+                    <a:bodyPr/>
+                    <a:lstStyle/>
+                    <a:p>
+                      <a:pPr algn="ctr" latinLnBrk="1"/>
+                      <a:r>
+                        <a:rPr lang="en-US" altLang="ko-KR" dirty="0" smtClean="0"/>
+                        <a:t>DEPARTURE_TIME</a:t>
+                      </a:r>
+                      <a:endParaRPr lang="ko-KR" altLang="en-US" dirty="0"/>
+                    </a:p>
+                  </a:txBody>
+                  <a:tcPr>
+                    <a:lnR w="12700" cap="flat" cmpd="sng" algn="ctr">
+                      <a:solidFill>
+                        <a:schemeClr val="accent3">
+                          <a:lumMod val="60000"/>
+                          <a:lumOff val="40000"/>
+                        </a:schemeClr>
+                      </a:solidFill>
+                      <a:prstDash val="solid"/>
+                      <a:round/>
+                      <a:headEnd type="none" w="med" len="med"/>
+                      <a:tailEnd type="none" w="med" len="med"/>
+                    </a:lnR>
+                  </a:tcPr>
+                </a:tc>
+                <a:tc gridSpan="2">
+                  <a:txBody>
+                    <a:bodyPr/>
+                    <a:lstStyle/>
+                    <a:p>
+                      <a:pPr marL="0" marR="0" indent="0" algn="ctr" defTabSz="914400" rtl="0" eaLnBrk="1" fontAlgn="auto" latinLnBrk="1" hangingPunct="1">
+                        <a:lnSpc>
+                          <a:spcPct val="100000"/>
+                        </a:lnSpc>
+                        <a:spcBef>
+                          <a:spcPts val="0"/>
+                        </a:spcBef>
+                        <a:spcAft>
+                          <a:spcPts val="0"/>
+                        </a:spcAft>
+                        <a:buClrTx/>
+                        <a:buSzTx/>
+                        <a:buFontTx/>
+                        <a:buNone/>
+                        <a:tabLst/>
+                        <a:defRPr/>
+                      </a:pPr>
+                      <a:r>
+                        <a:rPr lang="en-US" altLang="ko-KR" dirty="0" smtClean="0"/>
+                        <a:t>TIMESTAMP</a:t>
+                      </a:r>
+                      <a:endParaRPr lang="ko-KR" altLang="en-US" dirty="0" smtClean="0"/>
+                    </a:p>
+                  </a:txBody>
+                  <a:tcPr>
+                    <a:lnL w="12700" cap="flat" cmpd="sng" algn="ctr">
+                      <a:solidFill>
+                        <a:schemeClr val="accent3">
+                          <a:lumMod val="60000"/>
+                          <a:lumOff val="40000"/>
+                        </a:schemeClr>
+                      </a:solidFill>
+                      <a:prstDash val="solid"/>
+                      <a:round/>
+                      <a:headEnd type="none" w="med" len="med"/>
+                      <a:tailEnd type="none" w="med" len="med"/>
+                    </a:lnL>
+                    <a:lnR w="12700" cap="flat" cmpd="sng" algn="ctr">
+                      <a:solidFill>
+                        <a:schemeClr val="accent3">
+                          <a:lumMod val="60000"/>
+                          <a:lumOff val="40000"/>
+                        </a:schemeClr>
+                      </a:solidFill>
+                      <a:prstDash val="solid"/>
+                      <a:round/>
+                      <a:headEnd type="none" w="med" len="med"/>
+                      <a:tailEnd type="none" w="med" len="med"/>
+                    </a:lnR>
+                  </a:tcPr>
+                </a:tc>
+                <a:tc hMerge="1">
+                  <a:txBody>
+                    <a:bodyPr/>
+                    <a:lstStyle/>
+                    <a:p>
+                      <a:pPr latinLnBrk="1"/>
+                      <a:endParaRPr lang="ko-KR" altLang="en-US"/>
+                    </a:p>
+                  </a:txBody>
+                  <a:tcPr/>
+                </a:tc>
+                <a:tc>
+                  <a:txBody>
+                    <a:bodyPr/>
+                    <a:lstStyle/>
+                    <a:p>
+                      <a:pPr marL="0" marR="0" indent="0" algn="ctr" defTabSz="914400" rtl="0" eaLnBrk="1" fontAlgn="auto" latinLnBrk="1" hangingPunct="1">
+                        <a:lnSpc>
+                          <a:spcPct val="100000"/>
+                        </a:lnSpc>
+                        <a:spcBef>
+                          <a:spcPts val="0"/>
+                        </a:spcBef>
+                        <a:spcAft>
+                          <a:spcPts val="0"/>
+                        </a:spcAft>
+                        <a:buClrTx/>
+                        <a:buSzTx/>
+                        <a:buFontTx/>
+                        <a:buNone/>
+                        <a:tabLst/>
+                        <a:defRPr/>
+                      </a:pPr>
+                      <a:r>
+                        <a:rPr lang="en-US" altLang="ko-KR" dirty="0" smtClean="0"/>
+                        <a:t>NULLABLE</a:t>
+                      </a:r>
+                      <a:endParaRPr lang="ko-KR" altLang="en-US" dirty="0" smtClean="0"/>
+                    </a:p>
+                  </a:txBody>
+                  <a:tcPr>
+                    <a:lnL w="12700" cap="flat" cmpd="sng" algn="ctr">
+                      <a:solidFill>
+                        <a:schemeClr val="accent3">
+                          <a:lumMod val="60000"/>
+                          <a:lumOff val="40000"/>
+                        </a:schemeClr>
+                      </a:solidFill>
+                      <a:prstDash val="solid"/>
+                      <a:round/>
+                      <a:headEnd type="none" w="med" len="med"/>
+                      <a:tailEnd type="none" w="med" len="med"/>
+                    </a:lnL>
+                  </a:tcPr>
+                </a:tc>
+                <a:extLst>
+                  <a:ext uri="{0D108BD9-81ED-4DB2-BD59-A6C34878D82A}">
+                    <a16:rowId xmlns:a16="http://schemas.microsoft.com/office/drawing/2014/main" val="10005"/>
+                  </a:ext>
+                </a:extLst>
+              </a:tr>
+              <a:tr h="368508">
+                <a:tc>
+                  <a:txBody>
+                    <a:bodyPr/>
+                    <a:lstStyle/>
+                    <a:p>
+                      <a:pPr algn="ctr" latinLnBrk="1"/>
+                      <a:r>
+                        <a:rPr lang="en-US" altLang="ko-KR" dirty="0" smtClean="0"/>
+                        <a:t>HOURS_OF_USE</a:t>
+                      </a:r>
+                      <a:endParaRPr lang="ko-KR" altLang="en-US" dirty="0"/>
+                    </a:p>
+                  </a:txBody>
+                  <a:tcPr>
+                    <a:lnR w="12700" cap="flat" cmpd="sng" algn="ctr">
+                      <a:solidFill>
+                        <a:schemeClr val="accent3">
+                          <a:lumMod val="60000"/>
+                          <a:lumOff val="40000"/>
+                        </a:schemeClr>
+                      </a:solidFill>
+                      <a:prstDash val="solid"/>
+                      <a:round/>
+                      <a:headEnd type="none" w="med" len="med"/>
+                      <a:tailEnd type="none" w="med" len="med"/>
+                    </a:lnR>
+                  </a:tcPr>
+                </a:tc>
+                <a:tc gridSpan="2">
+                  <a:txBody>
+                    <a:bodyPr/>
+                    <a:lstStyle/>
+                    <a:p>
+                      <a:pPr marL="0" marR="0" indent="0" algn="ctr" defTabSz="914400" rtl="0" eaLnBrk="1" fontAlgn="auto" latinLnBrk="1" hangingPunct="1">
+                        <a:lnSpc>
+                          <a:spcPct val="100000"/>
+                        </a:lnSpc>
+                        <a:spcBef>
+                          <a:spcPts val="0"/>
+                        </a:spcBef>
+                        <a:spcAft>
+                          <a:spcPts val="0"/>
+                        </a:spcAft>
+                        <a:buClrTx/>
+                        <a:buSzTx/>
+                        <a:buFontTx/>
+                        <a:buNone/>
+                        <a:tabLst/>
+                        <a:defRPr/>
+                      </a:pPr>
+                      <a:r>
+                        <a:rPr lang="en-US" altLang="ko-KR" dirty="0" smtClean="0"/>
+                        <a:t>NUMBER(2)</a:t>
+                      </a:r>
+                      <a:endParaRPr lang="ko-KR" altLang="en-US" dirty="0" smtClean="0"/>
+                    </a:p>
+                  </a:txBody>
+                  <a:tcPr>
+                    <a:lnL w="12700" cap="flat" cmpd="sng" algn="ctr">
+                      <a:solidFill>
+                        <a:schemeClr val="accent3">
+                          <a:lumMod val="60000"/>
+                          <a:lumOff val="40000"/>
+                        </a:schemeClr>
+                      </a:solidFill>
+                      <a:prstDash val="solid"/>
+                      <a:round/>
+                      <a:headEnd type="none" w="med" len="med"/>
+                      <a:tailEnd type="none" w="med" len="med"/>
+                    </a:lnL>
+                    <a:lnR w="12700" cap="flat" cmpd="sng" algn="ctr">
+                      <a:solidFill>
+                        <a:schemeClr val="accent3">
+                          <a:lumMod val="60000"/>
+                          <a:lumOff val="40000"/>
+                        </a:schemeClr>
+                      </a:solidFill>
+                      <a:prstDash val="solid"/>
+                      <a:round/>
+                      <a:headEnd type="none" w="med" len="med"/>
+                      <a:tailEnd type="none" w="med" len="med"/>
+                    </a:lnR>
+                  </a:tcPr>
+                </a:tc>
+                <a:tc hMerge="1">
+                  <a:txBody>
+                    <a:bodyPr/>
+                    <a:lstStyle/>
+                    <a:p>
+                      <a:pPr latinLnBrk="1"/>
+                      <a:endParaRPr lang="ko-KR" altLang="en-US"/>
+                    </a:p>
+                  </a:txBody>
+                  <a:tcPr/>
+                </a:tc>
+                <a:tc>
+                  <a:txBody>
+                    <a:bodyPr/>
+                    <a:lstStyle/>
+                    <a:p>
+                      <a:pPr marL="0" marR="0" indent="0" algn="ctr" defTabSz="914400" rtl="0" eaLnBrk="1" fontAlgn="auto" latinLnBrk="1" hangingPunct="1">
+                        <a:lnSpc>
+                          <a:spcPct val="100000"/>
+                        </a:lnSpc>
+                        <a:spcBef>
+                          <a:spcPts val="0"/>
+                        </a:spcBef>
+                        <a:spcAft>
+                          <a:spcPts val="0"/>
+                        </a:spcAft>
+                        <a:buClrTx/>
+                        <a:buSzTx/>
+                        <a:buFontTx/>
+                        <a:buNone/>
+                        <a:tabLst/>
+                        <a:defRPr/>
+                      </a:pPr>
+                      <a:r>
+                        <a:rPr lang="en-US" altLang="ko-KR" dirty="0" smtClean="0"/>
+                        <a:t>NULLABLE</a:t>
+                      </a:r>
+                      <a:endParaRPr lang="ko-KR" altLang="en-US" dirty="0" smtClean="0"/>
+                    </a:p>
+                  </a:txBody>
+                  <a:tcPr>
+                    <a:lnL w="12700" cap="flat" cmpd="sng" algn="ctr">
+                      <a:solidFill>
+                        <a:schemeClr val="accent3">
+                          <a:lumMod val="60000"/>
+                          <a:lumOff val="40000"/>
+                        </a:schemeClr>
+                      </a:solidFill>
+                      <a:prstDash val="solid"/>
+                      <a:round/>
+                      <a:headEnd type="none" w="med" len="med"/>
+                      <a:tailEnd type="none" w="med" len="med"/>
+                    </a:lnL>
+                  </a:tcPr>
+                </a:tc>
+                <a:extLst>
+                  <a:ext uri="{0D108BD9-81ED-4DB2-BD59-A6C34878D82A}">
+                    <a16:rowId xmlns:a16="http://schemas.microsoft.com/office/drawing/2014/main" val="10006"/>
+                  </a:ext>
+                </a:extLst>
+              </a:tr>
+              <a:tr h="370840">
+                <a:tc>
+                  <a:txBody>
+                    <a:bodyPr/>
+                    <a:lstStyle/>
+                    <a:p>
+                      <a:pPr algn="ctr" latinLnBrk="1"/>
+                      <a:r>
+                        <a:rPr lang="en-US" altLang="ko-KR" dirty="0" smtClean="0"/>
+                        <a:t>COST_OF_USE</a:t>
+                      </a:r>
+                      <a:endParaRPr lang="ko-KR" altLang="en-US" dirty="0"/>
+                    </a:p>
+                  </a:txBody>
+                  <a:tcPr>
+                    <a:lnR w="12700" cap="flat" cmpd="sng" algn="ctr">
+                      <a:solidFill>
+                        <a:schemeClr val="accent3">
+                          <a:lumMod val="60000"/>
+                          <a:lumOff val="40000"/>
+                        </a:schemeClr>
+                      </a:solidFill>
+                      <a:prstDash val="solid"/>
+                      <a:round/>
+                      <a:headEnd type="none" w="med" len="med"/>
+                      <a:tailEnd type="none" w="med" len="med"/>
+                    </a:lnR>
+                  </a:tcPr>
+                </a:tc>
+                <a:tc gridSpan="2">
+                  <a:txBody>
+                    <a:bodyPr/>
+                    <a:lstStyle/>
+                    <a:p>
+                      <a:pPr marL="0" marR="0" indent="0" algn="ctr" defTabSz="914400" rtl="0" eaLnBrk="1" fontAlgn="auto" latinLnBrk="1" hangingPunct="1">
+                        <a:lnSpc>
+                          <a:spcPct val="100000"/>
+                        </a:lnSpc>
+                        <a:spcBef>
+                          <a:spcPts val="0"/>
+                        </a:spcBef>
+                        <a:spcAft>
+                          <a:spcPts val="0"/>
+                        </a:spcAft>
+                        <a:buClrTx/>
+                        <a:buSzTx/>
+                        <a:buFontTx/>
+                        <a:buNone/>
+                        <a:tabLst/>
+                        <a:defRPr/>
+                      </a:pPr>
+                      <a:r>
+                        <a:rPr lang="en-US" altLang="ko-KR" dirty="0" smtClean="0"/>
+                        <a:t>NUMBER(2)</a:t>
+                      </a:r>
+                      <a:endParaRPr lang="ko-KR" altLang="en-US" dirty="0" smtClean="0"/>
+                    </a:p>
+                  </a:txBody>
+                  <a:tcPr>
+                    <a:lnL w="12700" cap="flat" cmpd="sng" algn="ctr">
+                      <a:solidFill>
+                        <a:schemeClr val="accent3">
+                          <a:lumMod val="60000"/>
+                          <a:lumOff val="40000"/>
+                        </a:schemeClr>
+                      </a:solidFill>
+                      <a:prstDash val="solid"/>
+                      <a:round/>
+                      <a:headEnd type="none" w="med" len="med"/>
+                      <a:tailEnd type="none" w="med" len="med"/>
+                    </a:lnL>
+                    <a:lnR w="12700" cap="flat" cmpd="sng" algn="ctr">
+                      <a:solidFill>
+                        <a:schemeClr val="accent3">
+                          <a:lumMod val="60000"/>
+                          <a:lumOff val="40000"/>
+                        </a:schemeClr>
+                      </a:solidFill>
+                      <a:prstDash val="solid"/>
+                      <a:round/>
+                      <a:headEnd type="none" w="med" len="med"/>
+                      <a:tailEnd type="none" w="med" len="med"/>
+                    </a:lnR>
+                  </a:tcPr>
+                </a:tc>
+                <a:tc hMerge="1">
+                  <a:txBody>
+                    <a:bodyPr/>
+                    <a:lstStyle/>
+                    <a:p>
+                      <a:pPr latinLnBrk="1"/>
+                      <a:endParaRPr lang="ko-KR" altLang="en-US"/>
+                    </a:p>
+                  </a:txBody>
+                  <a:tcPr/>
+                </a:tc>
+                <a:tc>
+                  <a:txBody>
+                    <a:bodyPr/>
+                    <a:lstStyle/>
+                    <a:p>
+                      <a:pPr marL="0" marR="0" indent="0" algn="ctr" defTabSz="914400" rtl="0" eaLnBrk="1" fontAlgn="auto" latinLnBrk="1" hangingPunct="1">
+                        <a:lnSpc>
+                          <a:spcPct val="100000"/>
+                        </a:lnSpc>
+                        <a:spcBef>
+                          <a:spcPts val="0"/>
+                        </a:spcBef>
+                        <a:spcAft>
+                          <a:spcPts val="0"/>
+                        </a:spcAft>
+                        <a:buClrTx/>
+                        <a:buSzTx/>
+                        <a:buFontTx/>
+                        <a:buNone/>
+                        <a:tabLst/>
+                        <a:defRPr/>
+                      </a:pPr>
+                      <a:r>
+                        <a:rPr lang="en-US" altLang="ko-KR" dirty="0" smtClean="0"/>
+                        <a:t>NULLABLE</a:t>
+                      </a:r>
+                      <a:endParaRPr lang="ko-KR" altLang="en-US" dirty="0" smtClean="0"/>
+                    </a:p>
+                  </a:txBody>
+                  <a:tcPr>
+                    <a:lnL w="12700" cap="flat" cmpd="sng" algn="ctr">
+                      <a:solidFill>
+                        <a:schemeClr val="accent3">
+                          <a:lumMod val="60000"/>
+                          <a:lumOff val="40000"/>
+                        </a:schemeClr>
+                      </a:solidFill>
+                      <a:prstDash val="solid"/>
+                      <a:round/>
+                      <a:headEnd type="none" w="med" len="med"/>
+                      <a:tailEnd type="none" w="med" len="med"/>
+                    </a:lnL>
+                  </a:tcPr>
+                </a:tc>
+                <a:extLst>
+                  <a:ext uri="{0D108BD9-81ED-4DB2-BD59-A6C34878D82A}">
+                    <a16:rowId xmlns:a16="http://schemas.microsoft.com/office/drawing/2014/main" val="10007"/>
+                  </a:ext>
+                </a:extLst>
+              </a:tr>
+              <a:tr h="370840">
+                <a:tc>
+                  <a:txBody>
+                    <a:bodyPr/>
+                    <a:lstStyle/>
+                    <a:p>
+                      <a:pPr algn="ctr" latinLnBrk="1"/>
+                      <a:r>
+                        <a:rPr lang="en-US" altLang="ko-KR" dirty="0" smtClean="0"/>
+                        <a:t>END_BISUNESS_FLG</a:t>
+                      </a:r>
+                      <a:endParaRPr lang="ko-KR" altLang="en-US" dirty="0"/>
+                    </a:p>
+                  </a:txBody>
+                  <a:tcPr>
+                    <a:lnR w="12700" cap="flat" cmpd="sng" algn="ctr">
+                      <a:solidFill>
+                        <a:schemeClr val="accent3">
+                          <a:lumMod val="60000"/>
+                          <a:lumOff val="40000"/>
+                        </a:schemeClr>
+                      </a:solidFill>
+                      <a:prstDash val="solid"/>
+                      <a:round/>
+                      <a:headEnd type="none" w="med" len="med"/>
+                      <a:tailEnd type="none" w="med" len="med"/>
+                    </a:lnR>
+                  </a:tcPr>
+                </a:tc>
+                <a:tc gridSpan="2">
+                  <a:txBody>
+                    <a:bodyPr/>
+                    <a:lstStyle/>
+                    <a:p>
+                      <a:pPr marL="0" marR="0" indent="0" algn="ctr" defTabSz="914400" rtl="0" eaLnBrk="1" fontAlgn="auto" latinLnBrk="1" hangingPunct="1">
+                        <a:lnSpc>
+                          <a:spcPct val="100000"/>
+                        </a:lnSpc>
+                        <a:spcBef>
+                          <a:spcPts val="0"/>
+                        </a:spcBef>
+                        <a:spcAft>
+                          <a:spcPts val="0"/>
+                        </a:spcAft>
+                        <a:buClrTx/>
+                        <a:buSzTx/>
+                        <a:buFontTx/>
+                        <a:buNone/>
+                        <a:tabLst/>
+                        <a:defRPr/>
+                      </a:pPr>
+                      <a:r>
+                        <a:rPr lang="en-US" altLang="ko-KR" dirty="0" smtClean="0"/>
+                        <a:t>CHAR(1)</a:t>
+                      </a:r>
+                      <a:endParaRPr lang="ko-KR" altLang="en-US" dirty="0" smtClean="0"/>
+                    </a:p>
+                  </a:txBody>
+                  <a:tcPr>
+                    <a:lnL w="12700" cap="flat" cmpd="sng" algn="ctr">
+                      <a:solidFill>
+                        <a:schemeClr val="accent3">
+                          <a:lumMod val="60000"/>
+                          <a:lumOff val="40000"/>
+                        </a:schemeClr>
+                      </a:solidFill>
+                      <a:prstDash val="solid"/>
+                      <a:round/>
+                      <a:headEnd type="none" w="med" len="med"/>
+                      <a:tailEnd type="none" w="med" len="med"/>
+                    </a:lnL>
+                    <a:lnR w="12700" cap="flat" cmpd="sng" algn="ctr">
+                      <a:solidFill>
+                        <a:schemeClr val="accent3">
+                          <a:lumMod val="60000"/>
+                          <a:lumOff val="40000"/>
+                        </a:schemeClr>
+                      </a:solidFill>
+                      <a:prstDash val="solid"/>
+                      <a:round/>
+                      <a:headEnd type="none" w="med" len="med"/>
+                      <a:tailEnd type="none" w="med" len="med"/>
+                    </a:lnR>
+                  </a:tcPr>
+                </a:tc>
+                <a:tc hMerge="1">
+                  <a:txBody>
+                    <a:bodyPr/>
+                    <a:lstStyle/>
+                    <a:p>
+                      <a:pPr latinLnBrk="1"/>
+                      <a:endParaRPr lang="ko-KR" altLang="en-US"/>
+                    </a:p>
+                  </a:txBody>
+                  <a:tcPr/>
+                </a:tc>
+                <a:tc>
+                  <a:txBody>
+                    <a:bodyPr/>
+                    <a:lstStyle/>
+                    <a:p>
+                      <a:pPr marL="0" marR="0" indent="0" algn="ctr" defTabSz="914400" rtl="0" eaLnBrk="1" fontAlgn="auto" latinLnBrk="1" hangingPunct="1">
+                        <a:lnSpc>
+                          <a:spcPct val="100000"/>
+                        </a:lnSpc>
+                        <a:spcBef>
+                          <a:spcPts val="0"/>
+                        </a:spcBef>
+                        <a:spcAft>
+                          <a:spcPts val="0"/>
+                        </a:spcAft>
+                        <a:buClrTx/>
+                        <a:buSzTx/>
+                        <a:buFontTx/>
+                        <a:buNone/>
+                        <a:tabLst/>
+                        <a:defRPr/>
+                      </a:pPr>
+                      <a:r>
+                        <a:rPr lang="en-US" altLang="ko-KR" dirty="0" smtClean="0"/>
+                        <a:t>NOT NULL</a:t>
+                      </a:r>
+                      <a:endParaRPr lang="ko-KR" altLang="en-US" dirty="0" smtClean="0"/>
+                    </a:p>
+                  </a:txBody>
+                  <a:tcPr>
+                    <a:lnL w="12700" cap="flat" cmpd="sng" algn="ctr">
+                      <a:solidFill>
+                        <a:schemeClr val="accent3">
+                          <a:lumMod val="60000"/>
+                          <a:lumOff val="40000"/>
+                        </a:schemeClr>
+                      </a:solidFill>
+                      <a:prstDash val="solid"/>
+                      <a:round/>
+                      <a:headEnd type="none" w="med" len="med"/>
+                      <a:tailEnd type="none" w="med" len="med"/>
+                    </a:lnL>
+                  </a:tcPr>
+                </a:tc>
+                <a:extLst>
+                  <a:ext uri="{0D108BD9-81ED-4DB2-BD59-A6C34878D82A}">
+                    <a16:rowId xmlns:a16="http://schemas.microsoft.com/office/drawing/2014/main" val="192837359"/>
+                  </a:ext>
+                </a:extLst>
+              </a:tr>
+            </a:tbl>
+          </a:graphicData>
+        </a:graphic>
+      </p:graphicFrame>
     </p:spTree>
     <p:extLst>
       <p:ext uri="{BB962C8B-B14F-4D97-AF65-F5344CB8AC3E}">

--- a/SimpleProjects/Module/ParkingArea/1.Design/Database/Database_ERDiagram.pptx
+++ b/SimpleProjects/Module/ParkingArea/1.Design/Database/Database_ERDiagram.pptx
@@ -305,7 +305,7 @@
           <a:p>
             <a:fld id="{E90ED720-0104-4369-84BC-D37694168613}" type="datetimeFigureOut">
               <a:rPr kumimoji="1" lang="ja-JP" altLang="en-US" smtClean="0"/>
-              <a:t>2020/5/5</a:t>
+              <a:t>2020/5/6</a:t>
             </a:fld>
             <a:endParaRPr kumimoji="1" lang="ja-JP" altLang="en-US"/>
           </a:p>
@@ -502,7 +502,7 @@
           <a:p>
             <a:fld id="{E90ED720-0104-4369-84BC-D37694168613}" type="datetimeFigureOut">
               <a:rPr kumimoji="1" lang="ja-JP" altLang="en-US" smtClean="0"/>
-              <a:t>2020/5/5</a:t>
+              <a:t>2020/5/6</a:t>
             </a:fld>
             <a:endParaRPr kumimoji="1" lang="ja-JP" altLang="en-US"/>
           </a:p>
@@ -709,7 +709,7 @@
           <a:p>
             <a:fld id="{E90ED720-0104-4369-84BC-D37694168613}" type="datetimeFigureOut">
               <a:rPr kumimoji="1" lang="ja-JP" altLang="en-US" smtClean="0"/>
-              <a:t>2020/5/5</a:t>
+              <a:t>2020/5/6</a:t>
             </a:fld>
             <a:endParaRPr kumimoji="1" lang="ja-JP" altLang="en-US"/>
           </a:p>
@@ -906,7 +906,7 @@
           <a:p>
             <a:fld id="{E90ED720-0104-4369-84BC-D37694168613}" type="datetimeFigureOut">
               <a:rPr kumimoji="1" lang="ja-JP" altLang="en-US" smtClean="0"/>
-              <a:t>2020/5/5</a:t>
+              <a:t>2020/5/6</a:t>
             </a:fld>
             <a:endParaRPr kumimoji="1" lang="ja-JP" altLang="en-US"/>
           </a:p>
@@ -1147,7 +1147,7 @@
           <a:p>
             <a:fld id="{E90ED720-0104-4369-84BC-D37694168613}" type="datetimeFigureOut">
               <a:rPr kumimoji="1" lang="ja-JP" altLang="en-US" smtClean="0"/>
-              <a:t>2020/5/5</a:t>
+              <a:t>2020/5/6</a:t>
             </a:fld>
             <a:endParaRPr kumimoji="1" lang="ja-JP" altLang="en-US"/>
           </a:p>
@@ -1494,7 +1494,7 @@
           <a:p>
             <a:fld id="{E90ED720-0104-4369-84BC-D37694168613}" type="datetimeFigureOut">
               <a:rPr kumimoji="1" lang="ja-JP" altLang="en-US" smtClean="0"/>
-              <a:t>2020/5/5</a:t>
+              <a:t>2020/5/6</a:t>
             </a:fld>
             <a:endParaRPr kumimoji="1" lang="ja-JP" altLang="en-US"/>
           </a:p>
@@ -1975,7 +1975,7 @@
           <a:p>
             <a:fld id="{E90ED720-0104-4369-84BC-D37694168613}" type="datetimeFigureOut">
               <a:rPr kumimoji="1" lang="ja-JP" altLang="en-US" smtClean="0"/>
-              <a:t>2020/5/5</a:t>
+              <a:t>2020/5/6</a:t>
             </a:fld>
             <a:endParaRPr kumimoji="1" lang="ja-JP" altLang="en-US"/>
           </a:p>
@@ -2088,7 +2088,7 @@
           <a:p>
             <a:fld id="{E90ED720-0104-4369-84BC-D37694168613}" type="datetimeFigureOut">
               <a:rPr kumimoji="1" lang="ja-JP" altLang="en-US" smtClean="0"/>
-              <a:t>2020/5/5</a:t>
+              <a:t>2020/5/6</a:t>
             </a:fld>
             <a:endParaRPr kumimoji="1" lang="ja-JP" altLang="en-US"/>
           </a:p>
@@ -2178,7 +2178,7 @@
           <a:p>
             <a:fld id="{E90ED720-0104-4369-84BC-D37694168613}" type="datetimeFigureOut">
               <a:rPr kumimoji="1" lang="ja-JP" altLang="en-US" smtClean="0"/>
-              <a:t>2020/5/5</a:t>
+              <a:t>2020/5/6</a:t>
             </a:fld>
             <a:endParaRPr kumimoji="1" lang="ja-JP" altLang="en-US"/>
           </a:p>
@@ -2482,7 +2482,7 @@
           <a:p>
             <a:fld id="{E90ED720-0104-4369-84BC-D37694168613}" type="datetimeFigureOut">
               <a:rPr kumimoji="1" lang="ja-JP" altLang="en-US" smtClean="0"/>
-              <a:t>2020/5/5</a:t>
+              <a:t>2020/5/6</a:t>
             </a:fld>
             <a:endParaRPr kumimoji="1" lang="ja-JP" altLang="en-US"/>
           </a:p>
@@ -2730,7 +2730,7 @@
           <a:p>
             <a:fld id="{E90ED720-0104-4369-84BC-D37694168613}" type="datetimeFigureOut">
               <a:rPr kumimoji="1" lang="ja-JP" altLang="en-US" smtClean="0"/>
-              <a:t>2020/5/5</a:t>
+              <a:t>2020/5/6</a:t>
             </a:fld>
             <a:endParaRPr kumimoji="1" lang="ja-JP" altLang="en-US"/>
           </a:p>
@@ -2970,7 +2970,7 @@
           <a:p>
             <a:fld id="{E90ED720-0104-4369-84BC-D37694168613}" type="datetimeFigureOut">
               <a:rPr kumimoji="1" lang="ja-JP" altLang="en-US" smtClean="0"/>
-              <a:t>2020/5/5</a:t>
+              <a:t>2020/5/6</a:t>
             </a:fld>
             <a:endParaRPr kumimoji="1" lang="ja-JP" altLang="en-US"/>
           </a:p>
@@ -3349,7 +3349,7 @@
           <p:nvPr>
             <p:extLst>
               <p:ext uri="{D42A27DB-BD31-4B8C-83A1-F6EECF244321}">
-                <p14:modId xmlns:p14="http://schemas.microsoft.com/office/powerpoint/2010/main" val="3972229413"/>
+                <p14:modId xmlns:p14="http://schemas.microsoft.com/office/powerpoint/2010/main" val="547110145"/>
               </p:ext>
             </p:extLst>
           </p:nvPr>
@@ -3621,7 +3621,7 @@
                     <a:bodyPr/>
                     <a:lstStyle/>
                     <a:p>
-                      <a:pPr algn="ctr" latinLnBrk="1"/>
+                      <a:pPr algn="l" latinLnBrk="1"/>
                       <a:r>
                         <a:rPr lang="en-US" altLang="ko-KR" dirty="0" smtClean="0"/>
                         <a:t>LOT_NUMBER</a:t>
@@ -3703,8 +3703,9 @@
                       <a:pPr algn="ctr" latinLnBrk="1"/>
                       <a:r>
                         <a:rPr lang="en-US" altLang="ko-KR" baseline="0" dirty="0" smtClean="0"/>
-                        <a:t>Primary key</a:t>
+                        <a:t>PRIMARY KEY</a:t>
                       </a:r>
+                      <a:endParaRPr lang="en-US" altLang="ko-KR" baseline="0" dirty="0" smtClean="0"/>
                     </a:p>
                   </a:txBody>
                   <a:tcPr>
@@ -3734,7 +3735,7 @@
                     <a:bodyPr/>
                     <a:lstStyle/>
                     <a:p>
-                      <a:pPr algn="ctr" latinLnBrk="1"/>
+                      <a:pPr algn="l" latinLnBrk="1"/>
                       <a:r>
                         <a:rPr lang="en-US" altLang="ko-KR" dirty="0" smtClean="0"/>
                         <a:t>LOT_NAME</a:t>
@@ -3852,7 +3853,7 @@
                     <a:bodyPr/>
                     <a:lstStyle/>
                     <a:p>
-                      <a:pPr algn="ctr" latinLnBrk="1"/>
+                      <a:pPr algn="l" latinLnBrk="1"/>
                       <a:r>
                         <a:rPr lang="en-US" altLang="ko-KR" dirty="0" smtClean="0"/>
                         <a:t>ACCEPTABLE_SMALL</a:t>
@@ -3986,7 +3987,7 @@
                     <a:bodyPr/>
                     <a:lstStyle/>
                     <a:p>
-                      <a:pPr algn="ctr" latinLnBrk="1"/>
+                      <a:pPr algn="l" latinLnBrk="1"/>
                       <a:r>
                         <a:rPr lang="en-US" altLang="ko-KR" dirty="0" smtClean="0"/>
                         <a:t>ACCEPTABLE_MEDIUM</a:t>
@@ -4120,7 +4121,7 @@
                     <a:bodyPr/>
                     <a:lstStyle/>
                     <a:p>
-                      <a:pPr algn="ctr" latinLnBrk="1"/>
+                      <a:pPr algn="l" latinLnBrk="1"/>
                       <a:r>
                         <a:rPr lang="en-US" altLang="ko-KR" dirty="0" smtClean="0"/>
                         <a:t>ACCEPTABLE_HEAVY</a:t>
@@ -4254,7 +4255,7 @@
                     <a:bodyPr/>
                     <a:lstStyle/>
                     <a:p>
-                      <a:pPr algn="ctr" latinLnBrk="1"/>
+                      <a:pPr algn="l" latinLnBrk="1"/>
                       <a:r>
                         <a:rPr lang="en-US" altLang="ko-KR" dirty="0" smtClean="0"/>
                         <a:t>DEL_FLG</a:t>
@@ -5513,7 +5514,7 @@
           <p:nvPr>
             <p:extLst>
               <p:ext uri="{D42A27DB-BD31-4B8C-83A1-F6EECF244321}">
-                <p14:modId xmlns:p14="http://schemas.microsoft.com/office/powerpoint/2010/main" val="686568572"/>
+                <p14:modId xmlns:p14="http://schemas.microsoft.com/office/powerpoint/2010/main" val="2550545233"/>
               </p:ext>
             </p:extLst>
           </p:nvPr>
@@ -5785,7 +5786,7 @@
                     <a:bodyPr/>
                     <a:lstStyle/>
                     <a:p>
-                      <a:pPr algn="ctr" latinLnBrk="1"/>
+                      <a:pPr algn="l" latinLnBrk="1"/>
                       <a:r>
                         <a:rPr lang="en-US" altLang="ko-KR" dirty="0" smtClean="0"/>
                         <a:t>VEHICLE_NUMBER</a:t>
@@ -5867,8 +5868,9 @@
                       <a:pPr algn="ctr" latinLnBrk="1"/>
                       <a:r>
                         <a:rPr lang="en-US" altLang="ko-KR" baseline="0" dirty="0" smtClean="0"/>
-                        <a:t>Primary key</a:t>
+                        <a:t>PRIMARY KEY</a:t>
                       </a:r>
+                      <a:endParaRPr lang="en-US" altLang="ko-KR" baseline="0" dirty="0" smtClean="0"/>
                     </a:p>
                   </a:txBody>
                   <a:tcPr>
@@ -5898,7 +5900,7 @@
                     <a:bodyPr/>
                     <a:lstStyle/>
                     <a:p>
-                      <a:pPr algn="ctr" latinLnBrk="1"/>
+                      <a:pPr algn="l" latinLnBrk="1"/>
                       <a:r>
                         <a:rPr lang="en-US" altLang="ko-KR" dirty="0" smtClean="0"/>
                         <a:t>CLIENT_NUMBER</a:t>
@@ -6016,7 +6018,7 @@
                     <a:bodyPr/>
                     <a:lstStyle/>
                     <a:p>
-                      <a:pPr algn="ctr" latinLnBrk="1"/>
+                      <a:pPr algn="l" latinLnBrk="1"/>
                       <a:r>
                         <a:rPr lang="en-US" altLang="ko-KR" dirty="0" smtClean="0"/>
                         <a:t>ARRIVAL_TIME</a:t>
@@ -6150,7 +6152,7 @@
                     <a:bodyPr/>
                     <a:lstStyle/>
                     <a:p>
-                      <a:pPr algn="ctr" latinLnBrk="1"/>
+                      <a:pPr algn="l" latinLnBrk="1"/>
                       <a:r>
                         <a:rPr lang="en-US" altLang="ko-KR" dirty="0" smtClean="0"/>
                         <a:t>DEPARTURE_TIME</a:t>
@@ -6296,7 +6298,7 @@
                     <a:bodyPr/>
                     <a:lstStyle/>
                     <a:p>
-                      <a:pPr algn="ctr" latinLnBrk="1"/>
+                      <a:pPr algn="l" latinLnBrk="1"/>
                       <a:r>
                         <a:rPr lang="en-US" altLang="ko-KR" dirty="0" smtClean="0"/>
                         <a:t>HOURS_OF_USE</a:t>
@@ -6442,7 +6444,7 @@
                     <a:bodyPr/>
                     <a:lstStyle/>
                     <a:p>
-                      <a:pPr algn="ctr" latinLnBrk="1"/>
+                      <a:pPr algn="l" latinLnBrk="1"/>
                       <a:r>
                         <a:rPr lang="en-US" altLang="ko-KR" dirty="0" smtClean="0"/>
                         <a:t>COST_OF_USE</a:t>
@@ -6588,7 +6590,7 @@
                     <a:bodyPr/>
                     <a:lstStyle/>
                     <a:p>
-                      <a:pPr algn="ctr" latinLnBrk="1"/>
+                      <a:pPr algn="l" latinLnBrk="1"/>
                       <a:r>
                         <a:rPr lang="en-US" altLang="ko-KR" dirty="0" smtClean="0"/>
                         <a:t>END_BISUNESS_FLG</a:t>

--- a/SimpleProjects/Module/ParkingArea/1.Design/Database/Database_ERDiagram.pptx
+++ b/SimpleProjects/Module/ParkingArea/1.Design/Database/Database_ERDiagram.pptx
@@ -3349,7 +3349,7 @@
           <p:nvPr>
             <p:extLst>
               <p:ext uri="{D42A27DB-BD31-4B8C-83A1-F6EECF244321}">
-                <p14:modId xmlns:p14="http://schemas.microsoft.com/office/powerpoint/2010/main" val="547110145"/>
+                <p14:modId xmlns:p14="http://schemas.microsoft.com/office/powerpoint/2010/main" val="3800749324"/>
               </p:ext>
             </p:extLst>
           </p:nvPr>
@@ -3442,7 +3442,7 @@
                       <a:pPr algn="ctr" latinLnBrk="1"/>
                       <a:r>
                         <a:rPr lang="en-US" altLang="ko-KR" dirty="0" smtClean="0"/>
-                        <a:t>T_LOT_INFORMATION</a:t>
+                        <a:t>LOT_INFORMATION</a:t>
                       </a:r>
                       <a:endParaRPr lang="ko-KR" altLang="en-US" dirty="0"/>
                     </a:p>
@@ -3652,7 +3652,7 @@
                       <a:pPr algn="ctr" latinLnBrk="1"/>
                       <a:r>
                         <a:rPr lang="en-US" altLang="ko-KR" dirty="0" smtClean="0"/>
-                        <a:t>VARCHAR(20)</a:t>
+                        <a:t>NUMBER</a:t>
                       </a:r>
                       <a:endParaRPr lang="ko-KR" altLang="en-US" dirty="0"/>
                     </a:p>
@@ -3705,7 +3705,6 @@
                         <a:rPr lang="en-US" altLang="ko-KR" baseline="0" dirty="0" smtClean="0"/>
                         <a:t>PRIMARY KEY</a:t>
                       </a:r>
-                      <a:endParaRPr lang="en-US" altLang="ko-KR" baseline="0" dirty="0" smtClean="0"/>
                     </a:p>
                   </a:txBody>
                   <a:tcPr>
@@ -5514,7 +5513,7 @@
           <p:nvPr>
             <p:extLst>
               <p:ext uri="{D42A27DB-BD31-4B8C-83A1-F6EECF244321}">
-                <p14:modId xmlns:p14="http://schemas.microsoft.com/office/powerpoint/2010/main" val="2550545233"/>
+                <p14:modId xmlns:p14="http://schemas.microsoft.com/office/powerpoint/2010/main" val="964998373"/>
               </p:ext>
             </p:extLst>
           </p:nvPr>
@@ -5607,7 +5606,7 @@
                       <a:pPr algn="ctr" latinLnBrk="1"/>
                       <a:r>
                         <a:rPr lang="en-US" altLang="ko-KR" dirty="0" smtClean="0"/>
-                        <a:t>T_ENTRY_BOOK</a:t>
+                        <a:t>ENTRY_BOOK</a:t>
                       </a:r>
                       <a:endParaRPr lang="ko-KR" altLang="en-US" dirty="0"/>
                     </a:p>
@@ -5870,7 +5869,6 @@
                         <a:rPr lang="en-US" altLang="ko-KR" baseline="0" dirty="0" smtClean="0"/>
                         <a:t>PRIMARY KEY</a:t>
                       </a:r>
-                      <a:endParaRPr lang="en-US" altLang="ko-KR" baseline="0" dirty="0" smtClean="0"/>
                     </a:p>
                   </a:txBody>
                   <a:tcPr>

--- a/SimpleProjects/Module/ParkingArea/1.Design/Database/Database_ERDiagram.pptx
+++ b/SimpleProjects/Module/ParkingArea/1.Design/Database/Database_ERDiagram.pptx
@@ -3349,7 +3349,7 @@
           <p:nvPr>
             <p:extLst>
               <p:ext uri="{D42A27DB-BD31-4B8C-83A1-F6EECF244321}">
-                <p14:modId xmlns:p14="http://schemas.microsoft.com/office/powerpoint/2010/main" val="3800749324"/>
+                <p14:modId xmlns:p14="http://schemas.microsoft.com/office/powerpoint/2010/main" val="2719897553"/>
               </p:ext>
             </p:extLst>
           </p:nvPr>
@@ -4301,7 +4301,7 @@
                       </a:pPr>
                       <a:r>
                         <a:rPr lang="en-US" altLang="ko-KR" dirty="0" smtClean="0"/>
-                        <a:t>Char(1)</a:t>
+                        <a:t>CHAR(1)</a:t>
                       </a:r>
                       <a:endParaRPr lang="ko-KR" altLang="en-US" dirty="0" smtClean="0"/>
                     </a:p>
